--- a/Project_2_Analyze_NYSE_Data.pptx
+++ b/Project_2_Analyze_NYSE_Data.pptx
@@ -1,29 +1,29 @@
 
 <file path=ppt/presentation.xml><?xml version="1.0" encoding="utf-8"?>
-<p:presentation xmlns:a="http://schemas.openxmlformats.org/drawingml/2006/main" xmlns:r="http://schemas.openxmlformats.org/officeDocument/2006/relationships" xmlns:mc="http://schemas.openxmlformats.org/markup-compatibility/2006" xmlns:mv="urn:schemas-microsoft-com:mac:vml" xmlns:p="http://schemas.openxmlformats.org/presentationml/2006/main" xmlns:c="http://schemas.openxmlformats.org/drawingml/2006/chart" xmlns:dgm="http://schemas.openxmlformats.org/drawingml/2006/diagram" xmlns:o="urn:schemas-microsoft-com:office:office" xmlns:v="urn:schemas-microsoft-com:vml" xmlns:pvml="urn:schemas-microsoft-com:office:powerpoint" xmlns:com="http://schemas.openxmlformats.org/drawingml/2006/compatibility" xmlns:p14="http://schemas.microsoft.com/office/powerpoint/2010/main" xmlns:p15="http://schemas.microsoft.com/office/powerpoint/2012/main" xmlns:ahyp="http://schemas.microsoft.com/office/drawing/2018/hyperlinkcolor" autoCompressPictures="0" embedTrueTypeFonts="1" strictFirstAndLastChars="0" saveSubsetFonts="1">
+<p:presentation xmlns:a="http://schemas.openxmlformats.org/drawingml/2006/main" xmlns:r="http://schemas.openxmlformats.org/officeDocument/2006/relationships" xmlns:p="http://schemas.openxmlformats.org/presentationml/2006/main" strictFirstAndLastChars="0" embedTrueTypeFonts="1" saveSubsetFonts="1" autoCompressPictures="0">
   <p:sldMasterIdLst>
-    <p:sldMasterId id="2147483659" r:id="rId3"/>
+    <p:sldMasterId id="2147483659" r:id="rId1"/>
   </p:sldMasterIdLst>
   <p:notesMasterIdLst>
     <p:notesMasterId r:id="rId4"/>
   </p:notesMasterIdLst>
   <p:sldIdLst>
-    <p:sldId id="256" r:id="rId5"/>
-    <p:sldId id="257" r:id="rId6"/>
+    <p:sldId id="256" r:id="rId2"/>
+    <p:sldId id="257" r:id="rId3"/>
   </p:sldIdLst>
-  <p:sldSz cy="5143500" cx="9144000"/>
+  <p:sldSz cx="9144000" cy="5143500" type="screen16x9"/>
   <p:notesSz cx="6858000" cy="9144000"/>
   <p:embeddedFontLst>
     <p:embeddedFont>
-      <p:font typeface="Open Sans"/>
-      <p:regular r:id="rId7"/>
-      <p:bold r:id="rId8"/>
-      <p:italic r:id="rId9"/>
-      <p:boldItalic r:id="rId10"/>
+      <p:font typeface="Open Sans" panose="020B0606030504020204" pitchFamily="34" charset="0"/>
+      <p:regular r:id="rId5"/>
+      <p:bold r:id="rId6"/>
+      <p:italic r:id="rId7"/>
+      <p:boldItalic r:id="rId8"/>
     </p:embeddedFont>
   </p:embeddedFontLst>
   <p:defaultTextStyle>
-    <a:defPPr lvl="0" marR="0" rtl="0" algn="l">
+    <a:defPPr marR="0" lvl="0" algn="l" rtl="0">
       <a:lnSpc>
         <a:spcPct val="100000"/>
       </a:lnSpc>
@@ -34,7 +34,7 @@
         <a:spcPts val="0"/>
       </a:spcAft>
     </a:defPPr>
-    <a:lvl1pPr lvl="0" marR="0" rtl="0" algn="l">
+    <a:lvl1pPr marR="0" lvl="0" algn="l" rtl="0">
       <a:lnSpc>
         <a:spcPct val="100000"/>
       </a:lnSpc>
@@ -48,7 +48,7 @@
         <a:srgbClr val="000000"/>
       </a:buClr>
       <a:buFont typeface="Arial"/>
-      <a:defRPr b="0" i="0" sz="1400" u="none" cap="none" strike="noStrike">
+      <a:defRPr sz="1400" b="0" i="0" u="none" strike="noStrike" cap="none">
         <a:solidFill>
           <a:srgbClr val="000000"/>
         </a:solidFill>
@@ -58,7 +58,7 @@
         <a:sym typeface="Arial"/>
       </a:defRPr>
     </a:lvl1pPr>
-    <a:lvl2pPr lvl="1" marR="0" rtl="0" algn="l">
+    <a:lvl2pPr marR="0" lvl="1" algn="l" rtl="0">
       <a:lnSpc>
         <a:spcPct val="100000"/>
       </a:lnSpc>
@@ -72,7 +72,7 @@
         <a:srgbClr val="000000"/>
       </a:buClr>
       <a:buFont typeface="Arial"/>
-      <a:defRPr b="0" i="0" sz="1400" u="none" cap="none" strike="noStrike">
+      <a:defRPr sz="1400" b="0" i="0" u="none" strike="noStrike" cap="none">
         <a:solidFill>
           <a:srgbClr val="000000"/>
         </a:solidFill>
@@ -82,7 +82,7 @@
         <a:sym typeface="Arial"/>
       </a:defRPr>
     </a:lvl2pPr>
-    <a:lvl3pPr lvl="2" marR="0" rtl="0" algn="l">
+    <a:lvl3pPr marR="0" lvl="2" algn="l" rtl="0">
       <a:lnSpc>
         <a:spcPct val="100000"/>
       </a:lnSpc>
@@ -96,7 +96,7 @@
         <a:srgbClr val="000000"/>
       </a:buClr>
       <a:buFont typeface="Arial"/>
-      <a:defRPr b="0" i="0" sz="1400" u="none" cap="none" strike="noStrike">
+      <a:defRPr sz="1400" b="0" i="0" u="none" strike="noStrike" cap="none">
         <a:solidFill>
           <a:srgbClr val="000000"/>
         </a:solidFill>
@@ -106,7 +106,7 @@
         <a:sym typeface="Arial"/>
       </a:defRPr>
     </a:lvl3pPr>
-    <a:lvl4pPr lvl="3" marR="0" rtl="0" algn="l">
+    <a:lvl4pPr marR="0" lvl="3" algn="l" rtl="0">
       <a:lnSpc>
         <a:spcPct val="100000"/>
       </a:lnSpc>
@@ -120,7 +120,7 @@
         <a:srgbClr val="000000"/>
       </a:buClr>
       <a:buFont typeface="Arial"/>
-      <a:defRPr b="0" i="0" sz="1400" u="none" cap="none" strike="noStrike">
+      <a:defRPr sz="1400" b="0" i="0" u="none" strike="noStrike" cap="none">
         <a:solidFill>
           <a:srgbClr val="000000"/>
         </a:solidFill>
@@ -130,7 +130,7 @@
         <a:sym typeface="Arial"/>
       </a:defRPr>
     </a:lvl4pPr>
-    <a:lvl5pPr lvl="4" marR="0" rtl="0" algn="l">
+    <a:lvl5pPr marR="0" lvl="4" algn="l" rtl="0">
       <a:lnSpc>
         <a:spcPct val="100000"/>
       </a:lnSpc>
@@ -144,7 +144,7 @@
         <a:srgbClr val="000000"/>
       </a:buClr>
       <a:buFont typeface="Arial"/>
-      <a:defRPr b="0" i="0" sz="1400" u="none" cap="none" strike="noStrike">
+      <a:defRPr sz="1400" b="0" i="0" u="none" strike="noStrike" cap="none">
         <a:solidFill>
           <a:srgbClr val="000000"/>
         </a:solidFill>
@@ -154,7 +154,7 @@
         <a:sym typeface="Arial"/>
       </a:defRPr>
     </a:lvl5pPr>
-    <a:lvl6pPr lvl="5" marR="0" rtl="0" algn="l">
+    <a:lvl6pPr marR="0" lvl="5" algn="l" rtl="0">
       <a:lnSpc>
         <a:spcPct val="100000"/>
       </a:lnSpc>
@@ -168,7 +168,7 @@
         <a:srgbClr val="000000"/>
       </a:buClr>
       <a:buFont typeface="Arial"/>
-      <a:defRPr b="0" i="0" sz="1400" u="none" cap="none" strike="noStrike">
+      <a:defRPr sz="1400" b="0" i="0" u="none" strike="noStrike" cap="none">
         <a:solidFill>
           <a:srgbClr val="000000"/>
         </a:solidFill>
@@ -178,7 +178,7 @@
         <a:sym typeface="Arial"/>
       </a:defRPr>
     </a:lvl6pPr>
-    <a:lvl7pPr lvl="6" marR="0" rtl="0" algn="l">
+    <a:lvl7pPr marR="0" lvl="6" algn="l" rtl="0">
       <a:lnSpc>
         <a:spcPct val="100000"/>
       </a:lnSpc>
@@ -192,7 +192,7 @@
         <a:srgbClr val="000000"/>
       </a:buClr>
       <a:buFont typeface="Arial"/>
-      <a:defRPr b="0" i="0" sz="1400" u="none" cap="none" strike="noStrike">
+      <a:defRPr sz="1400" b="0" i="0" u="none" strike="noStrike" cap="none">
         <a:solidFill>
           <a:srgbClr val="000000"/>
         </a:solidFill>
@@ -202,7 +202,7 @@
         <a:sym typeface="Arial"/>
       </a:defRPr>
     </a:lvl7pPr>
-    <a:lvl8pPr lvl="7" marR="0" rtl="0" algn="l">
+    <a:lvl8pPr marR="0" lvl="7" algn="l" rtl="0">
       <a:lnSpc>
         <a:spcPct val="100000"/>
       </a:lnSpc>
@@ -216,7 +216,7 @@
         <a:srgbClr val="000000"/>
       </a:buClr>
       <a:buFont typeface="Arial"/>
-      <a:defRPr b="0" i="0" sz="1400" u="none" cap="none" strike="noStrike">
+      <a:defRPr sz="1400" b="0" i="0" u="none" strike="noStrike" cap="none">
         <a:solidFill>
           <a:srgbClr val="000000"/>
         </a:solidFill>
@@ -226,7 +226,7 @@
         <a:sym typeface="Arial"/>
       </a:defRPr>
     </a:lvl8pPr>
-    <a:lvl9pPr lvl="8" marR="0" rtl="0" algn="l">
+    <a:lvl9pPr marR="0" lvl="8" algn="l" rtl="0">
       <a:lnSpc>
         <a:spcPct val="100000"/>
       </a:lnSpc>
@@ -240,7 +240,7 @@
         <a:srgbClr val="000000"/>
       </a:buClr>
       <a:buFont typeface="Arial"/>
-      <a:defRPr b="0" i="0" sz="1400" u="none" cap="none" strike="noStrike">
+      <a:defRPr sz="1400" b="0" i="0" u="none" strike="noStrike" cap="none">
         <a:solidFill>
           <a:srgbClr val="000000"/>
         </a:solidFill>
@@ -255,11 +255,16 @@
 </file>
 
 <file path=ppt/notesMasters/notesMaster1.xml><?xml version="1.0" encoding="utf-8"?>
-<p:notesMaster xmlns:a="http://schemas.openxmlformats.org/drawingml/2006/main" xmlns:r="http://schemas.openxmlformats.org/officeDocument/2006/relationships" xmlns:mc="http://schemas.openxmlformats.org/markup-compatibility/2006" xmlns:mv="urn:schemas-microsoft-com:mac:vml" xmlns:p="http://schemas.openxmlformats.org/presentationml/2006/main" xmlns:c="http://schemas.openxmlformats.org/drawingml/2006/chart" xmlns:dgm="http://schemas.openxmlformats.org/drawingml/2006/diagram" xmlns:o="urn:schemas-microsoft-com:office:office" xmlns:v="urn:schemas-microsoft-com:vml" xmlns:pvml="urn:schemas-microsoft-com:office:powerpoint" xmlns:com="http://schemas.openxmlformats.org/drawingml/2006/compatibility" xmlns:p14="http://schemas.microsoft.com/office/powerpoint/2010/main" xmlns:p15="http://schemas.microsoft.com/office/powerpoint/2012/main" xmlns:ahyp="http://schemas.microsoft.com/office/drawing/2018/hyperlinkcolor">
+<p:notesMaster xmlns:a="http://schemas.openxmlformats.org/drawingml/2006/main" xmlns:r="http://schemas.openxmlformats.org/officeDocument/2006/relationships" xmlns:p="http://schemas.openxmlformats.org/presentationml/2006/main">
   <p:cSld>
+    <p:bg>
+      <p:bgRef idx="1001">
+        <a:schemeClr val="bg1"/>
+      </p:bgRef>
+    </p:bg>
     <p:spTree>
       <p:nvGrpSpPr>
-        <p:cNvPr id="2" name="Shape 2"/>
+        <p:cNvPr id="1" name="Shape 2"/>
         <p:cNvGrpSpPr/>
         <p:nvPr/>
       </p:nvGrpSpPr>
@@ -274,9 +279,11 @@
       <p:sp>
         <p:nvSpPr>
           <p:cNvPr id="3" name="Google Shape;3;n"/>
-          <p:cNvSpPr/>
+          <p:cNvSpPr>
+            <a:spLocks noGrp="1" noRot="1" noChangeAspect="1"/>
+          </p:cNvSpPr>
           <p:nvPr>
-            <p:ph idx="2" type="sldImg"/>
+            <p:ph type="sldImg" idx="2"/>
           </p:nvPr>
         </p:nvSpPr>
         <p:spPr>
@@ -285,9 +292,13 @@
             <a:ext cx="6096075" cy="3429000"/>
           </a:xfrm>
           <a:custGeom>
-            <a:rect b="b" l="l" r="r" t="t"/>
+            <a:avLst/>
+            <a:gdLst/>
+            <a:ahLst/>
+            <a:cxnLst/>
+            <a:rect l="l" t="t" r="r" b="b"/>
             <a:pathLst>
-              <a:path extrusionOk="0" h="120000" w="120000">
+              <a:path w="120000" h="120000" extrusionOk="0">
                 <a:moveTo>
                   <a:pt x="0" y="0"/>
                 </a:moveTo>
@@ -305,23 +316,25 @@
             </a:pathLst>
           </a:custGeom>
           <a:noFill/>
-          <a:ln cap="flat" cmpd="sng" w="9525">
+          <a:ln w="9525" cap="flat" cmpd="sng">
             <a:solidFill>
               <a:srgbClr val="000000"/>
             </a:solidFill>
             <a:prstDash val="solid"/>
             <a:round/>
-            <a:headEnd len="sm" w="sm" type="none"/>
-            <a:tailEnd len="sm" w="sm" type="none"/>
+            <a:headEnd type="none" w="sm" len="sm"/>
+            <a:tailEnd type="none" w="sm" len="sm"/>
           </a:ln>
         </p:spPr>
       </p:sp>
       <p:sp>
         <p:nvSpPr>
           <p:cNvPr id="4" name="Google Shape;4;n"/>
-          <p:cNvSpPr txBox="1"/>
+          <p:cNvSpPr txBox="1">
+            <a:spLocks noGrp="1"/>
+          </p:cNvSpPr>
           <p:nvPr>
-            <p:ph idx="1" type="body"/>
+            <p:ph type="body" idx="1"/>
           </p:nvPr>
         </p:nvSpPr>
         <p:spPr>
@@ -338,11 +351,11 @@
           </a:ln>
         </p:spPr>
         <p:txBody>
-          <a:bodyPr anchorCtr="0" anchor="t" bIns="91425" lIns="91425" spcFirstLastPara="1" rIns="91425" wrap="square" tIns="91425">
+          <a:bodyPr spcFirstLastPara="1" wrap="square" lIns="91425" tIns="91425" rIns="91425" bIns="91425" anchor="t" anchorCtr="0">
             <a:noAutofit/>
           </a:bodyPr>
           <a:lstStyle>
-            <a:lvl1pPr indent="-317500" lvl="0" marL="457200">
+            <a:lvl1pPr marL="457200" lvl="0" indent="-317500">
               <a:spcBef>
                 <a:spcPts val="0"/>
               </a:spcBef>
@@ -353,7 +366,7 @@
               <a:buChar char="●"/>
               <a:defRPr sz="1100"/>
             </a:lvl1pPr>
-            <a:lvl2pPr indent="-317500" lvl="1" marL="914400">
+            <a:lvl2pPr marL="914400" lvl="1" indent="-317500">
               <a:spcBef>
                 <a:spcPts val="0"/>
               </a:spcBef>
@@ -364,7 +377,7 @@
               <a:buChar char="○"/>
               <a:defRPr sz="1100"/>
             </a:lvl2pPr>
-            <a:lvl3pPr indent="-317500" lvl="2" marL="1371600">
+            <a:lvl3pPr marL="1371600" lvl="2" indent="-317500">
               <a:spcBef>
                 <a:spcPts val="0"/>
               </a:spcBef>
@@ -375,7 +388,7 @@
               <a:buChar char="■"/>
               <a:defRPr sz="1100"/>
             </a:lvl3pPr>
-            <a:lvl4pPr indent="-317500" lvl="3" marL="1828800">
+            <a:lvl4pPr marL="1828800" lvl="3" indent="-317500">
               <a:spcBef>
                 <a:spcPts val="0"/>
               </a:spcBef>
@@ -386,7 +399,7 @@
               <a:buChar char="●"/>
               <a:defRPr sz="1100"/>
             </a:lvl4pPr>
-            <a:lvl5pPr indent="-317500" lvl="4" marL="2286000">
+            <a:lvl5pPr marL="2286000" lvl="4" indent="-317500">
               <a:spcBef>
                 <a:spcPts val="0"/>
               </a:spcBef>
@@ -397,7 +410,7 @@
               <a:buChar char="○"/>
               <a:defRPr sz="1100"/>
             </a:lvl5pPr>
-            <a:lvl6pPr indent="-317500" lvl="5" marL="2743200">
+            <a:lvl6pPr marL="2743200" lvl="5" indent="-317500">
               <a:spcBef>
                 <a:spcPts val="0"/>
               </a:spcBef>
@@ -408,7 +421,7 @@
               <a:buChar char="■"/>
               <a:defRPr sz="1100"/>
             </a:lvl6pPr>
-            <a:lvl7pPr indent="-317500" lvl="6" marL="3200400">
+            <a:lvl7pPr marL="3200400" lvl="6" indent="-317500">
               <a:spcBef>
                 <a:spcPts val="0"/>
               </a:spcBef>
@@ -419,7 +432,7 @@
               <a:buChar char="●"/>
               <a:defRPr sz="1100"/>
             </a:lvl7pPr>
-            <a:lvl8pPr indent="-317500" lvl="7" marL="3657600">
+            <a:lvl8pPr marL="3657600" lvl="7" indent="-317500">
               <a:spcBef>
                 <a:spcPts val="0"/>
               </a:spcBef>
@@ -430,7 +443,7 @@
               <a:buChar char="○"/>
               <a:defRPr sz="1100"/>
             </a:lvl8pPr>
-            <a:lvl9pPr indent="-317500" lvl="8" marL="4114800">
+            <a:lvl9pPr marL="4114800" lvl="8" indent="-317500">
               <a:spcBef>
                 <a:spcPts val="0"/>
               </a:spcBef>
@@ -442,14 +455,16 @@
               <a:defRPr sz="1100"/>
             </a:lvl9pPr>
           </a:lstStyle>
-          <a:p/>
+          <a:p>
+            <a:endParaRPr/>
+          </a:p>
         </p:txBody>
       </p:sp>
     </p:spTree>
   </p:cSld>
-  <p:clrMap accent1="accent1" accent2="accent2" accent3="accent3" accent4="accent4" accent5="accent5" accent6="accent6" bg1="lt1" bg2="dk2" tx1="dk1" tx2="lt2" folHlink="folHlink" hlink="hlink"/>
+  <p:clrMap bg1="lt1" tx1="dk1" bg2="dk2" tx2="lt2" accent1="accent1" accent2="accent2" accent3="accent3" accent4="accent4" accent5="accent5" accent6="accent6" hlink="hlink" folHlink="folHlink"/>
   <p:notesStyle>
-    <a:defPPr lvl="0" marR="0" rtl="0" algn="l">
+    <a:defPPr marR="0" lvl="0" algn="l" rtl="0">
       <a:lnSpc>
         <a:spcPct val="100000"/>
       </a:lnSpc>
@@ -460,7 +475,7 @@
         <a:spcPts val="0"/>
       </a:spcAft>
     </a:defPPr>
-    <a:lvl1pPr lvl="0" marR="0" rtl="0" algn="l">
+    <a:lvl1pPr marR="0" lvl="0" algn="l" rtl="0">
       <a:lnSpc>
         <a:spcPct val="100000"/>
       </a:lnSpc>
@@ -474,7 +489,7 @@
         <a:srgbClr val="000000"/>
       </a:buClr>
       <a:buFont typeface="Arial"/>
-      <a:defRPr b="0" i="0" sz="1400" u="none" cap="none" strike="noStrike">
+      <a:defRPr sz="1400" b="0" i="0" u="none" strike="noStrike" cap="none">
         <a:solidFill>
           <a:srgbClr val="000000"/>
         </a:solidFill>
@@ -484,7 +499,7 @@
         <a:sym typeface="Arial"/>
       </a:defRPr>
     </a:lvl1pPr>
-    <a:lvl2pPr lvl="1" marR="0" rtl="0" algn="l">
+    <a:lvl2pPr marR="0" lvl="1" algn="l" rtl="0">
       <a:lnSpc>
         <a:spcPct val="100000"/>
       </a:lnSpc>
@@ -498,7 +513,7 @@
         <a:srgbClr val="000000"/>
       </a:buClr>
       <a:buFont typeface="Arial"/>
-      <a:defRPr b="0" i="0" sz="1400" u="none" cap="none" strike="noStrike">
+      <a:defRPr sz="1400" b="0" i="0" u="none" strike="noStrike" cap="none">
         <a:solidFill>
           <a:srgbClr val="000000"/>
         </a:solidFill>
@@ -508,7 +523,7 @@
         <a:sym typeface="Arial"/>
       </a:defRPr>
     </a:lvl2pPr>
-    <a:lvl3pPr lvl="2" marR="0" rtl="0" algn="l">
+    <a:lvl3pPr marR="0" lvl="2" algn="l" rtl="0">
       <a:lnSpc>
         <a:spcPct val="100000"/>
       </a:lnSpc>
@@ -522,7 +537,7 @@
         <a:srgbClr val="000000"/>
       </a:buClr>
       <a:buFont typeface="Arial"/>
-      <a:defRPr b="0" i="0" sz="1400" u="none" cap="none" strike="noStrike">
+      <a:defRPr sz="1400" b="0" i="0" u="none" strike="noStrike" cap="none">
         <a:solidFill>
           <a:srgbClr val="000000"/>
         </a:solidFill>
@@ -532,7 +547,7 @@
         <a:sym typeface="Arial"/>
       </a:defRPr>
     </a:lvl3pPr>
-    <a:lvl4pPr lvl="3" marR="0" rtl="0" algn="l">
+    <a:lvl4pPr marR="0" lvl="3" algn="l" rtl="0">
       <a:lnSpc>
         <a:spcPct val="100000"/>
       </a:lnSpc>
@@ -546,7 +561,7 @@
         <a:srgbClr val="000000"/>
       </a:buClr>
       <a:buFont typeface="Arial"/>
-      <a:defRPr b="0" i="0" sz="1400" u="none" cap="none" strike="noStrike">
+      <a:defRPr sz="1400" b="0" i="0" u="none" strike="noStrike" cap="none">
         <a:solidFill>
           <a:srgbClr val="000000"/>
         </a:solidFill>
@@ -556,7 +571,7 @@
         <a:sym typeface="Arial"/>
       </a:defRPr>
     </a:lvl4pPr>
-    <a:lvl5pPr lvl="4" marR="0" rtl="0" algn="l">
+    <a:lvl5pPr marR="0" lvl="4" algn="l" rtl="0">
       <a:lnSpc>
         <a:spcPct val="100000"/>
       </a:lnSpc>
@@ -570,7 +585,7 @@
         <a:srgbClr val="000000"/>
       </a:buClr>
       <a:buFont typeface="Arial"/>
-      <a:defRPr b="0" i="0" sz="1400" u="none" cap="none" strike="noStrike">
+      <a:defRPr sz="1400" b="0" i="0" u="none" strike="noStrike" cap="none">
         <a:solidFill>
           <a:srgbClr val="000000"/>
         </a:solidFill>
@@ -580,7 +595,7 @@
         <a:sym typeface="Arial"/>
       </a:defRPr>
     </a:lvl5pPr>
-    <a:lvl6pPr lvl="5" marR="0" rtl="0" algn="l">
+    <a:lvl6pPr marR="0" lvl="5" algn="l" rtl="0">
       <a:lnSpc>
         <a:spcPct val="100000"/>
       </a:lnSpc>
@@ -594,7 +609,7 @@
         <a:srgbClr val="000000"/>
       </a:buClr>
       <a:buFont typeface="Arial"/>
-      <a:defRPr b="0" i="0" sz="1400" u="none" cap="none" strike="noStrike">
+      <a:defRPr sz="1400" b="0" i="0" u="none" strike="noStrike" cap="none">
         <a:solidFill>
           <a:srgbClr val="000000"/>
         </a:solidFill>
@@ -604,7 +619,7 @@
         <a:sym typeface="Arial"/>
       </a:defRPr>
     </a:lvl6pPr>
-    <a:lvl7pPr lvl="6" marR="0" rtl="0" algn="l">
+    <a:lvl7pPr marR="0" lvl="6" algn="l" rtl="0">
       <a:lnSpc>
         <a:spcPct val="100000"/>
       </a:lnSpc>
@@ -618,7 +633,7 @@
         <a:srgbClr val="000000"/>
       </a:buClr>
       <a:buFont typeface="Arial"/>
-      <a:defRPr b="0" i="0" sz="1400" u="none" cap="none" strike="noStrike">
+      <a:defRPr sz="1400" b="0" i="0" u="none" strike="noStrike" cap="none">
         <a:solidFill>
           <a:srgbClr val="000000"/>
         </a:solidFill>
@@ -628,7 +643,7 @@
         <a:sym typeface="Arial"/>
       </a:defRPr>
     </a:lvl7pPr>
-    <a:lvl8pPr lvl="7" marR="0" rtl="0" algn="l">
+    <a:lvl8pPr marR="0" lvl="7" algn="l" rtl="0">
       <a:lnSpc>
         <a:spcPct val="100000"/>
       </a:lnSpc>
@@ -642,7 +657,7 @@
         <a:srgbClr val="000000"/>
       </a:buClr>
       <a:buFont typeface="Arial"/>
-      <a:defRPr b="0" i="0" sz="1400" u="none" cap="none" strike="noStrike">
+      <a:defRPr sz="1400" b="0" i="0" u="none" strike="noStrike" cap="none">
         <a:solidFill>
           <a:srgbClr val="000000"/>
         </a:solidFill>
@@ -652,7 +667,7 @@
         <a:sym typeface="Arial"/>
       </a:defRPr>
     </a:lvl8pPr>
-    <a:lvl9pPr lvl="8" marR="0" rtl="0" algn="l">
+    <a:lvl9pPr marR="0" lvl="8" algn="l" rtl="0">
       <a:lnSpc>
         <a:spcPct val="100000"/>
       </a:lnSpc>
@@ -666,7 +681,7 @@
         <a:srgbClr val="000000"/>
       </a:buClr>
       <a:buFont typeface="Arial"/>
-      <a:defRPr b="0" i="0" sz="1400" u="none" cap="none" strike="noStrike">
+      <a:defRPr sz="1400" b="0" i="0" u="none" strike="noStrike" cap="none">
         <a:solidFill>
           <a:srgbClr val="000000"/>
         </a:solidFill>
@@ -681,11 +696,11 @@
 </file>
 
 <file path=ppt/notesSlides/notesSlide1.xml><?xml version="1.0" encoding="utf-8"?>
-<p:notes xmlns:a="http://schemas.openxmlformats.org/drawingml/2006/main" xmlns:r="http://schemas.openxmlformats.org/officeDocument/2006/relationships" xmlns:mc="http://schemas.openxmlformats.org/markup-compatibility/2006" xmlns:mv="urn:schemas-microsoft-com:mac:vml" xmlns:p="http://schemas.openxmlformats.org/presentationml/2006/main" xmlns:c="http://schemas.openxmlformats.org/drawingml/2006/chart" xmlns:dgm="http://schemas.openxmlformats.org/drawingml/2006/diagram" xmlns:o="urn:schemas-microsoft-com:office:office" xmlns:v="urn:schemas-microsoft-com:vml" xmlns:pvml="urn:schemas-microsoft-com:office:powerpoint" xmlns:com="http://schemas.openxmlformats.org/drawingml/2006/compatibility" xmlns:p14="http://schemas.microsoft.com/office/powerpoint/2010/main" xmlns:p15="http://schemas.microsoft.com/office/powerpoint/2012/main" xmlns:ahyp="http://schemas.microsoft.com/office/drawing/2018/hyperlinkcolor" showMasterPhAnim="0" showMasterSp="0">
+<p:notes xmlns:a="http://schemas.openxmlformats.org/drawingml/2006/main" xmlns:r="http://schemas.openxmlformats.org/officeDocument/2006/relationships" xmlns:p="http://schemas.openxmlformats.org/presentationml/2006/main" showMasterSp="0" showMasterPhAnim="0">
   <p:cSld>
     <p:spTree>
       <p:nvGrpSpPr>
-        <p:cNvPr id="50" name="Shape 50"/>
+        <p:cNvPr id="1" name="Shape 50"/>
         <p:cNvGrpSpPr/>
         <p:nvPr/>
       </p:nvGrpSpPr>
@@ -700,9 +715,11 @@
       <p:sp>
         <p:nvSpPr>
           <p:cNvPr id="51" name="Google Shape;51;g1dc0c13fe2_0_0:notes"/>
-          <p:cNvSpPr/>
+          <p:cNvSpPr>
+            <a:spLocks noGrp="1" noRot="1" noChangeAspect="1"/>
+          </p:cNvSpPr>
           <p:nvPr>
-            <p:ph idx="2" type="sldImg"/>
+            <p:ph type="sldImg" idx="2"/>
           </p:nvPr>
         </p:nvSpPr>
         <p:spPr>
@@ -711,9 +728,13 @@
             <a:ext cx="6096000" cy="3429000"/>
           </a:xfrm>
           <a:custGeom>
-            <a:rect b="b" l="l" r="r" t="t"/>
+            <a:avLst/>
+            <a:gdLst/>
+            <a:ahLst/>
+            <a:cxnLst/>
+            <a:rect l="l" t="t" r="r" b="b"/>
             <a:pathLst>
-              <a:path extrusionOk="0" h="120000" w="120000">
+              <a:path w="120000" h="120000" extrusionOk="0">
                 <a:moveTo>
                   <a:pt x="0" y="0"/>
                 </a:moveTo>
@@ -735,9 +756,11 @@
       <p:sp>
         <p:nvSpPr>
           <p:cNvPr id="52" name="Google Shape;52;g1dc0c13fe2_0_0:notes"/>
-          <p:cNvSpPr txBox="1"/>
+          <p:cNvSpPr txBox="1">
+            <a:spLocks noGrp="1"/>
+          </p:cNvSpPr>
           <p:nvPr>
-            <p:ph idx="1" type="body"/>
+            <p:ph type="body" idx="1"/>
           </p:nvPr>
         </p:nvSpPr>
         <p:spPr>
@@ -750,12 +773,12 @@
           </a:prstGeom>
         </p:spPr>
         <p:txBody>
-          <a:bodyPr anchorCtr="0" anchor="t" bIns="91425" lIns="91425" spcFirstLastPara="1" rIns="91425" wrap="square" tIns="91425">
+          <a:bodyPr spcFirstLastPara="1" wrap="square" lIns="91425" tIns="91425" rIns="91425" bIns="91425" anchor="t" anchorCtr="0">
             <a:noAutofit/>
           </a:bodyPr>
           <a:lstStyle/>
           <a:p>
-            <a:pPr indent="0" lvl="0" marL="0" rtl="0" algn="l">
+            <a:pPr marL="0" lvl="0" indent="0" algn="l" rtl="0">
               <a:spcBef>
                 <a:spcPts val="0"/>
               </a:spcBef>
@@ -764,9 +787,6 @@
               </a:spcAft>
               <a:buNone/>
             </a:pPr>
-            <a:r>
-              <a:t/>
-            </a:r>
             <a:endParaRPr/>
           </a:p>
         </p:txBody>
@@ -780,11 +800,11 @@
 </file>
 
 <file path=ppt/notesSlides/notesSlide2.xml><?xml version="1.0" encoding="utf-8"?>
-<p:notes xmlns:a="http://schemas.openxmlformats.org/drawingml/2006/main" xmlns:r="http://schemas.openxmlformats.org/officeDocument/2006/relationships" xmlns:mc="http://schemas.openxmlformats.org/markup-compatibility/2006" xmlns:mv="urn:schemas-microsoft-com:mac:vml" xmlns:p="http://schemas.openxmlformats.org/presentationml/2006/main" xmlns:c="http://schemas.openxmlformats.org/drawingml/2006/chart" xmlns:dgm="http://schemas.openxmlformats.org/drawingml/2006/diagram" xmlns:o="urn:schemas-microsoft-com:office:office" xmlns:v="urn:schemas-microsoft-com:vml" xmlns:pvml="urn:schemas-microsoft-com:office:powerpoint" xmlns:com="http://schemas.openxmlformats.org/drawingml/2006/compatibility" xmlns:p14="http://schemas.microsoft.com/office/powerpoint/2010/main" xmlns:p15="http://schemas.microsoft.com/office/powerpoint/2012/main" xmlns:ahyp="http://schemas.microsoft.com/office/drawing/2018/hyperlinkcolor" showMasterPhAnim="0" showMasterSp="0">
+<p:notes xmlns:a="http://schemas.openxmlformats.org/drawingml/2006/main" xmlns:r="http://schemas.openxmlformats.org/officeDocument/2006/relationships" xmlns:p="http://schemas.openxmlformats.org/presentationml/2006/main" showMasterSp="0" showMasterPhAnim="0">
   <p:cSld>
     <p:spTree>
       <p:nvGrpSpPr>
-        <p:cNvPr id="55" name="Shape 55"/>
+        <p:cNvPr id="1" name="Shape 55"/>
         <p:cNvGrpSpPr/>
         <p:nvPr/>
       </p:nvGrpSpPr>
@@ -799,20 +819,26 @@
       <p:sp>
         <p:nvSpPr>
           <p:cNvPr id="56" name="Google Shape;56;g1d6d4cc2e8_0_3:notes"/>
-          <p:cNvSpPr/>
+          <p:cNvSpPr>
+            <a:spLocks noGrp="1" noRot="1" noChangeAspect="1"/>
+          </p:cNvSpPr>
           <p:nvPr>
-            <p:ph idx="2" type="sldImg"/>
+            <p:ph type="sldImg" idx="2"/>
           </p:nvPr>
         </p:nvSpPr>
         <p:spPr>
           <a:xfrm>
-            <a:off x="381300" y="685800"/>
+            <a:off x="381000" y="685800"/>
             <a:ext cx="6096000" cy="3429000"/>
           </a:xfrm>
           <a:custGeom>
-            <a:rect b="b" l="l" r="r" t="t"/>
+            <a:avLst/>
+            <a:gdLst/>
+            <a:ahLst/>
+            <a:cxnLst/>
+            <a:rect l="l" t="t" r="r" b="b"/>
             <a:pathLst>
-              <a:path extrusionOk="0" h="120000" w="120000">
+              <a:path w="120000" h="120000" extrusionOk="0">
                 <a:moveTo>
                   <a:pt x="0" y="0"/>
                 </a:moveTo>
@@ -834,9 +860,11 @@
       <p:sp>
         <p:nvSpPr>
           <p:cNvPr id="57" name="Google Shape;57;g1d6d4cc2e8_0_3:notes"/>
-          <p:cNvSpPr txBox="1"/>
+          <p:cNvSpPr txBox="1">
+            <a:spLocks noGrp="1"/>
+          </p:cNvSpPr>
           <p:nvPr>
-            <p:ph idx="1" type="body"/>
+            <p:ph type="body" idx="1"/>
           </p:nvPr>
         </p:nvSpPr>
         <p:spPr>
@@ -849,12 +877,12 @@
           </a:prstGeom>
         </p:spPr>
         <p:txBody>
-          <a:bodyPr anchorCtr="0" anchor="t" bIns="91425" lIns="91425" spcFirstLastPara="1" rIns="91425" wrap="square" tIns="91425">
+          <a:bodyPr spcFirstLastPara="1" wrap="square" lIns="91425" tIns="91425" rIns="91425" bIns="91425" anchor="t" anchorCtr="0">
             <a:noAutofit/>
           </a:bodyPr>
           <a:lstStyle/>
           <a:p>
-            <a:pPr indent="0" lvl="0" marL="0" rtl="0" algn="l">
+            <a:pPr marL="0" lvl="0" indent="0" algn="l" rtl="0">
               <a:spcBef>
                 <a:spcPts val="0"/>
               </a:spcBef>
@@ -863,9 +891,6 @@
               </a:spcAft>
               <a:buNone/>
             </a:pPr>
-            <a:r>
-              <a:t/>
-            </a:r>
             <a:endParaRPr/>
           </a:p>
         </p:txBody>
@@ -879,11 +904,11 @@
 </file>
 
 <file path=ppt/slideLayouts/slideLayout1.xml><?xml version="1.0" encoding="utf-8"?>
-<p:sldLayout xmlns:a="http://schemas.openxmlformats.org/drawingml/2006/main" xmlns:r="http://schemas.openxmlformats.org/officeDocument/2006/relationships" xmlns:mc="http://schemas.openxmlformats.org/markup-compatibility/2006" xmlns:mv="urn:schemas-microsoft-com:mac:vml" xmlns:p="http://schemas.openxmlformats.org/presentationml/2006/main" xmlns:c="http://schemas.openxmlformats.org/drawingml/2006/chart" xmlns:dgm="http://schemas.openxmlformats.org/drawingml/2006/diagram" xmlns:o="urn:schemas-microsoft-com:office:office" xmlns:v="urn:schemas-microsoft-com:vml" xmlns:pvml="urn:schemas-microsoft-com:office:powerpoint" xmlns:com="http://schemas.openxmlformats.org/drawingml/2006/compatibility" xmlns:p14="http://schemas.microsoft.com/office/powerpoint/2010/main" xmlns:p15="http://schemas.microsoft.com/office/powerpoint/2012/main" xmlns:ahyp="http://schemas.microsoft.com/office/drawing/2018/hyperlinkcolor" matchingName="Title slide" type="title">
+<p:sldLayout xmlns:a="http://schemas.openxmlformats.org/drawingml/2006/main" xmlns:r="http://schemas.openxmlformats.org/officeDocument/2006/relationships" xmlns:p="http://schemas.openxmlformats.org/presentationml/2006/main" matchingName="Title slide" type="title">
   <p:cSld name="TITLE">
     <p:spTree>
       <p:nvGrpSpPr>
-        <p:cNvPr id="9" name="Shape 9"/>
+        <p:cNvPr id="1" name="Shape 9"/>
         <p:cNvGrpSpPr/>
         <p:nvPr/>
       </p:nvGrpSpPr>
@@ -898,7 +923,9 @@
       <p:sp>
         <p:nvSpPr>
           <p:cNvPr id="10" name="Google Shape;10;p2"/>
-          <p:cNvSpPr txBox="1"/>
+          <p:cNvSpPr txBox="1">
+            <a:spLocks noGrp="1"/>
+          </p:cNvSpPr>
           <p:nvPr>
             <p:ph type="ctrTitle"/>
           </p:nvPr>
@@ -913,7 +940,7 @@
           </a:prstGeom>
         </p:spPr>
         <p:txBody>
-          <a:bodyPr anchorCtr="0" anchor="b" bIns="91425" lIns="91425" spcFirstLastPara="1" rIns="91425" wrap="square" tIns="91425">
+          <a:bodyPr spcFirstLastPara="1" wrap="square" lIns="91425" tIns="91425" rIns="91425" bIns="91425" anchor="b" anchorCtr="0">
             <a:noAutofit/>
           </a:bodyPr>
           <a:lstStyle>
@@ -1017,15 +1044,19 @@
               <a:defRPr sz="5200"/>
             </a:lvl9pPr>
           </a:lstStyle>
-          <a:p/>
+          <a:p>
+            <a:endParaRPr/>
+          </a:p>
         </p:txBody>
       </p:sp>
       <p:sp>
         <p:nvSpPr>
           <p:cNvPr id="11" name="Google Shape;11;p2"/>
-          <p:cNvSpPr txBox="1"/>
+          <p:cNvSpPr txBox="1">
+            <a:spLocks noGrp="1"/>
+          </p:cNvSpPr>
           <p:nvPr>
-            <p:ph idx="1" type="subTitle"/>
+            <p:ph type="subTitle" idx="1"/>
           </p:nvPr>
         </p:nvSpPr>
         <p:spPr>
@@ -1038,7 +1069,7 @@
           </a:prstGeom>
         </p:spPr>
         <p:txBody>
-          <a:bodyPr anchorCtr="0" anchor="t" bIns="91425" lIns="91425" spcFirstLastPara="1" rIns="91425" wrap="square" tIns="91425">
+          <a:bodyPr spcFirstLastPara="1" wrap="square" lIns="91425" tIns="91425" rIns="91425" bIns="91425" anchor="t" anchorCtr="0">
             <a:noAutofit/>
           </a:bodyPr>
           <a:lstStyle>
@@ -1169,15 +1200,19 @@
               <a:defRPr sz="2800"/>
             </a:lvl9pPr>
           </a:lstStyle>
-          <a:p/>
+          <a:p>
+            <a:endParaRPr/>
+          </a:p>
         </p:txBody>
       </p:sp>
       <p:sp>
         <p:nvSpPr>
           <p:cNvPr id="12" name="Google Shape;12;p2"/>
-          <p:cNvSpPr txBox="1"/>
+          <p:cNvSpPr txBox="1">
+            <a:spLocks noGrp="1"/>
+          </p:cNvSpPr>
           <p:nvPr>
-            <p:ph idx="12" type="sldNum"/>
+            <p:ph type="sldNum" idx="12"/>
           </p:nvPr>
         </p:nvSpPr>
         <p:spPr>
@@ -1190,7 +1225,7 @@
           </a:prstGeom>
         </p:spPr>
         <p:txBody>
-          <a:bodyPr anchorCtr="0" anchor="ctr" bIns="91425" lIns="91425" spcFirstLastPara="1" rIns="91425" wrap="square" tIns="91425">
+          <a:bodyPr spcFirstLastPara="1" wrap="square" lIns="91425" tIns="91425" rIns="91425" bIns="91425" anchor="ctr" anchorCtr="0">
             <a:noAutofit/>
           </a:bodyPr>
           <a:lstStyle>
@@ -1232,7 +1267,7 @@
             </a:lvl9pPr>
           </a:lstStyle>
           <a:p>
-            <a:pPr indent="0" lvl="0" marL="0" rtl="0" algn="r">
+            <a:pPr marL="0" lvl="0" indent="0" algn="r" rtl="0">
               <a:spcBef>
                 <a:spcPts val="0"/>
               </a:spcBef>
@@ -1258,11 +1293,11 @@
 </file>
 
 <file path=ppt/slideLayouts/slideLayout10.xml><?xml version="1.0" encoding="utf-8"?>
-<p:sldLayout xmlns:a="http://schemas.openxmlformats.org/drawingml/2006/main" xmlns:r="http://schemas.openxmlformats.org/officeDocument/2006/relationships" xmlns:mc="http://schemas.openxmlformats.org/markup-compatibility/2006" xmlns:mv="urn:schemas-microsoft-com:mac:vml" xmlns:p="http://schemas.openxmlformats.org/presentationml/2006/main" xmlns:c="http://schemas.openxmlformats.org/drawingml/2006/chart" xmlns:dgm="http://schemas.openxmlformats.org/drawingml/2006/diagram" xmlns:o="urn:schemas-microsoft-com:office:office" xmlns:v="urn:schemas-microsoft-com:vml" xmlns:pvml="urn:schemas-microsoft-com:office:powerpoint" xmlns:com="http://schemas.openxmlformats.org/drawingml/2006/compatibility" xmlns:p14="http://schemas.microsoft.com/office/powerpoint/2010/main" xmlns:p15="http://schemas.microsoft.com/office/powerpoint/2012/main" xmlns:ahyp="http://schemas.microsoft.com/office/drawing/2018/hyperlinkcolor" matchingName="Big number">
+<p:sldLayout xmlns:a="http://schemas.openxmlformats.org/drawingml/2006/main" xmlns:r="http://schemas.openxmlformats.org/officeDocument/2006/relationships" xmlns:p="http://schemas.openxmlformats.org/presentationml/2006/main" matchingName="Big number">
   <p:cSld name="BIG_NUMBER">
     <p:spTree>
       <p:nvGrpSpPr>
-        <p:cNvPr id="44" name="Shape 44"/>
+        <p:cNvPr id="1" name="Shape 44"/>
         <p:cNvGrpSpPr/>
         <p:nvPr/>
       </p:nvGrpSpPr>
@@ -1277,9 +1312,11 @@
       <p:sp>
         <p:nvSpPr>
           <p:cNvPr id="45" name="Google Shape;45;p11"/>
-          <p:cNvSpPr txBox="1"/>
+          <p:cNvSpPr txBox="1">
+            <a:spLocks noGrp="1"/>
+          </p:cNvSpPr>
           <p:nvPr>
-            <p:ph hasCustomPrompt="1" type="title"/>
+            <p:ph type="title" hasCustomPrompt="1"/>
           </p:nvPr>
         </p:nvSpPr>
         <p:spPr>
@@ -1292,7 +1329,7 @@
           </a:prstGeom>
         </p:spPr>
         <p:txBody>
-          <a:bodyPr anchorCtr="0" anchor="b" bIns="91425" lIns="91425" spcFirstLastPara="1" rIns="91425" wrap="square" tIns="91425">
+          <a:bodyPr spcFirstLastPara="1" wrap="square" lIns="91425" tIns="91425" rIns="91425" bIns="91425" anchor="b" anchorCtr="0">
             <a:noAutofit/>
           </a:bodyPr>
           <a:lstStyle>
@@ -1406,9 +1443,11 @@
       <p:sp>
         <p:nvSpPr>
           <p:cNvPr id="46" name="Google Shape;46;p11"/>
-          <p:cNvSpPr txBox="1"/>
+          <p:cNvSpPr txBox="1">
+            <a:spLocks noGrp="1"/>
+          </p:cNvSpPr>
           <p:nvPr>
-            <p:ph idx="1" type="body"/>
+            <p:ph type="body" idx="1"/>
           </p:nvPr>
         </p:nvSpPr>
         <p:spPr>
@@ -1421,11 +1460,11 @@
           </a:prstGeom>
         </p:spPr>
         <p:txBody>
-          <a:bodyPr anchorCtr="0" anchor="t" bIns="91425" lIns="91425" spcFirstLastPara="1" rIns="91425" wrap="square" tIns="91425">
+          <a:bodyPr spcFirstLastPara="1" wrap="square" lIns="91425" tIns="91425" rIns="91425" bIns="91425" anchor="t" anchorCtr="0">
             <a:noAutofit/>
           </a:bodyPr>
           <a:lstStyle>
-            <a:lvl1pPr indent="-342900" lvl="0" marL="457200" algn="ctr">
+            <a:lvl1pPr marL="457200" lvl="0" indent="-342900" algn="ctr">
               <a:spcBef>
                 <a:spcPts val="0"/>
               </a:spcBef>
@@ -1436,7 +1475,7 @@
               <a:buChar char="●"/>
               <a:defRPr/>
             </a:lvl1pPr>
-            <a:lvl2pPr indent="-317500" lvl="1" marL="914400" algn="ctr">
+            <a:lvl2pPr marL="914400" lvl="1" indent="-317500" algn="ctr">
               <a:spcBef>
                 <a:spcPts val="1600"/>
               </a:spcBef>
@@ -1447,7 +1486,7 @@
               <a:buChar char="○"/>
               <a:defRPr/>
             </a:lvl2pPr>
-            <a:lvl3pPr indent="-317500" lvl="2" marL="1371600" algn="ctr">
+            <a:lvl3pPr marL="1371600" lvl="2" indent="-317500" algn="ctr">
               <a:spcBef>
                 <a:spcPts val="1600"/>
               </a:spcBef>
@@ -1458,7 +1497,7 @@
               <a:buChar char="■"/>
               <a:defRPr/>
             </a:lvl3pPr>
-            <a:lvl4pPr indent="-317500" lvl="3" marL="1828800" algn="ctr">
+            <a:lvl4pPr marL="1828800" lvl="3" indent="-317500" algn="ctr">
               <a:spcBef>
                 <a:spcPts val="1600"/>
               </a:spcBef>
@@ -1469,7 +1508,7 @@
               <a:buChar char="●"/>
               <a:defRPr/>
             </a:lvl4pPr>
-            <a:lvl5pPr indent="-317500" lvl="4" marL="2286000" algn="ctr">
+            <a:lvl5pPr marL="2286000" lvl="4" indent="-317500" algn="ctr">
               <a:spcBef>
                 <a:spcPts val="1600"/>
               </a:spcBef>
@@ -1480,7 +1519,7 @@
               <a:buChar char="○"/>
               <a:defRPr/>
             </a:lvl5pPr>
-            <a:lvl6pPr indent="-317500" lvl="5" marL="2743200" algn="ctr">
+            <a:lvl6pPr marL="2743200" lvl="5" indent="-317500" algn="ctr">
               <a:spcBef>
                 <a:spcPts val="1600"/>
               </a:spcBef>
@@ -1491,7 +1530,7 @@
               <a:buChar char="■"/>
               <a:defRPr/>
             </a:lvl6pPr>
-            <a:lvl7pPr indent="-317500" lvl="6" marL="3200400" algn="ctr">
+            <a:lvl7pPr marL="3200400" lvl="6" indent="-317500" algn="ctr">
               <a:spcBef>
                 <a:spcPts val="1600"/>
               </a:spcBef>
@@ -1502,7 +1541,7 @@
               <a:buChar char="●"/>
               <a:defRPr/>
             </a:lvl7pPr>
-            <a:lvl8pPr indent="-317500" lvl="7" marL="3657600" algn="ctr">
+            <a:lvl8pPr marL="3657600" lvl="7" indent="-317500" algn="ctr">
               <a:spcBef>
                 <a:spcPts val="1600"/>
               </a:spcBef>
@@ -1513,7 +1552,7 @@
               <a:buChar char="○"/>
               <a:defRPr/>
             </a:lvl8pPr>
-            <a:lvl9pPr indent="-317500" lvl="8" marL="4114800" algn="ctr">
+            <a:lvl9pPr marL="4114800" lvl="8" indent="-317500" algn="ctr">
               <a:spcBef>
                 <a:spcPts val="1600"/>
               </a:spcBef>
@@ -1525,15 +1564,19 @@
               <a:defRPr/>
             </a:lvl9pPr>
           </a:lstStyle>
-          <a:p/>
+          <a:p>
+            <a:endParaRPr/>
+          </a:p>
         </p:txBody>
       </p:sp>
       <p:sp>
         <p:nvSpPr>
           <p:cNvPr id="47" name="Google Shape;47;p11"/>
-          <p:cNvSpPr txBox="1"/>
+          <p:cNvSpPr txBox="1">
+            <a:spLocks noGrp="1"/>
+          </p:cNvSpPr>
           <p:nvPr>
-            <p:ph idx="12" type="sldNum"/>
+            <p:ph type="sldNum" idx="12"/>
           </p:nvPr>
         </p:nvSpPr>
         <p:spPr>
@@ -1546,7 +1589,7 @@
           </a:prstGeom>
         </p:spPr>
         <p:txBody>
-          <a:bodyPr anchorCtr="0" anchor="ctr" bIns="91425" lIns="91425" spcFirstLastPara="1" rIns="91425" wrap="square" tIns="91425">
+          <a:bodyPr spcFirstLastPara="1" wrap="square" lIns="91425" tIns="91425" rIns="91425" bIns="91425" anchor="ctr" anchorCtr="0">
             <a:noAutofit/>
           </a:bodyPr>
           <a:lstStyle>
@@ -1588,7 +1631,7 @@
             </a:lvl9pPr>
           </a:lstStyle>
           <a:p>
-            <a:pPr indent="0" lvl="0" marL="0" rtl="0" algn="r">
+            <a:pPr marL="0" lvl="0" indent="0" algn="r" rtl="0">
               <a:spcBef>
                 <a:spcPts val="0"/>
               </a:spcBef>
@@ -1614,11 +1657,11 @@
 </file>
 
 <file path=ppt/slideLayouts/slideLayout11.xml><?xml version="1.0" encoding="utf-8"?>
-<p:sldLayout xmlns:a="http://schemas.openxmlformats.org/drawingml/2006/main" xmlns:r="http://schemas.openxmlformats.org/officeDocument/2006/relationships" xmlns:mc="http://schemas.openxmlformats.org/markup-compatibility/2006" xmlns:mv="urn:schemas-microsoft-com:mac:vml" xmlns:p="http://schemas.openxmlformats.org/presentationml/2006/main" xmlns:c="http://schemas.openxmlformats.org/drawingml/2006/chart" xmlns:dgm="http://schemas.openxmlformats.org/drawingml/2006/diagram" xmlns:o="urn:schemas-microsoft-com:office:office" xmlns:v="urn:schemas-microsoft-com:vml" xmlns:pvml="urn:schemas-microsoft-com:office:powerpoint" xmlns:com="http://schemas.openxmlformats.org/drawingml/2006/compatibility" xmlns:p14="http://schemas.microsoft.com/office/powerpoint/2010/main" xmlns:p15="http://schemas.microsoft.com/office/powerpoint/2012/main" xmlns:ahyp="http://schemas.microsoft.com/office/drawing/2018/hyperlinkcolor" matchingName="Blank" type="blank">
+<p:sldLayout xmlns:a="http://schemas.openxmlformats.org/drawingml/2006/main" xmlns:r="http://schemas.openxmlformats.org/officeDocument/2006/relationships" xmlns:p="http://schemas.openxmlformats.org/presentationml/2006/main" matchingName="Blank" type="blank">
   <p:cSld name="BLANK">
     <p:spTree>
       <p:nvGrpSpPr>
-        <p:cNvPr id="48" name="Shape 48"/>
+        <p:cNvPr id="1" name="Shape 48"/>
         <p:cNvGrpSpPr/>
         <p:nvPr/>
       </p:nvGrpSpPr>
@@ -1633,9 +1676,11 @@
       <p:sp>
         <p:nvSpPr>
           <p:cNvPr id="49" name="Google Shape;49;p12"/>
-          <p:cNvSpPr txBox="1"/>
+          <p:cNvSpPr txBox="1">
+            <a:spLocks noGrp="1"/>
+          </p:cNvSpPr>
           <p:nvPr>
-            <p:ph idx="12" type="sldNum"/>
+            <p:ph type="sldNum" idx="12"/>
           </p:nvPr>
         </p:nvSpPr>
         <p:spPr>
@@ -1648,7 +1693,7 @@
           </a:prstGeom>
         </p:spPr>
         <p:txBody>
-          <a:bodyPr anchorCtr="0" anchor="ctr" bIns="91425" lIns="91425" spcFirstLastPara="1" rIns="91425" wrap="square" tIns="91425">
+          <a:bodyPr spcFirstLastPara="1" wrap="square" lIns="91425" tIns="91425" rIns="91425" bIns="91425" anchor="ctr" anchorCtr="0">
             <a:noAutofit/>
           </a:bodyPr>
           <a:lstStyle>
@@ -1690,7 +1735,7 @@
             </a:lvl9pPr>
           </a:lstStyle>
           <a:p>
-            <a:pPr indent="0" lvl="0" marL="0" rtl="0" algn="r">
+            <a:pPr marL="0" lvl="0" indent="0" algn="r" rtl="0">
               <a:spcBef>
                 <a:spcPts val="0"/>
               </a:spcBef>
@@ -1716,11 +1761,11 @@
 </file>
 
 <file path=ppt/slideLayouts/slideLayout2.xml><?xml version="1.0" encoding="utf-8"?>
-<p:sldLayout xmlns:a="http://schemas.openxmlformats.org/drawingml/2006/main" xmlns:r="http://schemas.openxmlformats.org/officeDocument/2006/relationships" xmlns:mc="http://schemas.openxmlformats.org/markup-compatibility/2006" xmlns:mv="urn:schemas-microsoft-com:mac:vml" xmlns:p="http://schemas.openxmlformats.org/presentationml/2006/main" xmlns:c="http://schemas.openxmlformats.org/drawingml/2006/chart" xmlns:dgm="http://schemas.openxmlformats.org/drawingml/2006/diagram" xmlns:o="urn:schemas-microsoft-com:office:office" xmlns:v="urn:schemas-microsoft-com:vml" xmlns:pvml="urn:schemas-microsoft-com:office:powerpoint" xmlns:com="http://schemas.openxmlformats.org/drawingml/2006/compatibility" xmlns:p14="http://schemas.microsoft.com/office/powerpoint/2010/main" xmlns:p15="http://schemas.microsoft.com/office/powerpoint/2012/main" xmlns:ahyp="http://schemas.microsoft.com/office/drawing/2018/hyperlinkcolor" matchingName="Section header" type="secHead">
+<p:sldLayout xmlns:a="http://schemas.openxmlformats.org/drawingml/2006/main" xmlns:r="http://schemas.openxmlformats.org/officeDocument/2006/relationships" xmlns:p="http://schemas.openxmlformats.org/presentationml/2006/main" matchingName="Section header" type="secHead">
   <p:cSld name="SECTION_HEADER">
     <p:spTree>
       <p:nvGrpSpPr>
-        <p:cNvPr id="13" name="Shape 13"/>
+        <p:cNvPr id="1" name="Shape 13"/>
         <p:cNvGrpSpPr/>
         <p:nvPr/>
       </p:nvGrpSpPr>
@@ -1735,7 +1780,9 @@
       <p:sp>
         <p:nvSpPr>
           <p:cNvPr id="14" name="Google Shape;14;p3"/>
-          <p:cNvSpPr txBox="1"/>
+          <p:cNvSpPr txBox="1">
+            <a:spLocks noGrp="1"/>
+          </p:cNvSpPr>
           <p:nvPr>
             <p:ph type="title"/>
           </p:nvPr>
@@ -1750,7 +1797,7 @@
           </a:prstGeom>
         </p:spPr>
         <p:txBody>
-          <a:bodyPr anchorCtr="0" anchor="ctr" bIns="91425" lIns="91425" spcFirstLastPara="1" rIns="91425" wrap="square" tIns="91425">
+          <a:bodyPr spcFirstLastPara="1" wrap="square" lIns="91425" tIns="91425" rIns="91425" bIns="91425" anchor="ctr" anchorCtr="0">
             <a:noAutofit/>
           </a:bodyPr>
           <a:lstStyle>
@@ -1854,15 +1901,19 @@
               <a:defRPr sz="3600"/>
             </a:lvl9pPr>
           </a:lstStyle>
-          <a:p/>
+          <a:p>
+            <a:endParaRPr/>
+          </a:p>
         </p:txBody>
       </p:sp>
       <p:sp>
         <p:nvSpPr>
           <p:cNvPr id="15" name="Google Shape;15;p3"/>
-          <p:cNvSpPr txBox="1"/>
+          <p:cNvSpPr txBox="1">
+            <a:spLocks noGrp="1"/>
+          </p:cNvSpPr>
           <p:nvPr>
-            <p:ph idx="12" type="sldNum"/>
+            <p:ph type="sldNum" idx="12"/>
           </p:nvPr>
         </p:nvSpPr>
         <p:spPr>
@@ -1875,7 +1926,7 @@
           </a:prstGeom>
         </p:spPr>
         <p:txBody>
-          <a:bodyPr anchorCtr="0" anchor="ctr" bIns="91425" lIns="91425" spcFirstLastPara="1" rIns="91425" wrap="square" tIns="91425">
+          <a:bodyPr spcFirstLastPara="1" wrap="square" lIns="91425" tIns="91425" rIns="91425" bIns="91425" anchor="ctr" anchorCtr="0">
             <a:noAutofit/>
           </a:bodyPr>
           <a:lstStyle>
@@ -1917,7 +1968,7 @@
             </a:lvl9pPr>
           </a:lstStyle>
           <a:p>
-            <a:pPr indent="0" lvl="0" marL="0" rtl="0" algn="r">
+            <a:pPr marL="0" lvl="0" indent="0" algn="r" rtl="0">
               <a:spcBef>
                 <a:spcPts val="0"/>
               </a:spcBef>
@@ -1943,11 +1994,11 @@
 </file>
 
 <file path=ppt/slideLayouts/slideLayout3.xml><?xml version="1.0" encoding="utf-8"?>
-<p:sldLayout xmlns:a="http://schemas.openxmlformats.org/drawingml/2006/main" xmlns:r="http://schemas.openxmlformats.org/officeDocument/2006/relationships" xmlns:mc="http://schemas.openxmlformats.org/markup-compatibility/2006" xmlns:mv="urn:schemas-microsoft-com:mac:vml" xmlns:p="http://schemas.openxmlformats.org/presentationml/2006/main" xmlns:c="http://schemas.openxmlformats.org/drawingml/2006/chart" xmlns:dgm="http://schemas.openxmlformats.org/drawingml/2006/diagram" xmlns:o="urn:schemas-microsoft-com:office:office" xmlns:v="urn:schemas-microsoft-com:vml" xmlns:pvml="urn:schemas-microsoft-com:office:powerpoint" xmlns:com="http://schemas.openxmlformats.org/drawingml/2006/compatibility" xmlns:p14="http://schemas.microsoft.com/office/powerpoint/2010/main" xmlns:p15="http://schemas.microsoft.com/office/powerpoint/2012/main" xmlns:ahyp="http://schemas.microsoft.com/office/drawing/2018/hyperlinkcolor" matchingName="Title and body" type="tx">
+<p:sldLayout xmlns:a="http://schemas.openxmlformats.org/drawingml/2006/main" xmlns:r="http://schemas.openxmlformats.org/officeDocument/2006/relationships" xmlns:p="http://schemas.openxmlformats.org/presentationml/2006/main" matchingName="Title and body" type="tx">
   <p:cSld name="TITLE_AND_BODY">
     <p:spTree>
       <p:nvGrpSpPr>
-        <p:cNvPr id="16" name="Shape 16"/>
+        <p:cNvPr id="1" name="Shape 16"/>
         <p:cNvGrpSpPr/>
         <p:nvPr/>
       </p:nvGrpSpPr>
@@ -1962,7 +2013,9 @@
       <p:sp>
         <p:nvSpPr>
           <p:cNvPr id="17" name="Google Shape;17;p4"/>
-          <p:cNvSpPr txBox="1"/>
+          <p:cNvSpPr txBox="1">
+            <a:spLocks noGrp="1"/>
+          </p:cNvSpPr>
           <p:nvPr>
             <p:ph type="title"/>
           </p:nvPr>
@@ -1977,7 +2030,7 @@
           </a:prstGeom>
         </p:spPr>
         <p:txBody>
-          <a:bodyPr anchorCtr="0" anchor="t" bIns="91425" lIns="91425" spcFirstLastPara="1" rIns="91425" wrap="square" tIns="91425">
+          <a:bodyPr spcFirstLastPara="1" wrap="square" lIns="91425" tIns="91425" rIns="91425" bIns="91425" anchor="t" anchorCtr="0">
             <a:noAutofit/>
           </a:bodyPr>
           <a:lstStyle>
@@ -2081,15 +2134,19 @@
               <a:defRPr/>
             </a:lvl9pPr>
           </a:lstStyle>
-          <a:p/>
+          <a:p>
+            <a:endParaRPr/>
+          </a:p>
         </p:txBody>
       </p:sp>
       <p:sp>
         <p:nvSpPr>
           <p:cNvPr id="18" name="Google Shape;18;p4"/>
-          <p:cNvSpPr txBox="1"/>
+          <p:cNvSpPr txBox="1">
+            <a:spLocks noGrp="1"/>
+          </p:cNvSpPr>
           <p:nvPr>
-            <p:ph idx="1" type="body"/>
+            <p:ph type="body" idx="1"/>
           </p:nvPr>
         </p:nvSpPr>
         <p:spPr>
@@ -2102,11 +2159,11 @@
           </a:prstGeom>
         </p:spPr>
         <p:txBody>
-          <a:bodyPr anchorCtr="0" anchor="t" bIns="91425" lIns="91425" spcFirstLastPara="1" rIns="91425" wrap="square" tIns="91425">
+          <a:bodyPr spcFirstLastPara="1" wrap="square" lIns="91425" tIns="91425" rIns="91425" bIns="91425" anchor="t" anchorCtr="0">
             <a:noAutofit/>
           </a:bodyPr>
           <a:lstStyle>
-            <a:lvl1pPr indent="-342900" lvl="0" marL="457200">
+            <a:lvl1pPr marL="457200" lvl="0" indent="-342900">
               <a:spcBef>
                 <a:spcPts val="0"/>
               </a:spcBef>
@@ -2117,7 +2174,7 @@
               <a:buChar char="●"/>
               <a:defRPr/>
             </a:lvl1pPr>
-            <a:lvl2pPr indent="-317500" lvl="1" marL="914400">
+            <a:lvl2pPr marL="914400" lvl="1" indent="-317500">
               <a:spcBef>
                 <a:spcPts val="1600"/>
               </a:spcBef>
@@ -2128,7 +2185,7 @@
               <a:buChar char="○"/>
               <a:defRPr/>
             </a:lvl2pPr>
-            <a:lvl3pPr indent="-317500" lvl="2" marL="1371600">
+            <a:lvl3pPr marL="1371600" lvl="2" indent="-317500">
               <a:spcBef>
                 <a:spcPts val="1600"/>
               </a:spcBef>
@@ -2139,7 +2196,7 @@
               <a:buChar char="■"/>
               <a:defRPr/>
             </a:lvl3pPr>
-            <a:lvl4pPr indent="-317500" lvl="3" marL="1828800">
+            <a:lvl4pPr marL="1828800" lvl="3" indent="-317500">
               <a:spcBef>
                 <a:spcPts val="1600"/>
               </a:spcBef>
@@ -2150,7 +2207,7 @@
               <a:buChar char="●"/>
               <a:defRPr/>
             </a:lvl4pPr>
-            <a:lvl5pPr indent="-317500" lvl="4" marL="2286000">
+            <a:lvl5pPr marL="2286000" lvl="4" indent="-317500">
               <a:spcBef>
                 <a:spcPts val="1600"/>
               </a:spcBef>
@@ -2161,7 +2218,7 @@
               <a:buChar char="○"/>
               <a:defRPr/>
             </a:lvl5pPr>
-            <a:lvl6pPr indent="-317500" lvl="5" marL="2743200">
+            <a:lvl6pPr marL="2743200" lvl="5" indent="-317500">
               <a:spcBef>
                 <a:spcPts val="1600"/>
               </a:spcBef>
@@ -2172,7 +2229,7 @@
               <a:buChar char="■"/>
               <a:defRPr/>
             </a:lvl6pPr>
-            <a:lvl7pPr indent="-317500" lvl="6" marL="3200400">
+            <a:lvl7pPr marL="3200400" lvl="6" indent="-317500">
               <a:spcBef>
                 <a:spcPts val="1600"/>
               </a:spcBef>
@@ -2183,7 +2240,7 @@
               <a:buChar char="●"/>
               <a:defRPr/>
             </a:lvl7pPr>
-            <a:lvl8pPr indent="-317500" lvl="7" marL="3657600">
+            <a:lvl8pPr marL="3657600" lvl="7" indent="-317500">
               <a:spcBef>
                 <a:spcPts val="1600"/>
               </a:spcBef>
@@ -2194,7 +2251,7 @@
               <a:buChar char="○"/>
               <a:defRPr/>
             </a:lvl8pPr>
-            <a:lvl9pPr indent="-317500" lvl="8" marL="4114800">
+            <a:lvl9pPr marL="4114800" lvl="8" indent="-317500">
               <a:spcBef>
                 <a:spcPts val="1600"/>
               </a:spcBef>
@@ -2206,15 +2263,19 @@
               <a:defRPr/>
             </a:lvl9pPr>
           </a:lstStyle>
-          <a:p/>
+          <a:p>
+            <a:endParaRPr/>
+          </a:p>
         </p:txBody>
       </p:sp>
       <p:sp>
         <p:nvSpPr>
           <p:cNvPr id="19" name="Google Shape;19;p4"/>
-          <p:cNvSpPr txBox="1"/>
+          <p:cNvSpPr txBox="1">
+            <a:spLocks noGrp="1"/>
+          </p:cNvSpPr>
           <p:nvPr>
-            <p:ph idx="12" type="sldNum"/>
+            <p:ph type="sldNum" idx="12"/>
           </p:nvPr>
         </p:nvSpPr>
         <p:spPr>
@@ -2227,7 +2288,7 @@
           </a:prstGeom>
         </p:spPr>
         <p:txBody>
-          <a:bodyPr anchorCtr="0" anchor="ctr" bIns="91425" lIns="91425" spcFirstLastPara="1" rIns="91425" wrap="square" tIns="91425">
+          <a:bodyPr spcFirstLastPara="1" wrap="square" lIns="91425" tIns="91425" rIns="91425" bIns="91425" anchor="ctr" anchorCtr="0">
             <a:noAutofit/>
           </a:bodyPr>
           <a:lstStyle>
@@ -2269,7 +2330,7 @@
             </a:lvl9pPr>
           </a:lstStyle>
           <a:p>
-            <a:pPr indent="0" lvl="0" marL="0" rtl="0" algn="r">
+            <a:pPr marL="0" lvl="0" indent="0" algn="r" rtl="0">
               <a:spcBef>
                 <a:spcPts val="0"/>
               </a:spcBef>
@@ -2295,11 +2356,11 @@
 </file>
 
 <file path=ppt/slideLayouts/slideLayout4.xml><?xml version="1.0" encoding="utf-8"?>
-<p:sldLayout xmlns:a="http://schemas.openxmlformats.org/drawingml/2006/main" xmlns:r="http://schemas.openxmlformats.org/officeDocument/2006/relationships" xmlns:mc="http://schemas.openxmlformats.org/markup-compatibility/2006" xmlns:mv="urn:schemas-microsoft-com:mac:vml" xmlns:p="http://schemas.openxmlformats.org/presentationml/2006/main" xmlns:c="http://schemas.openxmlformats.org/drawingml/2006/chart" xmlns:dgm="http://schemas.openxmlformats.org/drawingml/2006/diagram" xmlns:o="urn:schemas-microsoft-com:office:office" xmlns:v="urn:schemas-microsoft-com:vml" xmlns:pvml="urn:schemas-microsoft-com:office:powerpoint" xmlns:com="http://schemas.openxmlformats.org/drawingml/2006/compatibility" xmlns:p14="http://schemas.microsoft.com/office/powerpoint/2010/main" xmlns:p15="http://schemas.microsoft.com/office/powerpoint/2012/main" xmlns:ahyp="http://schemas.microsoft.com/office/drawing/2018/hyperlinkcolor" matchingName="Title and two columns" type="twoColTx">
+<p:sldLayout xmlns:a="http://schemas.openxmlformats.org/drawingml/2006/main" xmlns:r="http://schemas.openxmlformats.org/officeDocument/2006/relationships" xmlns:p="http://schemas.openxmlformats.org/presentationml/2006/main" matchingName="Title and two columns" type="twoColTx">
   <p:cSld name="TITLE_AND_TWO_COLUMNS">
     <p:spTree>
       <p:nvGrpSpPr>
-        <p:cNvPr id="20" name="Shape 20"/>
+        <p:cNvPr id="1" name="Shape 20"/>
         <p:cNvGrpSpPr/>
         <p:nvPr/>
       </p:nvGrpSpPr>
@@ -2314,7 +2375,9 @@
       <p:sp>
         <p:nvSpPr>
           <p:cNvPr id="21" name="Google Shape;21;p5"/>
-          <p:cNvSpPr txBox="1"/>
+          <p:cNvSpPr txBox="1">
+            <a:spLocks noGrp="1"/>
+          </p:cNvSpPr>
           <p:nvPr>
             <p:ph type="title"/>
           </p:nvPr>
@@ -2329,7 +2392,7 @@
           </a:prstGeom>
         </p:spPr>
         <p:txBody>
-          <a:bodyPr anchorCtr="0" anchor="t" bIns="91425" lIns="91425" spcFirstLastPara="1" rIns="91425" wrap="square" tIns="91425">
+          <a:bodyPr spcFirstLastPara="1" wrap="square" lIns="91425" tIns="91425" rIns="91425" bIns="91425" anchor="t" anchorCtr="0">
             <a:noAutofit/>
           </a:bodyPr>
           <a:lstStyle>
@@ -2433,15 +2496,19 @@
               <a:defRPr/>
             </a:lvl9pPr>
           </a:lstStyle>
-          <a:p/>
+          <a:p>
+            <a:endParaRPr/>
+          </a:p>
         </p:txBody>
       </p:sp>
       <p:sp>
         <p:nvSpPr>
           <p:cNvPr id="22" name="Google Shape;22;p5"/>
-          <p:cNvSpPr txBox="1"/>
+          <p:cNvSpPr txBox="1">
+            <a:spLocks noGrp="1"/>
+          </p:cNvSpPr>
           <p:nvPr>
-            <p:ph idx="1" type="body"/>
+            <p:ph type="body" idx="1"/>
           </p:nvPr>
         </p:nvSpPr>
         <p:spPr>
@@ -2454,11 +2521,11 @@
           </a:prstGeom>
         </p:spPr>
         <p:txBody>
-          <a:bodyPr anchorCtr="0" anchor="t" bIns="91425" lIns="91425" spcFirstLastPara="1" rIns="91425" wrap="square" tIns="91425">
+          <a:bodyPr spcFirstLastPara="1" wrap="square" lIns="91425" tIns="91425" rIns="91425" bIns="91425" anchor="t" anchorCtr="0">
             <a:noAutofit/>
           </a:bodyPr>
           <a:lstStyle>
-            <a:lvl1pPr indent="-317500" lvl="0" marL="457200">
+            <a:lvl1pPr marL="457200" lvl="0" indent="-317500">
               <a:spcBef>
                 <a:spcPts val="0"/>
               </a:spcBef>
@@ -2469,7 +2536,7 @@
               <a:buChar char="●"/>
               <a:defRPr sz="1400"/>
             </a:lvl1pPr>
-            <a:lvl2pPr indent="-304800" lvl="1" marL="914400">
+            <a:lvl2pPr marL="914400" lvl="1" indent="-304800">
               <a:spcBef>
                 <a:spcPts val="1600"/>
               </a:spcBef>
@@ -2480,7 +2547,7 @@
               <a:buChar char="○"/>
               <a:defRPr sz="1200"/>
             </a:lvl2pPr>
-            <a:lvl3pPr indent="-304800" lvl="2" marL="1371600">
+            <a:lvl3pPr marL="1371600" lvl="2" indent="-304800">
               <a:spcBef>
                 <a:spcPts val="1600"/>
               </a:spcBef>
@@ -2491,7 +2558,7 @@
               <a:buChar char="■"/>
               <a:defRPr sz="1200"/>
             </a:lvl3pPr>
-            <a:lvl4pPr indent="-304800" lvl="3" marL="1828800">
+            <a:lvl4pPr marL="1828800" lvl="3" indent="-304800">
               <a:spcBef>
                 <a:spcPts val="1600"/>
               </a:spcBef>
@@ -2502,7 +2569,7 @@
               <a:buChar char="●"/>
               <a:defRPr sz="1200"/>
             </a:lvl4pPr>
-            <a:lvl5pPr indent="-304800" lvl="4" marL="2286000">
+            <a:lvl5pPr marL="2286000" lvl="4" indent="-304800">
               <a:spcBef>
                 <a:spcPts val="1600"/>
               </a:spcBef>
@@ -2513,7 +2580,7 @@
               <a:buChar char="○"/>
               <a:defRPr sz="1200"/>
             </a:lvl5pPr>
-            <a:lvl6pPr indent="-304800" lvl="5" marL="2743200">
+            <a:lvl6pPr marL="2743200" lvl="5" indent="-304800">
               <a:spcBef>
                 <a:spcPts val="1600"/>
               </a:spcBef>
@@ -2524,7 +2591,7 @@
               <a:buChar char="■"/>
               <a:defRPr sz="1200"/>
             </a:lvl6pPr>
-            <a:lvl7pPr indent="-304800" lvl="6" marL="3200400">
+            <a:lvl7pPr marL="3200400" lvl="6" indent="-304800">
               <a:spcBef>
                 <a:spcPts val="1600"/>
               </a:spcBef>
@@ -2535,7 +2602,7 @@
               <a:buChar char="●"/>
               <a:defRPr sz="1200"/>
             </a:lvl7pPr>
-            <a:lvl8pPr indent="-304800" lvl="7" marL="3657600">
+            <a:lvl8pPr marL="3657600" lvl="7" indent="-304800">
               <a:spcBef>
                 <a:spcPts val="1600"/>
               </a:spcBef>
@@ -2546,7 +2613,7 @@
               <a:buChar char="○"/>
               <a:defRPr sz="1200"/>
             </a:lvl8pPr>
-            <a:lvl9pPr indent="-304800" lvl="8" marL="4114800">
+            <a:lvl9pPr marL="4114800" lvl="8" indent="-304800">
               <a:spcBef>
                 <a:spcPts val="1600"/>
               </a:spcBef>
@@ -2558,15 +2625,19 @@
               <a:defRPr sz="1200"/>
             </a:lvl9pPr>
           </a:lstStyle>
-          <a:p/>
+          <a:p>
+            <a:endParaRPr/>
+          </a:p>
         </p:txBody>
       </p:sp>
       <p:sp>
         <p:nvSpPr>
           <p:cNvPr id="23" name="Google Shape;23;p5"/>
-          <p:cNvSpPr txBox="1"/>
+          <p:cNvSpPr txBox="1">
+            <a:spLocks noGrp="1"/>
+          </p:cNvSpPr>
           <p:nvPr>
-            <p:ph idx="2" type="body"/>
+            <p:ph type="body" idx="2"/>
           </p:nvPr>
         </p:nvSpPr>
         <p:spPr>
@@ -2579,11 +2650,11 @@
           </a:prstGeom>
         </p:spPr>
         <p:txBody>
-          <a:bodyPr anchorCtr="0" anchor="t" bIns="91425" lIns="91425" spcFirstLastPara="1" rIns="91425" wrap="square" tIns="91425">
+          <a:bodyPr spcFirstLastPara="1" wrap="square" lIns="91425" tIns="91425" rIns="91425" bIns="91425" anchor="t" anchorCtr="0">
             <a:noAutofit/>
           </a:bodyPr>
           <a:lstStyle>
-            <a:lvl1pPr indent="-317500" lvl="0" marL="457200">
+            <a:lvl1pPr marL="457200" lvl="0" indent="-317500">
               <a:spcBef>
                 <a:spcPts val="0"/>
               </a:spcBef>
@@ -2594,7 +2665,7 @@
               <a:buChar char="●"/>
               <a:defRPr sz="1400"/>
             </a:lvl1pPr>
-            <a:lvl2pPr indent="-304800" lvl="1" marL="914400">
+            <a:lvl2pPr marL="914400" lvl="1" indent="-304800">
               <a:spcBef>
                 <a:spcPts val="1600"/>
               </a:spcBef>
@@ -2605,7 +2676,7 @@
               <a:buChar char="○"/>
               <a:defRPr sz="1200"/>
             </a:lvl2pPr>
-            <a:lvl3pPr indent="-304800" lvl="2" marL="1371600">
+            <a:lvl3pPr marL="1371600" lvl="2" indent="-304800">
               <a:spcBef>
                 <a:spcPts val="1600"/>
               </a:spcBef>
@@ -2616,7 +2687,7 @@
               <a:buChar char="■"/>
               <a:defRPr sz="1200"/>
             </a:lvl3pPr>
-            <a:lvl4pPr indent="-304800" lvl="3" marL="1828800">
+            <a:lvl4pPr marL="1828800" lvl="3" indent="-304800">
               <a:spcBef>
                 <a:spcPts val="1600"/>
               </a:spcBef>
@@ -2627,7 +2698,7 @@
               <a:buChar char="●"/>
               <a:defRPr sz="1200"/>
             </a:lvl4pPr>
-            <a:lvl5pPr indent="-304800" lvl="4" marL="2286000">
+            <a:lvl5pPr marL="2286000" lvl="4" indent="-304800">
               <a:spcBef>
                 <a:spcPts val="1600"/>
               </a:spcBef>
@@ -2638,7 +2709,7 @@
               <a:buChar char="○"/>
               <a:defRPr sz="1200"/>
             </a:lvl5pPr>
-            <a:lvl6pPr indent="-304800" lvl="5" marL="2743200">
+            <a:lvl6pPr marL="2743200" lvl="5" indent="-304800">
               <a:spcBef>
                 <a:spcPts val="1600"/>
               </a:spcBef>
@@ -2649,7 +2720,7 @@
               <a:buChar char="■"/>
               <a:defRPr sz="1200"/>
             </a:lvl6pPr>
-            <a:lvl7pPr indent="-304800" lvl="6" marL="3200400">
+            <a:lvl7pPr marL="3200400" lvl="6" indent="-304800">
               <a:spcBef>
                 <a:spcPts val="1600"/>
               </a:spcBef>
@@ -2660,7 +2731,7 @@
               <a:buChar char="●"/>
               <a:defRPr sz="1200"/>
             </a:lvl7pPr>
-            <a:lvl8pPr indent="-304800" lvl="7" marL="3657600">
+            <a:lvl8pPr marL="3657600" lvl="7" indent="-304800">
               <a:spcBef>
                 <a:spcPts val="1600"/>
               </a:spcBef>
@@ -2671,7 +2742,7 @@
               <a:buChar char="○"/>
               <a:defRPr sz="1200"/>
             </a:lvl8pPr>
-            <a:lvl9pPr indent="-304800" lvl="8" marL="4114800">
+            <a:lvl9pPr marL="4114800" lvl="8" indent="-304800">
               <a:spcBef>
                 <a:spcPts val="1600"/>
               </a:spcBef>
@@ -2683,15 +2754,19 @@
               <a:defRPr sz="1200"/>
             </a:lvl9pPr>
           </a:lstStyle>
-          <a:p/>
+          <a:p>
+            <a:endParaRPr/>
+          </a:p>
         </p:txBody>
       </p:sp>
       <p:sp>
         <p:nvSpPr>
           <p:cNvPr id="24" name="Google Shape;24;p5"/>
-          <p:cNvSpPr txBox="1"/>
+          <p:cNvSpPr txBox="1">
+            <a:spLocks noGrp="1"/>
+          </p:cNvSpPr>
           <p:nvPr>
-            <p:ph idx="12" type="sldNum"/>
+            <p:ph type="sldNum" idx="12"/>
           </p:nvPr>
         </p:nvSpPr>
         <p:spPr>
@@ -2704,7 +2779,7 @@
           </a:prstGeom>
         </p:spPr>
         <p:txBody>
-          <a:bodyPr anchorCtr="0" anchor="ctr" bIns="91425" lIns="91425" spcFirstLastPara="1" rIns="91425" wrap="square" tIns="91425">
+          <a:bodyPr spcFirstLastPara="1" wrap="square" lIns="91425" tIns="91425" rIns="91425" bIns="91425" anchor="ctr" anchorCtr="0">
             <a:noAutofit/>
           </a:bodyPr>
           <a:lstStyle>
@@ -2746,7 +2821,7 @@
             </a:lvl9pPr>
           </a:lstStyle>
           <a:p>
-            <a:pPr indent="0" lvl="0" marL="0" rtl="0" algn="r">
+            <a:pPr marL="0" lvl="0" indent="0" algn="r" rtl="0">
               <a:spcBef>
                 <a:spcPts val="0"/>
               </a:spcBef>
@@ -2772,11 +2847,11 @@
 </file>
 
 <file path=ppt/slideLayouts/slideLayout5.xml><?xml version="1.0" encoding="utf-8"?>
-<p:sldLayout xmlns:a="http://schemas.openxmlformats.org/drawingml/2006/main" xmlns:r="http://schemas.openxmlformats.org/officeDocument/2006/relationships" xmlns:mc="http://schemas.openxmlformats.org/markup-compatibility/2006" xmlns:mv="urn:schemas-microsoft-com:mac:vml" xmlns:p="http://schemas.openxmlformats.org/presentationml/2006/main" xmlns:c="http://schemas.openxmlformats.org/drawingml/2006/chart" xmlns:dgm="http://schemas.openxmlformats.org/drawingml/2006/diagram" xmlns:o="urn:schemas-microsoft-com:office:office" xmlns:v="urn:schemas-microsoft-com:vml" xmlns:pvml="urn:schemas-microsoft-com:office:powerpoint" xmlns:com="http://schemas.openxmlformats.org/drawingml/2006/compatibility" xmlns:p14="http://schemas.microsoft.com/office/powerpoint/2010/main" xmlns:p15="http://schemas.microsoft.com/office/powerpoint/2012/main" xmlns:ahyp="http://schemas.microsoft.com/office/drawing/2018/hyperlinkcolor" matchingName="Title only" type="titleOnly">
+<p:sldLayout xmlns:a="http://schemas.openxmlformats.org/drawingml/2006/main" xmlns:r="http://schemas.openxmlformats.org/officeDocument/2006/relationships" xmlns:p="http://schemas.openxmlformats.org/presentationml/2006/main" matchingName="Title only" type="titleOnly">
   <p:cSld name="TITLE_ONLY">
     <p:spTree>
       <p:nvGrpSpPr>
-        <p:cNvPr id="25" name="Shape 25"/>
+        <p:cNvPr id="1" name="Shape 25"/>
         <p:cNvGrpSpPr/>
         <p:nvPr/>
       </p:nvGrpSpPr>
@@ -2791,7 +2866,9 @@
       <p:sp>
         <p:nvSpPr>
           <p:cNvPr id="26" name="Google Shape;26;p6"/>
-          <p:cNvSpPr txBox="1"/>
+          <p:cNvSpPr txBox="1">
+            <a:spLocks noGrp="1"/>
+          </p:cNvSpPr>
           <p:nvPr>
             <p:ph type="title"/>
           </p:nvPr>
@@ -2806,7 +2883,7 @@
           </a:prstGeom>
         </p:spPr>
         <p:txBody>
-          <a:bodyPr anchorCtr="0" anchor="t" bIns="91425" lIns="91425" spcFirstLastPara="1" rIns="91425" wrap="square" tIns="91425">
+          <a:bodyPr spcFirstLastPara="1" wrap="square" lIns="91425" tIns="91425" rIns="91425" bIns="91425" anchor="t" anchorCtr="0">
             <a:noAutofit/>
           </a:bodyPr>
           <a:lstStyle>
@@ -2910,15 +2987,19 @@
               <a:defRPr/>
             </a:lvl9pPr>
           </a:lstStyle>
-          <a:p/>
+          <a:p>
+            <a:endParaRPr/>
+          </a:p>
         </p:txBody>
       </p:sp>
       <p:sp>
         <p:nvSpPr>
           <p:cNvPr id="27" name="Google Shape;27;p6"/>
-          <p:cNvSpPr txBox="1"/>
+          <p:cNvSpPr txBox="1">
+            <a:spLocks noGrp="1"/>
+          </p:cNvSpPr>
           <p:nvPr>
-            <p:ph idx="12" type="sldNum"/>
+            <p:ph type="sldNum" idx="12"/>
           </p:nvPr>
         </p:nvSpPr>
         <p:spPr>
@@ -2931,7 +3012,7 @@
           </a:prstGeom>
         </p:spPr>
         <p:txBody>
-          <a:bodyPr anchorCtr="0" anchor="ctr" bIns="91425" lIns="91425" spcFirstLastPara="1" rIns="91425" wrap="square" tIns="91425">
+          <a:bodyPr spcFirstLastPara="1" wrap="square" lIns="91425" tIns="91425" rIns="91425" bIns="91425" anchor="ctr" anchorCtr="0">
             <a:noAutofit/>
           </a:bodyPr>
           <a:lstStyle>
@@ -2973,7 +3054,7 @@
             </a:lvl9pPr>
           </a:lstStyle>
           <a:p>
-            <a:pPr indent="0" lvl="0" marL="0" rtl="0" algn="r">
+            <a:pPr marL="0" lvl="0" indent="0" algn="r" rtl="0">
               <a:spcBef>
                 <a:spcPts val="0"/>
               </a:spcBef>
@@ -2999,11 +3080,11 @@
 </file>
 
 <file path=ppt/slideLayouts/slideLayout6.xml><?xml version="1.0" encoding="utf-8"?>
-<p:sldLayout xmlns:a="http://schemas.openxmlformats.org/drawingml/2006/main" xmlns:r="http://schemas.openxmlformats.org/officeDocument/2006/relationships" xmlns:mc="http://schemas.openxmlformats.org/markup-compatibility/2006" xmlns:mv="urn:schemas-microsoft-com:mac:vml" xmlns:p="http://schemas.openxmlformats.org/presentationml/2006/main" xmlns:c="http://schemas.openxmlformats.org/drawingml/2006/chart" xmlns:dgm="http://schemas.openxmlformats.org/drawingml/2006/diagram" xmlns:o="urn:schemas-microsoft-com:office:office" xmlns:v="urn:schemas-microsoft-com:vml" xmlns:pvml="urn:schemas-microsoft-com:office:powerpoint" xmlns:com="http://schemas.openxmlformats.org/drawingml/2006/compatibility" xmlns:p14="http://schemas.microsoft.com/office/powerpoint/2010/main" xmlns:p15="http://schemas.microsoft.com/office/powerpoint/2012/main" xmlns:ahyp="http://schemas.microsoft.com/office/drawing/2018/hyperlinkcolor" matchingName="One column text">
+<p:sldLayout xmlns:a="http://schemas.openxmlformats.org/drawingml/2006/main" xmlns:r="http://schemas.openxmlformats.org/officeDocument/2006/relationships" xmlns:p="http://schemas.openxmlformats.org/presentationml/2006/main" matchingName="One column text">
   <p:cSld name="ONE_COLUMN_TEXT">
     <p:spTree>
       <p:nvGrpSpPr>
-        <p:cNvPr id="28" name="Shape 28"/>
+        <p:cNvPr id="1" name="Shape 28"/>
         <p:cNvGrpSpPr/>
         <p:nvPr/>
       </p:nvGrpSpPr>
@@ -3018,7 +3099,9 @@
       <p:sp>
         <p:nvSpPr>
           <p:cNvPr id="29" name="Google Shape;29;p7"/>
-          <p:cNvSpPr txBox="1"/>
+          <p:cNvSpPr txBox="1">
+            <a:spLocks noGrp="1"/>
+          </p:cNvSpPr>
           <p:nvPr>
             <p:ph type="title"/>
           </p:nvPr>
@@ -3033,7 +3116,7 @@
           </a:prstGeom>
         </p:spPr>
         <p:txBody>
-          <a:bodyPr anchorCtr="0" anchor="b" bIns="91425" lIns="91425" spcFirstLastPara="1" rIns="91425" wrap="square" tIns="91425">
+          <a:bodyPr spcFirstLastPara="1" wrap="square" lIns="91425" tIns="91425" rIns="91425" bIns="91425" anchor="b" anchorCtr="0">
             <a:noAutofit/>
           </a:bodyPr>
           <a:lstStyle>
@@ -3137,15 +3220,19 @@
               <a:defRPr sz="2400"/>
             </a:lvl9pPr>
           </a:lstStyle>
-          <a:p/>
+          <a:p>
+            <a:endParaRPr/>
+          </a:p>
         </p:txBody>
       </p:sp>
       <p:sp>
         <p:nvSpPr>
           <p:cNvPr id="30" name="Google Shape;30;p7"/>
-          <p:cNvSpPr txBox="1"/>
+          <p:cNvSpPr txBox="1">
+            <a:spLocks noGrp="1"/>
+          </p:cNvSpPr>
           <p:nvPr>
-            <p:ph idx="1" type="body"/>
+            <p:ph type="body" idx="1"/>
           </p:nvPr>
         </p:nvSpPr>
         <p:spPr>
@@ -3158,11 +3245,11 @@
           </a:prstGeom>
         </p:spPr>
         <p:txBody>
-          <a:bodyPr anchorCtr="0" anchor="t" bIns="91425" lIns="91425" spcFirstLastPara="1" rIns="91425" wrap="square" tIns="91425">
+          <a:bodyPr spcFirstLastPara="1" wrap="square" lIns="91425" tIns="91425" rIns="91425" bIns="91425" anchor="t" anchorCtr="0">
             <a:noAutofit/>
           </a:bodyPr>
           <a:lstStyle>
-            <a:lvl1pPr indent="-304800" lvl="0" marL="457200">
+            <a:lvl1pPr marL="457200" lvl="0" indent="-304800">
               <a:spcBef>
                 <a:spcPts val="0"/>
               </a:spcBef>
@@ -3173,7 +3260,7 @@
               <a:buChar char="●"/>
               <a:defRPr sz="1200"/>
             </a:lvl1pPr>
-            <a:lvl2pPr indent="-304800" lvl="1" marL="914400">
+            <a:lvl2pPr marL="914400" lvl="1" indent="-304800">
               <a:spcBef>
                 <a:spcPts val="1600"/>
               </a:spcBef>
@@ -3184,7 +3271,7 @@
               <a:buChar char="○"/>
               <a:defRPr sz="1200"/>
             </a:lvl2pPr>
-            <a:lvl3pPr indent="-304800" lvl="2" marL="1371600">
+            <a:lvl3pPr marL="1371600" lvl="2" indent="-304800">
               <a:spcBef>
                 <a:spcPts val="1600"/>
               </a:spcBef>
@@ -3195,7 +3282,7 @@
               <a:buChar char="■"/>
               <a:defRPr sz="1200"/>
             </a:lvl3pPr>
-            <a:lvl4pPr indent="-304800" lvl="3" marL="1828800">
+            <a:lvl4pPr marL="1828800" lvl="3" indent="-304800">
               <a:spcBef>
                 <a:spcPts val="1600"/>
               </a:spcBef>
@@ -3206,7 +3293,7 @@
               <a:buChar char="●"/>
               <a:defRPr sz="1200"/>
             </a:lvl4pPr>
-            <a:lvl5pPr indent="-304800" lvl="4" marL="2286000">
+            <a:lvl5pPr marL="2286000" lvl="4" indent="-304800">
               <a:spcBef>
                 <a:spcPts val="1600"/>
               </a:spcBef>
@@ -3217,7 +3304,7 @@
               <a:buChar char="○"/>
               <a:defRPr sz="1200"/>
             </a:lvl5pPr>
-            <a:lvl6pPr indent="-304800" lvl="5" marL="2743200">
+            <a:lvl6pPr marL="2743200" lvl="5" indent="-304800">
               <a:spcBef>
                 <a:spcPts val="1600"/>
               </a:spcBef>
@@ -3228,7 +3315,7 @@
               <a:buChar char="■"/>
               <a:defRPr sz="1200"/>
             </a:lvl6pPr>
-            <a:lvl7pPr indent="-304800" lvl="6" marL="3200400">
+            <a:lvl7pPr marL="3200400" lvl="6" indent="-304800">
               <a:spcBef>
                 <a:spcPts val="1600"/>
               </a:spcBef>
@@ -3239,7 +3326,7 @@
               <a:buChar char="●"/>
               <a:defRPr sz="1200"/>
             </a:lvl7pPr>
-            <a:lvl8pPr indent="-304800" lvl="7" marL="3657600">
+            <a:lvl8pPr marL="3657600" lvl="7" indent="-304800">
               <a:spcBef>
                 <a:spcPts val="1600"/>
               </a:spcBef>
@@ -3250,7 +3337,7 @@
               <a:buChar char="○"/>
               <a:defRPr sz="1200"/>
             </a:lvl8pPr>
-            <a:lvl9pPr indent="-304800" lvl="8" marL="4114800">
+            <a:lvl9pPr marL="4114800" lvl="8" indent="-304800">
               <a:spcBef>
                 <a:spcPts val="1600"/>
               </a:spcBef>
@@ -3262,15 +3349,19 @@
               <a:defRPr sz="1200"/>
             </a:lvl9pPr>
           </a:lstStyle>
-          <a:p/>
+          <a:p>
+            <a:endParaRPr/>
+          </a:p>
         </p:txBody>
       </p:sp>
       <p:sp>
         <p:nvSpPr>
           <p:cNvPr id="31" name="Google Shape;31;p7"/>
-          <p:cNvSpPr txBox="1"/>
+          <p:cNvSpPr txBox="1">
+            <a:spLocks noGrp="1"/>
+          </p:cNvSpPr>
           <p:nvPr>
-            <p:ph idx="12" type="sldNum"/>
+            <p:ph type="sldNum" idx="12"/>
           </p:nvPr>
         </p:nvSpPr>
         <p:spPr>
@@ -3283,7 +3374,7 @@
           </a:prstGeom>
         </p:spPr>
         <p:txBody>
-          <a:bodyPr anchorCtr="0" anchor="ctr" bIns="91425" lIns="91425" spcFirstLastPara="1" rIns="91425" wrap="square" tIns="91425">
+          <a:bodyPr spcFirstLastPara="1" wrap="square" lIns="91425" tIns="91425" rIns="91425" bIns="91425" anchor="ctr" anchorCtr="0">
             <a:noAutofit/>
           </a:bodyPr>
           <a:lstStyle>
@@ -3325,7 +3416,7 @@
             </a:lvl9pPr>
           </a:lstStyle>
           <a:p>
-            <a:pPr indent="0" lvl="0" marL="0" rtl="0" algn="r">
+            <a:pPr marL="0" lvl="0" indent="0" algn="r" rtl="0">
               <a:spcBef>
                 <a:spcPts val="0"/>
               </a:spcBef>
@@ -3351,11 +3442,11 @@
 </file>
 
 <file path=ppt/slideLayouts/slideLayout7.xml><?xml version="1.0" encoding="utf-8"?>
-<p:sldLayout xmlns:a="http://schemas.openxmlformats.org/drawingml/2006/main" xmlns:r="http://schemas.openxmlformats.org/officeDocument/2006/relationships" xmlns:mc="http://schemas.openxmlformats.org/markup-compatibility/2006" xmlns:mv="urn:schemas-microsoft-com:mac:vml" xmlns:p="http://schemas.openxmlformats.org/presentationml/2006/main" xmlns:c="http://schemas.openxmlformats.org/drawingml/2006/chart" xmlns:dgm="http://schemas.openxmlformats.org/drawingml/2006/diagram" xmlns:o="urn:schemas-microsoft-com:office:office" xmlns:v="urn:schemas-microsoft-com:vml" xmlns:pvml="urn:schemas-microsoft-com:office:powerpoint" xmlns:com="http://schemas.openxmlformats.org/drawingml/2006/compatibility" xmlns:p14="http://schemas.microsoft.com/office/powerpoint/2010/main" xmlns:p15="http://schemas.microsoft.com/office/powerpoint/2012/main" xmlns:ahyp="http://schemas.microsoft.com/office/drawing/2018/hyperlinkcolor" matchingName="Main point">
+<p:sldLayout xmlns:a="http://schemas.openxmlformats.org/drawingml/2006/main" xmlns:r="http://schemas.openxmlformats.org/officeDocument/2006/relationships" xmlns:p="http://schemas.openxmlformats.org/presentationml/2006/main" matchingName="Main point">
   <p:cSld name="MAIN_POINT">
     <p:spTree>
       <p:nvGrpSpPr>
-        <p:cNvPr id="32" name="Shape 32"/>
+        <p:cNvPr id="1" name="Shape 32"/>
         <p:cNvGrpSpPr/>
         <p:nvPr/>
       </p:nvGrpSpPr>
@@ -3370,7 +3461,9 @@
       <p:sp>
         <p:nvSpPr>
           <p:cNvPr id="33" name="Google Shape;33;p8"/>
-          <p:cNvSpPr txBox="1"/>
+          <p:cNvSpPr txBox="1">
+            <a:spLocks noGrp="1"/>
+          </p:cNvSpPr>
           <p:nvPr>
             <p:ph type="title"/>
           </p:nvPr>
@@ -3385,7 +3478,7 @@
           </a:prstGeom>
         </p:spPr>
         <p:txBody>
-          <a:bodyPr anchorCtr="0" anchor="ctr" bIns="91425" lIns="91425" spcFirstLastPara="1" rIns="91425" wrap="square" tIns="91425">
+          <a:bodyPr spcFirstLastPara="1" wrap="square" lIns="91425" tIns="91425" rIns="91425" bIns="91425" anchor="ctr" anchorCtr="0">
             <a:noAutofit/>
           </a:bodyPr>
           <a:lstStyle>
@@ -3489,15 +3582,19 @@
               <a:defRPr sz="4800"/>
             </a:lvl9pPr>
           </a:lstStyle>
-          <a:p/>
+          <a:p>
+            <a:endParaRPr/>
+          </a:p>
         </p:txBody>
       </p:sp>
       <p:sp>
         <p:nvSpPr>
           <p:cNvPr id="34" name="Google Shape;34;p8"/>
-          <p:cNvSpPr txBox="1"/>
+          <p:cNvSpPr txBox="1">
+            <a:spLocks noGrp="1"/>
+          </p:cNvSpPr>
           <p:nvPr>
-            <p:ph idx="12" type="sldNum"/>
+            <p:ph type="sldNum" idx="12"/>
           </p:nvPr>
         </p:nvSpPr>
         <p:spPr>
@@ -3510,7 +3607,7 @@
           </a:prstGeom>
         </p:spPr>
         <p:txBody>
-          <a:bodyPr anchorCtr="0" anchor="ctr" bIns="91425" lIns="91425" spcFirstLastPara="1" rIns="91425" wrap="square" tIns="91425">
+          <a:bodyPr spcFirstLastPara="1" wrap="square" lIns="91425" tIns="91425" rIns="91425" bIns="91425" anchor="ctr" anchorCtr="0">
             <a:noAutofit/>
           </a:bodyPr>
           <a:lstStyle>
@@ -3552,7 +3649,7 @@
             </a:lvl9pPr>
           </a:lstStyle>
           <a:p>
-            <a:pPr indent="0" lvl="0" marL="0" rtl="0" algn="r">
+            <a:pPr marL="0" lvl="0" indent="0" algn="r" rtl="0">
               <a:spcBef>
                 <a:spcPts val="0"/>
               </a:spcBef>
@@ -3578,11 +3675,11 @@
 </file>
 
 <file path=ppt/slideLayouts/slideLayout8.xml><?xml version="1.0" encoding="utf-8"?>
-<p:sldLayout xmlns:a="http://schemas.openxmlformats.org/drawingml/2006/main" xmlns:r="http://schemas.openxmlformats.org/officeDocument/2006/relationships" xmlns:mc="http://schemas.openxmlformats.org/markup-compatibility/2006" xmlns:mv="urn:schemas-microsoft-com:mac:vml" xmlns:p="http://schemas.openxmlformats.org/presentationml/2006/main" xmlns:c="http://schemas.openxmlformats.org/drawingml/2006/chart" xmlns:dgm="http://schemas.openxmlformats.org/drawingml/2006/diagram" xmlns:o="urn:schemas-microsoft-com:office:office" xmlns:v="urn:schemas-microsoft-com:vml" xmlns:pvml="urn:schemas-microsoft-com:office:powerpoint" xmlns:com="http://schemas.openxmlformats.org/drawingml/2006/compatibility" xmlns:p14="http://schemas.microsoft.com/office/powerpoint/2010/main" xmlns:p15="http://schemas.microsoft.com/office/powerpoint/2012/main" xmlns:ahyp="http://schemas.microsoft.com/office/drawing/2018/hyperlinkcolor" matchingName="Section title and description">
+<p:sldLayout xmlns:a="http://schemas.openxmlformats.org/drawingml/2006/main" xmlns:r="http://schemas.openxmlformats.org/officeDocument/2006/relationships" xmlns:p="http://schemas.openxmlformats.org/presentationml/2006/main" matchingName="Section title and description">
   <p:cSld name="SECTION_TITLE_AND_DESCRIPTION">
     <p:spTree>
       <p:nvGrpSpPr>
-        <p:cNvPr id="35" name="Shape 35"/>
+        <p:cNvPr id="1" name="Shape 35"/>
         <p:cNvGrpSpPr/>
         <p:nvPr/>
       </p:nvGrpSpPr>
@@ -3616,12 +3713,12 @@
           </a:ln>
         </p:spPr>
         <p:txBody>
-          <a:bodyPr anchorCtr="0" anchor="ctr" bIns="91425" lIns="91425" spcFirstLastPara="1" rIns="91425" wrap="square" tIns="91425">
+          <a:bodyPr spcFirstLastPara="1" wrap="square" lIns="91425" tIns="91425" rIns="91425" bIns="91425" anchor="ctr" anchorCtr="0">
             <a:noAutofit/>
           </a:bodyPr>
           <a:lstStyle/>
           <a:p>
-            <a:pPr indent="0" lvl="0" marL="0" rtl="0" algn="l">
+            <a:pPr marL="0" lvl="0" indent="0" algn="l" rtl="0">
               <a:spcBef>
                 <a:spcPts val="0"/>
               </a:spcBef>
@@ -3630,9 +3727,6 @@
               </a:spcAft>
               <a:buNone/>
             </a:pPr>
-            <a:r>
-              <a:t/>
-            </a:r>
             <a:endParaRPr/>
           </a:p>
         </p:txBody>
@@ -3640,7 +3734,9 @@
       <p:sp>
         <p:nvSpPr>
           <p:cNvPr id="37" name="Google Shape;37;p9"/>
-          <p:cNvSpPr txBox="1"/>
+          <p:cNvSpPr txBox="1">
+            <a:spLocks noGrp="1"/>
+          </p:cNvSpPr>
           <p:nvPr>
             <p:ph type="title"/>
           </p:nvPr>
@@ -3655,7 +3751,7 @@
           </a:prstGeom>
         </p:spPr>
         <p:txBody>
-          <a:bodyPr anchorCtr="0" anchor="b" bIns="91425" lIns="91425" spcFirstLastPara="1" rIns="91425" wrap="square" tIns="91425">
+          <a:bodyPr spcFirstLastPara="1" wrap="square" lIns="91425" tIns="91425" rIns="91425" bIns="91425" anchor="b" anchorCtr="0">
             <a:noAutofit/>
           </a:bodyPr>
           <a:lstStyle>
@@ -3759,15 +3855,19 @@
               <a:defRPr sz="4200"/>
             </a:lvl9pPr>
           </a:lstStyle>
-          <a:p/>
+          <a:p>
+            <a:endParaRPr/>
+          </a:p>
         </p:txBody>
       </p:sp>
       <p:sp>
         <p:nvSpPr>
           <p:cNvPr id="38" name="Google Shape;38;p9"/>
-          <p:cNvSpPr txBox="1"/>
+          <p:cNvSpPr txBox="1">
+            <a:spLocks noGrp="1"/>
+          </p:cNvSpPr>
           <p:nvPr>
-            <p:ph idx="1" type="subTitle"/>
+            <p:ph type="subTitle" idx="1"/>
           </p:nvPr>
         </p:nvSpPr>
         <p:spPr>
@@ -3780,7 +3880,7 @@
           </a:prstGeom>
         </p:spPr>
         <p:txBody>
-          <a:bodyPr anchorCtr="0" anchor="t" bIns="91425" lIns="91425" spcFirstLastPara="1" rIns="91425" wrap="square" tIns="91425">
+          <a:bodyPr spcFirstLastPara="1" wrap="square" lIns="91425" tIns="91425" rIns="91425" bIns="91425" anchor="t" anchorCtr="0">
             <a:noAutofit/>
           </a:bodyPr>
           <a:lstStyle>
@@ -3911,15 +4011,19 @@
               <a:defRPr sz="2100"/>
             </a:lvl9pPr>
           </a:lstStyle>
-          <a:p/>
+          <a:p>
+            <a:endParaRPr/>
+          </a:p>
         </p:txBody>
       </p:sp>
       <p:sp>
         <p:nvSpPr>
           <p:cNvPr id="39" name="Google Shape;39;p9"/>
-          <p:cNvSpPr txBox="1"/>
+          <p:cNvSpPr txBox="1">
+            <a:spLocks noGrp="1"/>
+          </p:cNvSpPr>
           <p:nvPr>
-            <p:ph idx="2" type="body"/>
+            <p:ph type="body" idx="2"/>
           </p:nvPr>
         </p:nvSpPr>
         <p:spPr>
@@ -3932,11 +4036,11 @@
           </a:prstGeom>
         </p:spPr>
         <p:txBody>
-          <a:bodyPr anchorCtr="0" anchor="ctr" bIns="91425" lIns="91425" spcFirstLastPara="1" rIns="91425" wrap="square" tIns="91425">
+          <a:bodyPr spcFirstLastPara="1" wrap="square" lIns="91425" tIns="91425" rIns="91425" bIns="91425" anchor="ctr" anchorCtr="0">
             <a:noAutofit/>
           </a:bodyPr>
           <a:lstStyle>
-            <a:lvl1pPr indent="-342900" lvl="0" marL="457200">
+            <a:lvl1pPr marL="457200" lvl="0" indent="-342900">
               <a:spcBef>
                 <a:spcPts val="0"/>
               </a:spcBef>
@@ -3947,7 +4051,7 @@
               <a:buChar char="●"/>
               <a:defRPr/>
             </a:lvl1pPr>
-            <a:lvl2pPr indent="-317500" lvl="1" marL="914400">
+            <a:lvl2pPr marL="914400" lvl="1" indent="-317500">
               <a:spcBef>
                 <a:spcPts val="1600"/>
               </a:spcBef>
@@ -3958,7 +4062,7 @@
               <a:buChar char="○"/>
               <a:defRPr/>
             </a:lvl2pPr>
-            <a:lvl3pPr indent="-317500" lvl="2" marL="1371600">
+            <a:lvl3pPr marL="1371600" lvl="2" indent="-317500">
               <a:spcBef>
                 <a:spcPts val="1600"/>
               </a:spcBef>
@@ -3969,7 +4073,7 @@
               <a:buChar char="■"/>
               <a:defRPr/>
             </a:lvl3pPr>
-            <a:lvl4pPr indent="-317500" lvl="3" marL="1828800">
+            <a:lvl4pPr marL="1828800" lvl="3" indent="-317500">
               <a:spcBef>
                 <a:spcPts val="1600"/>
               </a:spcBef>
@@ -3980,7 +4084,7 @@
               <a:buChar char="●"/>
               <a:defRPr/>
             </a:lvl4pPr>
-            <a:lvl5pPr indent="-317500" lvl="4" marL="2286000">
+            <a:lvl5pPr marL="2286000" lvl="4" indent="-317500">
               <a:spcBef>
                 <a:spcPts val="1600"/>
               </a:spcBef>
@@ -3991,7 +4095,7 @@
               <a:buChar char="○"/>
               <a:defRPr/>
             </a:lvl5pPr>
-            <a:lvl6pPr indent="-317500" lvl="5" marL="2743200">
+            <a:lvl6pPr marL="2743200" lvl="5" indent="-317500">
               <a:spcBef>
                 <a:spcPts val="1600"/>
               </a:spcBef>
@@ -4002,7 +4106,7 @@
               <a:buChar char="■"/>
               <a:defRPr/>
             </a:lvl6pPr>
-            <a:lvl7pPr indent="-317500" lvl="6" marL="3200400">
+            <a:lvl7pPr marL="3200400" lvl="6" indent="-317500">
               <a:spcBef>
                 <a:spcPts val="1600"/>
               </a:spcBef>
@@ -4013,7 +4117,7 @@
               <a:buChar char="●"/>
               <a:defRPr/>
             </a:lvl7pPr>
-            <a:lvl8pPr indent="-317500" lvl="7" marL="3657600">
+            <a:lvl8pPr marL="3657600" lvl="7" indent="-317500">
               <a:spcBef>
                 <a:spcPts val="1600"/>
               </a:spcBef>
@@ -4024,7 +4128,7 @@
               <a:buChar char="○"/>
               <a:defRPr/>
             </a:lvl8pPr>
-            <a:lvl9pPr indent="-317500" lvl="8" marL="4114800">
+            <a:lvl9pPr marL="4114800" lvl="8" indent="-317500">
               <a:spcBef>
                 <a:spcPts val="1600"/>
               </a:spcBef>
@@ -4036,15 +4140,19 @@
               <a:defRPr/>
             </a:lvl9pPr>
           </a:lstStyle>
-          <a:p/>
+          <a:p>
+            <a:endParaRPr/>
+          </a:p>
         </p:txBody>
       </p:sp>
       <p:sp>
         <p:nvSpPr>
           <p:cNvPr id="40" name="Google Shape;40;p9"/>
-          <p:cNvSpPr txBox="1"/>
+          <p:cNvSpPr txBox="1">
+            <a:spLocks noGrp="1"/>
+          </p:cNvSpPr>
           <p:nvPr>
-            <p:ph idx="12" type="sldNum"/>
+            <p:ph type="sldNum" idx="12"/>
           </p:nvPr>
         </p:nvSpPr>
         <p:spPr>
@@ -4057,7 +4165,7 @@
           </a:prstGeom>
         </p:spPr>
         <p:txBody>
-          <a:bodyPr anchorCtr="0" anchor="ctr" bIns="91425" lIns="91425" spcFirstLastPara="1" rIns="91425" wrap="square" tIns="91425">
+          <a:bodyPr spcFirstLastPara="1" wrap="square" lIns="91425" tIns="91425" rIns="91425" bIns="91425" anchor="ctr" anchorCtr="0">
             <a:noAutofit/>
           </a:bodyPr>
           <a:lstStyle>
@@ -4099,7 +4207,7 @@
             </a:lvl9pPr>
           </a:lstStyle>
           <a:p>
-            <a:pPr indent="0" lvl="0" marL="0" rtl="0" algn="r">
+            <a:pPr marL="0" lvl="0" indent="0" algn="r" rtl="0">
               <a:spcBef>
                 <a:spcPts val="0"/>
               </a:spcBef>
@@ -4125,11 +4233,11 @@
 </file>
 
 <file path=ppt/slideLayouts/slideLayout9.xml><?xml version="1.0" encoding="utf-8"?>
-<p:sldLayout xmlns:a="http://schemas.openxmlformats.org/drawingml/2006/main" xmlns:r="http://schemas.openxmlformats.org/officeDocument/2006/relationships" xmlns:mc="http://schemas.openxmlformats.org/markup-compatibility/2006" xmlns:mv="urn:schemas-microsoft-com:mac:vml" xmlns:p="http://schemas.openxmlformats.org/presentationml/2006/main" xmlns:c="http://schemas.openxmlformats.org/drawingml/2006/chart" xmlns:dgm="http://schemas.openxmlformats.org/drawingml/2006/diagram" xmlns:o="urn:schemas-microsoft-com:office:office" xmlns:v="urn:schemas-microsoft-com:vml" xmlns:pvml="urn:schemas-microsoft-com:office:powerpoint" xmlns:com="http://schemas.openxmlformats.org/drawingml/2006/compatibility" xmlns:p14="http://schemas.microsoft.com/office/powerpoint/2010/main" xmlns:p15="http://schemas.microsoft.com/office/powerpoint/2012/main" xmlns:ahyp="http://schemas.microsoft.com/office/drawing/2018/hyperlinkcolor" matchingName="Caption">
+<p:sldLayout xmlns:a="http://schemas.openxmlformats.org/drawingml/2006/main" xmlns:r="http://schemas.openxmlformats.org/officeDocument/2006/relationships" xmlns:p="http://schemas.openxmlformats.org/presentationml/2006/main" matchingName="Caption">
   <p:cSld name="CAPTION_ONLY">
     <p:spTree>
       <p:nvGrpSpPr>
-        <p:cNvPr id="41" name="Shape 41"/>
+        <p:cNvPr id="1" name="Shape 41"/>
         <p:cNvGrpSpPr/>
         <p:nvPr/>
       </p:nvGrpSpPr>
@@ -4144,9 +4252,11 @@
       <p:sp>
         <p:nvSpPr>
           <p:cNvPr id="42" name="Google Shape;42;p10"/>
-          <p:cNvSpPr txBox="1"/>
+          <p:cNvSpPr txBox="1">
+            <a:spLocks noGrp="1"/>
+          </p:cNvSpPr>
           <p:nvPr>
-            <p:ph idx="1" type="body"/>
+            <p:ph type="body" idx="1"/>
           </p:nvPr>
         </p:nvSpPr>
         <p:spPr>
@@ -4159,11 +4269,11 @@
           </a:prstGeom>
         </p:spPr>
         <p:txBody>
-          <a:bodyPr anchorCtr="0" anchor="ctr" bIns="91425" lIns="91425" spcFirstLastPara="1" rIns="91425" wrap="square" tIns="91425">
+          <a:bodyPr spcFirstLastPara="1" wrap="square" lIns="91425" tIns="91425" rIns="91425" bIns="91425" anchor="ctr" anchorCtr="0">
             <a:noAutofit/>
           </a:bodyPr>
           <a:lstStyle>
-            <a:lvl1pPr indent="-228600" lvl="0" marL="457200">
+            <a:lvl1pPr marL="457200" lvl="0" indent="-228600">
               <a:lnSpc>
                 <a:spcPct val="100000"/>
               </a:lnSpc>
@@ -4178,15 +4288,19 @@
               <a:defRPr/>
             </a:lvl1pPr>
           </a:lstStyle>
-          <a:p/>
+          <a:p>
+            <a:endParaRPr/>
+          </a:p>
         </p:txBody>
       </p:sp>
       <p:sp>
         <p:nvSpPr>
           <p:cNvPr id="43" name="Google Shape;43;p10"/>
-          <p:cNvSpPr txBox="1"/>
+          <p:cNvSpPr txBox="1">
+            <a:spLocks noGrp="1"/>
+          </p:cNvSpPr>
           <p:nvPr>
-            <p:ph idx="12" type="sldNum"/>
+            <p:ph type="sldNum" idx="12"/>
           </p:nvPr>
         </p:nvSpPr>
         <p:spPr>
@@ -4199,7 +4313,7 @@
           </a:prstGeom>
         </p:spPr>
         <p:txBody>
-          <a:bodyPr anchorCtr="0" anchor="ctr" bIns="91425" lIns="91425" spcFirstLastPara="1" rIns="91425" wrap="square" tIns="91425">
+          <a:bodyPr spcFirstLastPara="1" wrap="square" lIns="91425" tIns="91425" rIns="91425" bIns="91425" anchor="ctr" anchorCtr="0">
             <a:noAutofit/>
           </a:bodyPr>
           <a:lstStyle>
@@ -4241,7 +4355,7 @@
             </a:lvl9pPr>
           </a:lstStyle>
           <a:p>
-            <a:pPr indent="0" lvl="0" marL="0" rtl="0" algn="r">
+            <a:pPr marL="0" lvl="0" indent="0" algn="r" rtl="0">
               <a:spcBef>
                 <a:spcPts val="0"/>
               </a:spcBef>
@@ -4267,18 +4381,19 @@
 </file>
 
 <file path=ppt/slideMasters/slideMaster1.xml><?xml version="1.0" encoding="utf-8"?>
-<p:sldMaster xmlns:a="http://schemas.openxmlformats.org/drawingml/2006/main" xmlns:r="http://schemas.openxmlformats.org/officeDocument/2006/relationships" xmlns:mc="http://schemas.openxmlformats.org/markup-compatibility/2006" xmlns:mv="urn:schemas-microsoft-com:mac:vml" xmlns:p="http://schemas.openxmlformats.org/presentationml/2006/main" xmlns:c="http://schemas.openxmlformats.org/drawingml/2006/chart" xmlns:dgm="http://schemas.openxmlformats.org/drawingml/2006/diagram" xmlns:o="urn:schemas-microsoft-com:office:office" xmlns:v="urn:schemas-microsoft-com:vml" xmlns:pvml="urn:schemas-microsoft-com:office:powerpoint" xmlns:com="http://schemas.openxmlformats.org/drawingml/2006/compatibility" xmlns:p14="http://schemas.microsoft.com/office/powerpoint/2010/main" xmlns:p15="http://schemas.microsoft.com/office/powerpoint/2012/main" xmlns:ahyp="http://schemas.microsoft.com/office/drawing/2018/hyperlinkcolor">
+<p:sldMaster xmlns:a="http://schemas.openxmlformats.org/drawingml/2006/main" xmlns:r="http://schemas.openxmlformats.org/officeDocument/2006/relationships" xmlns:p="http://schemas.openxmlformats.org/presentationml/2006/main">
   <p:cSld name="simple-light-2">
     <p:bg>
       <p:bgPr>
         <a:solidFill>
           <a:schemeClr val="lt1"/>
         </a:solidFill>
+        <a:effectLst/>
       </p:bgPr>
     </p:bg>
     <p:spTree>
       <p:nvGrpSpPr>
-        <p:cNvPr id="5" name="Shape 5"/>
+        <p:cNvPr id="1" name="Shape 5"/>
         <p:cNvGrpSpPr/>
         <p:nvPr/>
       </p:nvGrpSpPr>
@@ -4293,7 +4408,9 @@
       <p:sp>
         <p:nvSpPr>
           <p:cNvPr id="6" name="Google Shape;6;p1"/>
-          <p:cNvSpPr txBox="1"/>
+          <p:cNvSpPr txBox="1">
+            <a:spLocks noGrp="1"/>
+          </p:cNvSpPr>
           <p:nvPr>
             <p:ph type="title"/>
           </p:nvPr>
@@ -4312,7 +4429,7 @@
           </a:ln>
         </p:spPr>
         <p:txBody>
-          <a:bodyPr anchorCtr="0" anchor="t" bIns="91425" lIns="91425" spcFirstLastPara="1" rIns="91425" wrap="square" tIns="91425">
+          <a:bodyPr spcFirstLastPara="1" wrap="square" lIns="91425" tIns="91425" rIns="91425" bIns="91425" anchor="t" anchorCtr="0">
             <a:noAutofit/>
           </a:bodyPr>
           <a:lstStyle>
@@ -4479,15 +4596,19 @@
               </a:defRPr>
             </a:lvl9pPr>
           </a:lstStyle>
-          <a:p/>
+          <a:p>
+            <a:endParaRPr/>
+          </a:p>
         </p:txBody>
       </p:sp>
       <p:sp>
         <p:nvSpPr>
           <p:cNvPr id="7" name="Google Shape;7;p1"/>
-          <p:cNvSpPr txBox="1"/>
+          <p:cNvSpPr txBox="1">
+            <a:spLocks noGrp="1"/>
+          </p:cNvSpPr>
           <p:nvPr>
-            <p:ph idx="1" type="body"/>
+            <p:ph type="body" idx="1"/>
           </p:nvPr>
         </p:nvSpPr>
         <p:spPr>
@@ -4504,11 +4625,11 @@
           </a:ln>
         </p:spPr>
         <p:txBody>
-          <a:bodyPr anchorCtr="0" anchor="t" bIns="91425" lIns="91425" spcFirstLastPara="1" rIns="91425" wrap="square" tIns="91425">
+          <a:bodyPr spcFirstLastPara="1" wrap="square" lIns="91425" tIns="91425" rIns="91425" bIns="91425" anchor="t" anchorCtr="0">
             <a:noAutofit/>
           </a:bodyPr>
           <a:lstStyle>
-            <a:lvl1pPr indent="-342900" lvl="0" marL="457200">
+            <a:lvl1pPr marL="457200" lvl="0" indent="-342900">
               <a:lnSpc>
                 <a:spcPct val="115000"/>
               </a:lnSpc>
@@ -4529,7 +4650,7 @@
                 </a:solidFill>
               </a:defRPr>
             </a:lvl1pPr>
-            <a:lvl2pPr indent="-317500" lvl="1" marL="914400">
+            <a:lvl2pPr marL="914400" lvl="1" indent="-317500">
               <a:lnSpc>
                 <a:spcPct val="115000"/>
               </a:lnSpc>
@@ -4550,7 +4671,7 @@
                 </a:solidFill>
               </a:defRPr>
             </a:lvl2pPr>
-            <a:lvl3pPr indent="-317500" lvl="2" marL="1371600">
+            <a:lvl3pPr marL="1371600" lvl="2" indent="-317500">
               <a:lnSpc>
                 <a:spcPct val="115000"/>
               </a:lnSpc>
@@ -4571,7 +4692,7 @@
                 </a:solidFill>
               </a:defRPr>
             </a:lvl3pPr>
-            <a:lvl4pPr indent="-317500" lvl="3" marL="1828800">
+            <a:lvl4pPr marL="1828800" lvl="3" indent="-317500">
               <a:lnSpc>
                 <a:spcPct val="115000"/>
               </a:lnSpc>
@@ -4592,7 +4713,7 @@
                 </a:solidFill>
               </a:defRPr>
             </a:lvl4pPr>
-            <a:lvl5pPr indent="-317500" lvl="4" marL="2286000">
+            <a:lvl5pPr marL="2286000" lvl="4" indent="-317500">
               <a:lnSpc>
                 <a:spcPct val="115000"/>
               </a:lnSpc>
@@ -4613,7 +4734,7 @@
                 </a:solidFill>
               </a:defRPr>
             </a:lvl5pPr>
-            <a:lvl6pPr indent="-317500" lvl="5" marL="2743200">
+            <a:lvl6pPr marL="2743200" lvl="5" indent="-317500">
               <a:lnSpc>
                 <a:spcPct val="115000"/>
               </a:lnSpc>
@@ -4634,7 +4755,7 @@
                 </a:solidFill>
               </a:defRPr>
             </a:lvl6pPr>
-            <a:lvl7pPr indent="-317500" lvl="6" marL="3200400">
+            <a:lvl7pPr marL="3200400" lvl="6" indent="-317500">
               <a:lnSpc>
                 <a:spcPct val="115000"/>
               </a:lnSpc>
@@ -4655,7 +4776,7 @@
                 </a:solidFill>
               </a:defRPr>
             </a:lvl7pPr>
-            <a:lvl8pPr indent="-317500" lvl="7" marL="3657600">
+            <a:lvl8pPr marL="3657600" lvl="7" indent="-317500">
               <a:lnSpc>
                 <a:spcPct val="115000"/>
               </a:lnSpc>
@@ -4676,7 +4797,7 @@
                 </a:solidFill>
               </a:defRPr>
             </a:lvl8pPr>
-            <a:lvl9pPr indent="-317500" lvl="8" marL="4114800">
+            <a:lvl9pPr marL="4114800" lvl="8" indent="-317500">
               <a:lnSpc>
                 <a:spcPct val="115000"/>
               </a:lnSpc>
@@ -4698,15 +4819,19 @@
               </a:defRPr>
             </a:lvl9pPr>
           </a:lstStyle>
-          <a:p/>
+          <a:p>
+            <a:endParaRPr/>
+          </a:p>
         </p:txBody>
       </p:sp>
       <p:sp>
         <p:nvSpPr>
           <p:cNvPr id="8" name="Google Shape;8;p1"/>
-          <p:cNvSpPr txBox="1"/>
+          <p:cNvSpPr txBox="1">
+            <a:spLocks noGrp="1"/>
+          </p:cNvSpPr>
           <p:nvPr>
-            <p:ph idx="12" type="sldNum"/>
+            <p:ph type="sldNum" idx="12"/>
           </p:nvPr>
         </p:nvSpPr>
         <p:spPr>
@@ -4723,7 +4848,7 @@
           </a:ln>
         </p:spPr>
         <p:txBody>
-          <a:bodyPr anchorCtr="0" anchor="ctr" bIns="91425" lIns="91425" spcFirstLastPara="1" rIns="91425" wrap="square" tIns="91425">
+          <a:bodyPr spcFirstLastPara="1" wrap="square" lIns="91425" tIns="91425" rIns="91425" bIns="91425" anchor="ctr" anchorCtr="0">
             <a:noAutofit/>
           </a:bodyPr>
           <a:lstStyle>
@@ -4801,7 +4926,7 @@
             </a:lvl9pPr>
           </a:lstStyle>
           <a:p>
-            <a:pPr indent="0" lvl="0" marL="0" rtl="0" algn="r">
+            <a:pPr marL="0" lvl="0" indent="0" algn="r" rtl="0">
               <a:spcBef>
                 <a:spcPts val="0"/>
               </a:spcBef>
@@ -4820,7 +4945,7 @@
       </p:sp>
     </p:spTree>
   </p:cSld>
-  <p:clrMap accent1="accent1" accent2="accent2" accent3="accent3" accent4="accent4" accent5="accent5" accent6="accent6" bg1="lt1" bg2="dk2" tx1="dk1" tx2="lt2" folHlink="folHlink" hlink="hlink"/>
+  <p:clrMap bg1="lt1" tx1="dk1" bg2="dk2" tx2="lt2" accent1="accent1" accent2="accent2" accent3="accent3" accent4="accent4" accent5="accent5" accent6="accent6" hlink="hlink" folHlink="folHlink"/>
   <p:sldLayoutIdLst>
     <p:sldLayoutId id="2147483648" r:id="rId1"/>
     <p:sldLayoutId id="2147483649" r:id="rId2"/>
@@ -4834,10 +4959,10 @@
     <p:sldLayoutId id="2147483657" r:id="rId10"/>
     <p:sldLayoutId id="2147483658" r:id="rId11"/>
   </p:sldLayoutIdLst>
-  <p:hf dt="0" ftr="0" hdr="0" sldNum="0"/>
+  <p:hf sldNum="0" hdr="0" ftr="0" dt="0"/>
   <p:txStyles>
     <p:titleStyle>
-      <a:defPPr lvl="0" marR="0" rtl="0" algn="l">
+      <a:defPPr marR="0" lvl="0" algn="l" rtl="0">
         <a:lnSpc>
           <a:spcPct val="100000"/>
         </a:lnSpc>
@@ -4848,7 +4973,7 @@
           <a:spcPts val="0"/>
         </a:spcAft>
       </a:defPPr>
-      <a:lvl1pPr lvl="0" marR="0" rtl="0" algn="l">
+      <a:lvl1pPr marR="0" lvl="0" algn="l" rtl="0">
         <a:lnSpc>
           <a:spcPct val="100000"/>
         </a:lnSpc>
@@ -4862,7 +4987,7 @@
           <a:srgbClr val="000000"/>
         </a:buClr>
         <a:buFont typeface="Arial"/>
-        <a:defRPr b="0" i="0" sz="1400" u="none" cap="none" strike="noStrike">
+        <a:defRPr sz="1400" b="0" i="0" u="none" strike="noStrike" cap="none">
           <a:solidFill>
             <a:srgbClr val="000000"/>
           </a:solidFill>
@@ -4872,7 +4997,7 @@
           <a:sym typeface="Arial"/>
         </a:defRPr>
       </a:lvl1pPr>
-      <a:lvl2pPr lvl="1" marR="0" rtl="0" algn="l">
+      <a:lvl2pPr marR="0" lvl="1" algn="l" rtl="0">
         <a:lnSpc>
           <a:spcPct val="100000"/>
         </a:lnSpc>
@@ -4886,7 +5011,7 @@
           <a:srgbClr val="000000"/>
         </a:buClr>
         <a:buFont typeface="Arial"/>
-        <a:defRPr b="0" i="0" sz="1400" u="none" cap="none" strike="noStrike">
+        <a:defRPr sz="1400" b="0" i="0" u="none" strike="noStrike" cap="none">
           <a:solidFill>
             <a:srgbClr val="000000"/>
           </a:solidFill>
@@ -4896,7 +5021,7 @@
           <a:sym typeface="Arial"/>
         </a:defRPr>
       </a:lvl2pPr>
-      <a:lvl3pPr lvl="2" marR="0" rtl="0" algn="l">
+      <a:lvl3pPr marR="0" lvl="2" algn="l" rtl="0">
         <a:lnSpc>
           <a:spcPct val="100000"/>
         </a:lnSpc>
@@ -4910,7 +5035,7 @@
           <a:srgbClr val="000000"/>
         </a:buClr>
         <a:buFont typeface="Arial"/>
-        <a:defRPr b="0" i="0" sz="1400" u="none" cap="none" strike="noStrike">
+        <a:defRPr sz="1400" b="0" i="0" u="none" strike="noStrike" cap="none">
           <a:solidFill>
             <a:srgbClr val="000000"/>
           </a:solidFill>
@@ -4920,7 +5045,7 @@
           <a:sym typeface="Arial"/>
         </a:defRPr>
       </a:lvl3pPr>
-      <a:lvl4pPr lvl="3" marR="0" rtl="0" algn="l">
+      <a:lvl4pPr marR="0" lvl="3" algn="l" rtl="0">
         <a:lnSpc>
           <a:spcPct val="100000"/>
         </a:lnSpc>
@@ -4934,7 +5059,7 @@
           <a:srgbClr val="000000"/>
         </a:buClr>
         <a:buFont typeface="Arial"/>
-        <a:defRPr b="0" i="0" sz="1400" u="none" cap="none" strike="noStrike">
+        <a:defRPr sz="1400" b="0" i="0" u="none" strike="noStrike" cap="none">
           <a:solidFill>
             <a:srgbClr val="000000"/>
           </a:solidFill>
@@ -4944,7 +5069,7 @@
           <a:sym typeface="Arial"/>
         </a:defRPr>
       </a:lvl4pPr>
-      <a:lvl5pPr lvl="4" marR="0" rtl="0" algn="l">
+      <a:lvl5pPr marR="0" lvl="4" algn="l" rtl="0">
         <a:lnSpc>
           <a:spcPct val="100000"/>
         </a:lnSpc>
@@ -4958,7 +5083,7 @@
           <a:srgbClr val="000000"/>
         </a:buClr>
         <a:buFont typeface="Arial"/>
-        <a:defRPr b="0" i="0" sz="1400" u="none" cap="none" strike="noStrike">
+        <a:defRPr sz="1400" b="0" i="0" u="none" strike="noStrike" cap="none">
           <a:solidFill>
             <a:srgbClr val="000000"/>
           </a:solidFill>
@@ -4968,7 +5093,7 @@
           <a:sym typeface="Arial"/>
         </a:defRPr>
       </a:lvl5pPr>
-      <a:lvl6pPr lvl="5" marR="0" rtl="0" algn="l">
+      <a:lvl6pPr marR="0" lvl="5" algn="l" rtl="0">
         <a:lnSpc>
           <a:spcPct val="100000"/>
         </a:lnSpc>
@@ -4982,7 +5107,7 @@
           <a:srgbClr val="000000"/>
         </a:buClr>
         <a:buFont typeface="Arial"/>
-        <a:defRPr b="0" i="0" sz="1400" u="none" cap="none" strike="noStrike">
+        <a:defRPr sz="1400" b="0" i="0" u="none" strike="noStrike" cap="none">
           <a:solidFill>
             <a:srgbClr val="000000"/>
           </a:solidFill>
@@ -4992,7 +5117,7 @@
           <a:sym typeface="Arial"/>
         </a:defRPr>
       </a:lvl6pPr>
-      <a:lvl7pPr lvl="6" marR="0" rtl="0" algn="l">
+      <a:lvl7pPr marR="0" lvl="6" algn="l" rtl="0">
         <a:lnSpc>
           <a:spcPct val="100000"/>
         </a:lnSpc>
@@ -5006,7 +5131,7 @@
           <a:srgbClr val="000000"/>
         </a:buClr>
         <a:buFont typeface="Arial"/>
-        <a:defRPr b="0" i="0" sz="1400" u="none" cap="none" strike="noStrike">
+        <a:defRPr sz="1400" b="0" i="0" u="none" strike="noStrike" cap="none">
           <a:solidFill>
             <a:srgbClr val="000000"/>
           </a:solidFill>
@@ -5016,7 +5141,7 @@
           <a:sym typeface="Arial"/>
         </a:defRPr>
       </a:lvl7pPr>
-      <a:lvl8pPr lvl="7" marR="0" rtl="0" algn="l">
+      <a:lvl8pPr marR="0" lvl="7" algn="l" rtl="0">
         <a:lnSpc>
           <a:spcPct val="100000"/>
         </a:lnSpc>
@@ -5030,7 +5155,7 @@
           <a:srgbClr val="000000"/>
         </a:buClr>
         <a:buFont typeface="Arial"/>
-        <a:defRPr b="0" i="0" sz="1400" u="none" cap="none" strike="noStrike">
+        <a:defRPr sz="1400" b="0" i="0" u="none" strike="noStrike" cap="none">
           <a:solidFill>
             <a:srgbClr val="000000"/>
           </a:solidFill>
@@ -5040,7 +5165,7 @@
           <a:sym typeface="Arial"/>
         </a:defRPr>
       </a:lvl8pPr>
-      <a:lvl9pPr lvl="8" marR="0" rtl="0" algn="l">
+      <a:lvl9pPr marR="0" lvl="8" algn="l" rtl="0">
         <a:lnSpc>
           <a:spcPct val="100000"/>
         </a:lnSpc>
@@ -5054,7 +5179,7 @@
           <a:srgbClr val="000000"/>
         </a:buClr>
         <a:buFont typeface="Arial"/>
-        <a:defRPr b="0" i="0" sz="1400" u="none" cap="none" strike="noStrike">
+        <a:defRPr sz="1400" b="0" i="0" u="none" strike="noStrike" cap="none">
           <a:solidFill>
             <a:srgbClr val="000000"/>
           </a:solidFill>
@@ -5066,7 +5191,7 @@
       </a:lvl9pPr>
     </p:titleStyle>
     <p:bodyStyle>
-      <a:defPPr lvl="0" marR="0" rtl="0" algn="l">
+      <a:defPPr marR="0" lvl="0" algn="l" rtl="0">
         <a:lnSpc>
           <a:spcPct val="100000"/>
         </a:lnSpc>
@@ -5077,7 +5202,7 @@
           <a:spcPts val="0"/>
         </a:spcAft>
       </a:defPPr>
-      <a:lvl1pPr lvl="0" marR="0" rtl="0" algn="l">
+      <a:lvl1pPr marR="0" lvl="0" algn="l" rtl="0">
         <a:lnSpc>
           <a:spcPct val="100000"/>
         </a:lnSpc>
@@ -5091,7 +5216,7 @@
           <a:srgbClr val="000000"/>
         </a:buClr>
         <a:buFont typeface="Arial"/>
-        <a:defRPr b="0" i="0" sz="1400" u="none" cap="none" strike="noStrike">
+        <a:defRPr sz="1400" b="0" i="0" u="none" strike="noStrike" cap="none">
           <a:solidFill>
             <a:srgbClr val="000000"/>
           </a:solidFill>
@@ -5101,7 +5226,7 @@
           <a:sym typeface="Arial"/>
         </a:defRPr>
       </a:lvl1pPr>
-      <a:lvl2pPr lvl="1" marR="0" rtl="0" algn="l">
+      <a:lvl2pPr marR="0" lvl="1" algn="l" rtl="0">
         <a:lnSpc>
           <a:spcPct val="100000"/>
         </a:lnSpc>
@@ -5115,7 +5240,7 @@
           <a:srgbClr val="000000"/>
         </a:buClr>
         <a:buFont typeface="Arial"/>
-        <a:defRPr b="0" i="0" sz="1400" u="none" cap="none" strike="noStrike">
+        <a:defRPr sz="1400" b="0" i="0" u="none" strike="noStrike" cap="none">
           <a:solidFill>
             <a:srgbClr val="000000"/>
           </a:solidFill>
@@ -5125,7 +5250,7 @@
           <a:sym typeface="Arial"/>
         </a:defRPr>
       </a:lvl2pPr>
-      <a:lvl3pPr lvl="2" marR="0" rtl="0" algn="l">
+      <a:lvl3pPr marR="0" lvl="2" algn="l" rtl="0">
         <a:lnSpc>
           <a:spcPct val="100000"/>
         </a:lnSpc>
@@ -5139,7 +5264,7 @@
           <a:srgbClr val="000000"/>
         </a:buClr>
         <a:buFont typeface="Arial"/>
-        <a:defRPr b="0" i="0" sz="1400" u="none" cap="none" strike="noStrike">
+        <a:defRPr sz="1400" b="0" i="0" u="none" strike="noStrike" cap="none">
           <a:solidFill>
             <a:srgbClr val="000000"/>
           </a:solidFill>
@@ -5149,7 +5274,7 @@
           <a:sym typeface="Arial"/>
         </a:defRPr>
       </a:lvl3pPr>
-      <a:lvl4pPr lvl="3" marR="0" rtl="0" algn="l">
+      <a:lvl4pPr marR="0" lvl="3" algn="l" rtl="0">
         <a:lnSpc>
           <a:spcPct val="100000"/>
         </a:lnSpc>
@@ -5163,7 +5288,7 @@
           <a:srgbClr val="000000"/>
         </a:buClr>
         <a:buFont typeface="Arial"/>
-        <a:defRPr b="0" i="0" sz="1400" u="none" cap="none" strike="noStrike">
+        <a:defRPr sz="1400" b="0" i="0" u="none" strike="noStrike" cap="none">
           <a:solidFill>
             <a:srgbClr val="000000"/>
           </a:solidFill>
@@ -5173,7 +5298,7 @@
           <a:sym typeface="Arial"/>
         </a:defRPr>
       </a:lvl4pPr>
-      <a:lvl5pPr lvl="4" marR="0" rtl="0" algn="l">
+      <a:lvl5pPr marR="0" lvl="4" algn="l" rtl="0">
         <a:lnSpc>
           <a:spcPct val="100000"/>
         </a:lnSpc>
@@ -5187,7 +5312,7 @@
           <a:srgbClr val="000000"/>
         </a:buClr>
         <a:buFont typeface="Arial"/>
-        <a:defRPr b="0" i="0" sz="1400" u="none" cap="none" strike="noStrike">
+        <a:defRPr sz="1400" b="0" i="0" u="none" strike="noStrike" cap="none">
           <a:solidFill>
             <a:srgbClr val="000000"/>
           </a:solidFill>
@@ -5197,7 +5322,7 @@
           <a:sym typeface="Arial"/>
         </a:defRPr>
       </a:lvl5pPr>
-      <a:lvl6pPr lvl="5" marR="0" rtl="0" algn="l">
+      <a:lvl6pPr marR="0" lvl="5" algn="l" rtl="0">
         <a:lnSpc>
           <a:spcPct val="100000"/>
         </a:lnSpc>
@@ -5211,7 +5336,7 @@
           <a:srgbClr val="000000"/>
         </a:buClr>
         <a:buFont typeface="Arial"/>
-        <a:defRPr b="0" i="0" sz="1400" u="none" cap="none" strike="noStrike">
+        <a:defRPr sz="1400" b="0" i="0" u="none" strike="noStrike" cap="none">
           <a:solidFill>
             <a:srgbClr val="000000"/>
           </a:solidFill>
@@ -5221,7 +5346,7 @@
           <a:sym typeface="Arial"/>
         </a:defRPr>
       </a:lvl6pPr>
-      <a:lvl7pPr lvl="6" marR="0" rtl="0" algn="l">
+      <a:lvl7pPr marR="0" lvl="6" algn="l" rtl="0">
         <a:lnSpc>
           <a:spcPct val="100000"/>
         </a:lnSpc>
@@ -5235,7 +5360,7 @@
           <a:srgbClr val="000000"/>
         </a:buClr>
         <a:buFont typeface="Arial"/>
-        <a:defRPr b="0" i="0" sz="1400" u="none" cap="none" strike="noStrike">
+        <a:defRPr sz="1400" b="0" i="0" u="none" strike="noStrike" cap="none">
           <a:solidFill>
             <a:srgbClr val="000000"/>
           </a:solidFill>
@@ -5245,7 +5370,7 @@
           <a:sym typeface="Arial"/>
         </a:defRPr>
       </a:lvl7pPr>
-      <a:lvl8pPr lvl="7" marR="0" rtl="0" algn="l">
+      <a:lvl8pPr marR="0" lvl="7" algn="l" rtl="0">
         <a:lnSpc>
           <a:spcPct val="100000"/>
         </a:lnSpc>
@@ -5259,7 +5384,7 @@
           <a:srgbClr val="000000"/>
         </a:buClr>
         <a:buFont typeface="Arial"/>
-        <a:defRPr b="0" i="0" sz="1400" u="none" cap="none" strike="noStrike">
+        <a:defRPr sz="1400" b="0" i="0" u="none" strike="noStrike" cap="none">
           <a:solidFill>
             <a:srgbClr val="000000"/>
           </a:solidFill>
@@ -5269,7 +5394,7 @@
           <a:sym typeface="Arial"/>
         </a:defRPr>
       </a:lvl8pPr>
-      <a:lvl9pPr lvl="8" marR="0" rtl="0" algn="l">
+      <a:lvl9pPr marR="0" lvl="8" algn="l" rtl="0">
         <a:lnSpc>
           <a:spcPct val="100000"/>
         </a:lnSpc>
@@ -5283,7 +5408,7 @@
           <a:srgbClr val="000000"/>
         </a:buClr>
         <a:buFont typeface="Arial"/>
-        <a:defRPr b="0" i="0" sz="1400" u="none" cap="none" strike="noStrike">
+        <a:defRPr sz="1400" b="0" i="0" u="none" strike="noStrike" cap="none">
           <a:solidFill>
             <a:srgbClr val="000000"/>
           </a:solidFill>
@@ -5295,7 +5420,7 @@
       </a:lvl9pPr>
     </p:bodyStyle>
     <p:otherStyle>
-      <a:defPPr lvl="0" marR="0" rtl="0" algn="l">
+      <a:defPPr marR="0" lvl="0" algn="l" rtl="0">
         <a:lnSpc>
           <a:spcPct val="100000"/>
         </a:lnSpc>
@@ -5306,7 +5431,7 @@
           <a:spcPts val="0"/>
         </a:spcAft>
       </a:defPPr>
-      <a:lvl1pPr lvl="0" marR="0" rtl="0" algn="l">
+      <a:lvl1pPr marR="0" lvl="0" algn="l" rtl="0">
         <a:lnSpc>
           <a:spcPct val="100000"/>
         </a:lnSpc>
@@ -5320,7 +5445,7 @@
           <a:srgbClr val="000000"/>
         </a:buClr>
         <a:buFont typeface="Arial"/>
-        <a:defRPr b="0" i="0" sz="1400" u="none" cap="none" strike="noStrike">
+        <a:defRPr sz="1400" b="0" i="0" u="none" strike="noStrike" cap="none">
           <a:solidFill>
             <a:srgbClr val="000000"/>
           </a:solidFill>
@@ -5330,7 +5455,7 @@
           <a:sym typeface="Arial"/>
         </a:defRPr>
       </a:lvl1pPr>
-      <a:lvl2pPr lvl="1" marR="0" rtl="0" algn="l">
+      <a:lvl2pPr marR="0" lvl="1" algn="l" rtl="0">
         <a:lnSpc>
           <a:spcPct val="100000"/>
         </a:lnSpc>
@@ -5344,7 +5469,7 @@
           <a:srgbClr val="000000"/>
         </a:buClr>
         <a:buFont typeface="Arial"/>
-        <a:defRPr b="0" i="0" sz="1400" u="none" cap="none" strike="noStrike">
+        <a:defRPr sz="1400" b="0" i="0" u="none" strike="noStrike" cap="none">
           <a:solidFill>
             <a:srgbClr val="000000"/>
           </a:solidFill>
@@ -5354,7 +5479,7 @@
           <a:sym typeface="Arial"/>
         </a:defRPr>
       </a:lvl2pPr>
-      <a:lvl3pPr lvl="2" marR="0" rtl="0" algn="l">
+      <a:lvl3pPr marR="0" lvl="2" algn="l" rtl="0">
         <a:lnSpc>
           <a:spcPct val="100000"/>
         </a:lnSpc>
@@ -5368,7 +5493,7 @@
           <a:srgbClr val="000000"/>
         </a:buClr>
         <a:buFont typeface="Arial"/>
-        <a:defRPr b="0" i="0" sz="1400" u="none" cap="none" strike="noStrike">
+        <a:defRPr sz="1400" b="0" i="0" u="none" strike="noStrike" cap="none">
           <a:solidFill>
             <a:srgbClr val="000000"/>
           </a:solidFill>
@@ -5378,7 +5503,7 @@
           <a:sym typeface="Arial"/>
         </a:defRPr>
       </a:lvl3pPr>
-      <a:lvl4pPr lvl="3" marR="0" rtl="0" algn="l">
+      <a:lvl4pPr marR="0" lvl="3" algn="l" rtl="0">
         <a:lnSpc>
           <a:spcPct val="100000"/>
         </a:lnSpc>
@@ -5392,7 +5517,7 @@
           <a:srgbClr val="000000"/>
         </a:buClr>
         <a:buFont typeface="Arial"/>
-        <a:defRPr b="0" i="0" sz="1400" u="none" cap="none" strike="noStrike">
+        <a:defRPr sz="1400" b="0" i="0" u="none" strike="noStrike" cap="none">
           <a:solidFill>
             <a:srgbClr val="000000"/>
           </a:solidFill>
@@ -5402,7 +5527,7 @@
           <a:sym typeface="Arial"/>
         </a:defRPr>
       </a:lvl4pPr>
-      <a:lvl5pPr lvl="4" marR="0" rtl="0" algn="l">
+      <a:lvl5pPr marR="0" lvl="4" algn="l" rtl="0">
         <a:lnSpc>
           <a:spcPct val="100000"/>
         </a:lnSpc>
@@ -5416,7 +5541,7 @@
           <a:srgbClr val="000000"/>
         </a:buClr>
         <a:buFont typeface="Arial"/>
-        <a:defRPr b="0" i="0" sz="1400" u="none" cap="none" strike="noStrike">
+        <a:defRPr sz="1400" b="0" i="0" u="none" strike="noStrike" cap="none">
           <a:solidFill>
             <a:srgbClr val="000000"/>
           </a:solidFill>
@@ -5426,7 +5551,7 @@
           <a:sym typeface="Arial"/>
         </a:defRPr>
       </a:lvl5pPr>
-      <a:lvl6pPr lvl="5" marR="0" rtl="0" algn="l">
+      <a:lvl6pPr marR="0" lvl="5" algn="l" rtl="0">
         <a:lnSpc>
           <a:spcPct val="100000"/>
         </a:lnSpc>
@@ -5440,7 +5565,7 @@
           <a:srgbClr val="000000"/>
         </a:buClr>
         <a:buFont typeface="Arial"/>
-        <a:defRPr b="0" i="0" sz="1400" u="none" cap="none" strike="noStrike">
+        <a:defRPr sz="1400" b="0" i="0" u="none" strike="noStrike" cap="none">
           <a:solidFill>
             <a:srgbClr val="000000"/>
           </a:solidFill>
@@ -5450,7 +5575,7 @@
           <a:sym typeface="Arial"/>
         </a:defRPr>
       </a:lvl6pPr>
-      <a:lvl7pPr lvl="6" marR="0" rtl="0" algn="l">
+      <a:lvl7pPr marR="0" lvl="6" algn="l" rtl="0">
         <a:lnSpc>
           <a:spcPct val="100000"/>
         </a:lnSpc>
@@ -5464,7 +5589,7 @@
           <a:srgbClr val="000000"/>
         </a:buClr>
         <a:buFont typeface="Arial"/>
-        <a:defRPr b="0" i="0" sz="1400" u="none" cap="none" strike="noStrike">
+        <a:defRPr sz="1400" b="0" i="0" u="none" strike="noStrike" cap="none">
           <a:solidFill>
             <a:srgbClr val="000000"/>
           </a:solidFill>
@@ -5474,7 +5599,7 @@
           <a:sym typeface="Arial"/>
         </a:defRPr>
       </a:lvl7pPr>
-      <a:lvl8pPr lvl="7" marR="0" rtl="0" algn="l">
+      <a:lvl8pPr marR="0" lvl="7" algn="l" rtl="0">
         <a:lnSpc>
           <a:spcPct val="100000"/>
         </a:lnSpc>
@@ -5488,7 +5613,7 @@
           <a:srgbClr val="000000"/>
         </a:buClr>
         <a:buFont typeface="Arial"/>
-        <a:defRPr b="0" i="0" sz="1400" u="none" cap="none" strike="noStrike">
+        <a:defRPr sz="1400" b="0" i="0" u="none" strike="noStrike" cap="none">
           <a:solidFill>
             <a:srgbClr val="000000"/>
           </a:solidFill>
@@ -5498,7 +5623,7 @@
           <a:sym typeface="Arial"/>
         </a:defRPr>
       </a:lvl8pPr>
-      <a:lvl9pPr lvl="8" marR="0" rtl="0" algn="l">
+      <a:lvl9pPr marR="0" lvl="8" algn="l" rtl="0">
         <a:lnSpc>
           <a:spcPct val="100000"/>
         </a:lnSpc>
@@ -5512,7 +5637,7 @@
           <a:srgbClr val="000000"/>
         </a:buClr>
         <a:buFont typeface="Arial"/>
-        <a:defRPr b="0" i="0" sz="1400" u="none" cap="none" strike="noStrike">
+        <a:defRPr sz="1400" b="0" i="0" u="none" strike="noStrike" cap="none">
           <a:solidFill>
             <a:srgbClr val="000000"/>
           </a:solidFill>
@@ -5528,11 +5653,11 @@
 </file>
 
 <file path=ppt/slides/slide1.xml><?xml version="1.0" encoding="utf-8"?>
-<p:sld xmlns:a="http://schemas.openxmlformats.org/drawingml/2006/main" xmlns:r="http://schemas.openxmlformats.org/officeDocument/2006/relationships" xmlns:mc="http://schemas.openxmlformats.org/markup-compatibility/2006" xmlns:mv="urn:schemas-microsoft-com:mac:vml" xmlns:p="http://schemas.openxmlformats.org/presentationml/2006/main" xmlns:c="http://schemas.openxmlformats.org/drawingml/2006/chart" xmlns:dgm="http://schemas.openxmlformats.org/drawingml/2006/diagram" xmlns:o="urn:schemas-microsoft-com:office:office" xmlns:v="urn:schemas-microsoft-com:vml" xmlns:pvml="urn:schemas-microsoft-com:office:powerpoint" xmlns:com="http://schemas.openxmlformats.org/drawingml/2006/compatibility" xmlns:p14="http://schemas.microsoft.com/office/powerpoint/2010/main" xmlns:p15="http://schemas.microsoft.com/office/powerpoint/2012/main" xmlns:ahyp="http://schemas.microsoft.com/office/drawing/2018/hyperlinkcolor">
+<p:sld xmlns:a="http://schemas.openxmlformats.org/drawingml/2006/main" xmlns:r="http://schemas.openxmlformats.org/officeDocument/2006/relationships" xmlns:p="http://schemas.openxmlformats.org/presentationml/2006/main">
   <p:cSld>
     <p:spTree>
       <p:nvGrpSpPr>
-        <p:cNvPr id="53" name="Shape 53"/>
+        <p:cNvPr id="1" name="Shape 53"/>
         <p:cNvGrpSpPr/>
         <p:nvPr/>
       </p:nvGrpSpPr>
@@ -5547,9 +5672,11 @@
       <p:sp>
         <p:nvSpPr>
           <p:cNvPr id="54" name="Google Shape;54;p13"/>
-          <p:cNvSpPr txBox="1"/>
+          <p:cNvSpPr txBox="1">
+            <a:spLocks noGrp="1"/>
+          </p:cNvSpPr>
           <p:nvPr>
-            <p:ph idx="1" type="body"/>
+            <p:ph type="body" idx="1"/>
           </p:nvPr>
         </p:nvSpPr>
         <p:spPr>
@@ -5562,12 +5689,12 @@
           </a:prstGeom>
         </p:spPr>
         <p:txBody>
-          <a:bodyPr anchorCtr="0" anchor="t" bIns="91425" lIns="91425" spcFirstLastPara="1" rIns="91425" wrap="square" tIns="91425">
+          <a:bodyPr spcFirstLastPara="1" wrap="square" lIns="91425" tIns="91425" rIns="91425" bIns="91425" anchor="t" anchorCtr="0">
             <a:noAutofit/>
           </a:bodyPr>
           <a:lstStyle/>
           <a:p>
-            <a:pPr indent="0" lvl="0" marL="0" rtl="0" algn="ctr">
+            <a:pPr marL="0" lvl="0" indent="0" algn="ctr" rtl="0">
               <a:spcBef>
                 <a:spcPts val="0"/>
               </a:spcBef>
@@ -5593,7 +5720,7 @@
             </a:endParaRPr>
           </a:p>
           <a:p>
-            <a:pPr indent="0" lvl="0" marL="0" rtl="0" algn="ctr">
+            <a:pPr marL="0" lvl="0" indent="0" algn="ctr" rtl="0">
               <a:spcBef>
                 <a:spcPts val="1600"/>
               </a:spcBef>
@@ -5619,7 +5746,7 @@
             </a:endParaRPr>
           </a:p>
           <a:p>
-            <a:pPr indent="0" lvl="0" marL="0" rtl="0" algn="ctr">
+            <a:pPr marL="0" lvl="0" indent="0" algn="ctr" rtl="0">
               <a:spcBef>
                 <a:spcPts val="1600"/>
               </a:spcBef>
@@ -5645,7 +5772,7 @@
             </a:endParaRPr>
           </a:p>
           <a:p>
-            <a:pPr indent="0" lvl="0" marL="0" rtl="0" algn="ctr">
+            <a:pPr marL="0" lvl="0" indent="0" algn="ctr" rtl="0">
               <a:spcBef>
                 <a:spcPts val="1600"/>
               </a:spcBef>
@@ -5654,9 +5781,6 @@
               </a:spcAft>
               <a:buNone/>
             </a:pPr>
-            <a:r>
-              <a:t/>
-            </a:r>
             <a:endParaRPr>
               <a:latin typeface="Open Sans"/>
               <a:ea typeface="Open Sans"/>
@@ -5675,11 +5799,11 @@
 </file>
 
 <file path=ppt/slides/slide2.xml><?xml version="1.0" encoding="utf-8"?>
-<p:sld xmlns:a="http://schemas.openxmlformats.org/drawingml/2006/main" xmlns:r="http://schemas.openxmlformats.org/officeDocument/2006/relationships" xmlns:mc="http://schemas.openxmlformats.org/markup-compatibility/2006" xmlns:mv="urn:schemas-microsoft-com:mac:vml" xmlns:p="http://schemas.openxmlformats.org/presentationml/2006/main" xmlns:c="http://schemas.openxmlformats.org/drawingml/2006/chart" xmlns:dgm="http://schemas.openxmlformats.org/drawingml/2006/diagram" xmlns:o="urn:schemas-microsoft-com:office:office" xmlns:v="urn:schemas-microsoft-com:vml" xmlns:pvml="urn:schemas-microsoft-com:office:powerpoint" xmlns:com="http://schemas.openxmlformats.org/drawingml/2006/compatibility" xmlns:p14="http://schemas.microsoft.com/office/powerpoint/2010/main" xmlns:p15="http://schemas.microsoft.com/office/powerpoint/2012/main" xmlns:ahyp="http://schemas.microsoft.com/office/drawing/2018/hyperlinkcolor">
+<p:sld xmlns:a="http://schemas.openxmlformats.org/drawingml/2006/main" xmlns:r="http://schemas.openxmlformats.org/officeDocument/2006/relationships" xmlns:p="http://schemas.openxmlformats.org/presentationml/2006/main">
   <p:cSld>
     <p:spTree>
       <p:nvGrpSpPr>
-        <p:cNvPr id="58" name="Shape 58"/>
+        <p:cNvPr id="1" name="Shape 58"/>
         <p:cNvGrpSpPr/>
         <p:nvPr/>
       </p:nvGrpSpPr>
@@ -5694,9 +5818,11 @@
       <p:sp>
         <p:nvSpPr>
           <p:cNvPr id="59" name="Google Shape;59;p14"/>
-          <p:cNvSpPr txBox="1"/>
+          <p:cNvSpPr txBox="1">
+            <a:spLocks noGrp="1"/>
+          </p:cNvSpPr>
           <p:nvPr>
-            <p:ph idx="1" type="body"/>
+            <p:ph type="body" idx="1"/>
           </p:nvPr>
         </p:nvSpPr>
         <p:spPr>
@@ -5710,23 +5836,23 @@
           <a:solidFill>
             <a:srgbClr val="EFEFEF"/>
           </a:solidFill>
-          <a:ln cap="flat" cmpd="sng" w="9525">
+          <a:ln w="9525" cap="flat" cmpd="sng">
             <a:solidFill>
               <a:srgbClr val="999999"/>
             </a:solidFill>
             <a:prstDash val="solid"/>
             <a:round/>
-            <a:headEnd len="sm" w="sm" type="none"/>
-            <a:tailEnd len="sm" w="sm" type="none"/>
+            <a:headEnd type="none" w="sm" len="sm"/>
+            <a:tailEnd type="none" w="sm" len="sm"/>
           </a:ln>
         </p:spPr>
         <p:txBody>
-          <a:bodyPr anchorCtr="0" anchor="t" bIns="91425" lIns="91425" spcFirstLastPara="1" rIns="91425" wrap="square" tIns="91425">
+          <a:bodyPr spcFirstLastPara="1" wrap="square" lIns="91425" tIns="91425" rIns="91425" bIns="91425" anchor="t" anchorCtr="0">
             <a:noAutofit/>
           </a:bodyPr>
           <a:lstStyle/>
           <a:p>
-            <a:pPr indent="0" lvl="0" marL="0" rtl="0" algn="l">
+            <a:pPr marL="0" lvl="0" indent="0" algn="l" rtl="0">
               <a:spcBef>
                 <a:spcPts val="0"/>
               </a:spcBef>
@@ -5736,7 +5862,7 @@
               <a:buNone/>
             </a:pPr>
             <a:r>
-              <a:rPr lang="en">
+              <a:rPr lang="en" dirty="0">
                 <a:latin typeface="Open Sans"/>
                 <a:ea typeface="Open Sans"/>
                 <a:cs typeface="Open Sans"/>
@@ -5744,7 +5870,7 @@
               </a:rPr>
               <a:t>&lt;description&gt;</a:t>
             </a:r>
-            <a:endParaRPr>
+            <a:endParaRPr dirty="0">
               <a:latin typeface="Open Sans"/>
               <a:ea typeface="Open Sans"/>
               <a:cs typeface="Open Sans"/>
@@ -5770,23 +5896,23 @@
           <a:solidFill>
             <a:schemeClr val="lt2"/>
           </a:solidFill>
-          <a:ln cap="flat" cmpd="sng" w="9525">
+          <a:ln w="9525" cap="flat" cmpd="sng">
             <a:solidFill>
               <a:schemeClr val="dk2"/>
             </a:solidFill>
             <a:prstDash val="solid"/>
             <a:round/>
-            <a:headEnd len="sm" w="sm" type="none"/>
-            <a:tailEnd len="sm" w="sm" type="none"/>
+            <a:headEnd type="none" w="sm" len="sm"/>
+            <a:tailEnd type="none" w="sm" len="sm"/>
           </a:ln>
         </p:spPr>
         <p:txBody>
-          <a:bodyPr anchorCtr="0" anchor="ctr" bIns="91425" lIns="91425" spcFirstLastPara="1" rIns="91425" wrap="square" tIns="91425">
+          <a:bodyPr spcFirstLastPara="1" wrap="square" lIns="91425" tIns="91425" rIns="91425" bIns="91425" anchor="ctr" anchorCtr="0">
             <a:noAutofit/>
           </a:bodyPr>
           <a:lstStyle/>
           <a:p>
-            <a:pPr indent="0" lvl="0" marL="0" rtl="0" algn="ctr">
+            <a:pPr marL="0" lvl="0" indent="0" algn="ctr" rtl="0">
               <a:spcBef>
                 <a:spcPts val="0"/>
               </a:spcBef>
@@ -5818,15 +5944,17 @@
       <p:sp>
         <p:nvSpPr>
           <p:cNvPr id="61" name="Google Shape;61;p14"/>
-          <p:cNvSpPr txBox="1"/>
+          <p:cNvSpPr txBox="1">
+            <a:spLocks noGrp="1"/>
+          </p:cNvSpPr>
           <p:nvPr>
             <p:ph type="title"/>
           </p:nvPr>
         </p:nvSpPr>
         <p:spPr>
           <a:xfrm>
-            <a:off x="0" y="0"/>
-            <a:ext cx="9144000" cy="795600"/>
+            <a:off x="0" y="-1"/>
+            <a:ext cx="9144000" cy="935831"/>
           </a:xfrm>
           <a:prstGeom prst="rect">
             <a:avLst/>
@@ -5836,12 +5964,12 @@
           </a:solidFill>
         </p:spPr>
         <p:txBody>
-          <a:bodyPr anchorCtr="0" anchor="ctr" bIns="91425" lIns="91425" spcFirstLastPara="1" rIns="91425" wrap="square" tIns="91425">
+          <a:bodyPr spcFirstLastPara="1" wrap="square" lIns="91425" tIns="91425" rIns="91425" bIns="91425" anchor="ctr" anchorCtr="0">
             <a:noAutofit/>
           </a:bodyPr>
           <a:lstStyle/>
           <a:p>
-            <a:pPr indent="0" lvl="0" marL="0" rtl="0" algn="l">
+            <a:pPr marL="0" lvl="0" indent="0" algn="ctr" rtl="0">
               <a:spcBef>
                 <a:spcPts val="0"/>
               </a:spcBef>
@@ -5851,7 +5979,7 @@
               <a:buNone/>
             </a:pPr>
             <a:r>
-              <a:rPr lang="en">
+              <a:rPr lang="en" dirty="0">
                 <a:solidFill>
                   <a:srgbClr val="FFFFFF"/>
                 </a:solidFill>
@@ -5860,9 +5988,9 @@
                 <a:cs typeface="Open Sans"/>
                 <a:sym typeface="Open Sans"/>
               </a:rPr>
-              <a:t>  &lt;title&gt;</a:t>
+              <a:t>Which GICS sector spends the most in R&amp;D, taking into account the Operating Income?</a:t>
             </a:r>
-            <a:endParaRPr>
+            <a:endParaRPr dirty="0">
               <a:solidFill>
                 <a:srgbClr val="FFFFFF"/>
               </a:solidFill>
@@ -5883,7 +6011,288 @@
 </file>
 
 <file path=ppt/theme/theme1.xml><?xml version="1.0" encoding="utf-8"?>
-<a:theme xmlns:a="http://schemas.openxmlformats.org/drawingml/2006/main" xmlns:r="http://schemas.openxmlformats.org/officeDocument/2006/relationships">
+<a:theme xmlns:a="http://schemas.openxmlformats.org/drawingml/2006/main" name="Simple Light">
+  <a:themeElements>
+    <a:clrScheme name="Simple Light">
+      <a:dk1>
+        <a:srgbClr val="000000"/>
+      </a:dk1>
+      <a:lt1>
+        <a:srgbClr val="FFFFFF"/>
+      </a:lt1>
+      <a:dk2>
+        <a:srgbClr val="595959"/>
+      </a:dk2>
+      <a:lt2>
+        <a:srgbClr val="EEEEEE"/>
+      </a:lt2>
+      <a:accent1>
+        <a:srgbClr val="FFAB40"/>
+      </a:accent1>
+      <a:accent2>
+        <a:srgbClr val="212121"/>
+      </a:accent2>
+      <a:accent3>
+        <a:srgbClr val="78909C"/>
+      </a:accent3>
+      <a:accent4>
+        <a:srgbClr val="FFAB40"/>
+      </a:accent4>
+      <a:accent5>
+        <a:srgbClr val="0097A7"/>
+      </a:accent5>
+      <a:accent6>
+        <a:srgbClr val="EEFF41"/>
+      </a:accent6>
+      <a:hlink>
+        <a:srgbClr val="0097A7"/>
+      </a:hlink>
+      <a:folHlink>
+        <a:srgbClr val="0097A7"/>
+      </a:folHlink>
+    </a:clrScheme>
+    <a:fontScheme name="Office">
+      <a:majorFont>
+        <a:latin typeface="Arial"/>
+        <a:ea typeface=""/>
+        <a:cs typeface=""/>
+        <a:font script="Jpan" typeface="ＭＳ Ｐゴシック"/>
+        <a:font script="Hang" typeface="맑은 고딕"/>
+        <a:font script="Hans" typeface="宋体"/>
+        <a:font script="Hant" typeface="新細明體"/>
+        <a:font script="Arab" typeface="Times New Roman"/>
+        <a:font script="Hebr" typeface="Times New Roman"/>
+        <a:font script="Thai" typeface="Angsana New"/>
+        <a:font script="Ethi" typeface="Nyala"/>
+        <a:font script="Beng" typeface="Vrinda"/>
+        <a:font script="Gujr" typeface="Shruti"/>
+        <a:font script="Khmr" typeface="MoolBoran"/>
+        <a:font script="Knda" typeface="Tunga"/>
+        <a:font script="Guru" typeface="Raavi"/>
+        <a:font script="Cans" typeface="Euphemia"/>
+        <a:font script="Cher" typeface="Plantagenet Cherokee"/>
+        <a:font script="Yiii" typeface="Microsoft Yi Baiti"/>
+        <a:font script="Tibt" typeface="Microsoft Himalaya"/>
+        <a:font script="Thaa" typeface="MV Boli"/>
+        <a:font script="Deva" typeface="Mangal"/>
+        <a:font script="Telu" typeface="Gautami"/>
+        <a:font script="Taml" typeface="Latha"/>
+        <a:font script="Syrc" typeface="Estrangelo Edessa"/>
+        <a:font script="Orya" typeface="Kalinga"/>
+        <a:font script="Mlym" typeface="Kartika"/>
+        <a:font script="Laoo" typeface="DokChampa"/>
+        <a:font script="Sinh" typeface="Iskoola Pota"/>
+        <a:font script="Mong" typeface="Mongolian Baiti"/>
+        <a:font script="Viet" typeface="Times New Roman"/>
+        <a:font script="Uigh" typeface="Microsoft Uighur"/>
+        <a:font script="Geor" typeface="Sylfaen"/>
+      </a:majorFont>
+      <a:minorFont>
+        <a:latin typeface="Arial"/>
+        <a:ea typeface=""/>
+        <a:cs typeface=""/>
+        <a:font script="Jpan" typeface="ＭＳ Ｐゴシック"/>
+        <a:font script="Hang" typeface="맑은 고딕"/>
+        <a:font script="Hans" typeface="宋体"/>
+        <a:font script="Hant" typeface="新細明體"/>
+        <a:font script="Arab" typeface="Arial"/>
+        <a:font script="Hebr" typeface="Arial"/>
+        <a:font script="Thai" typeface="Cordia New"/>
+        <a:font script="Ethi" typeface="Nyala"/>
+        <a:font script="Beng" typeface="Vrinda"/>
+        <a:font script="Gujr" typeface="Shruti"/>
+        <a:font script="Khmr" typeface="DaunPenh"/>
+        <a:font script="Knda" typeface="Tunga"/>
+        <a:font script="Guru" typeface="Raavi"/>
+        <a:font script="Cans" typeface="Euphemia"/>
+        <a:font script="Cher" typeface="Plantagenet Cherokee"/>
+        <a:font script="Yiii" typeface="Microsoft Yi Baiti"/>
+        <a:font script="Tibt" typeface="Microsoft Himalaya"/>
+        <a:font script="Thaa" typeface="MV Boli"/>
+        <a:font script="Deva" typeface="Mangal"/>
+        <a:font script="Telu" typeface="Gautami"/>
+        <a:font script="Taml" typeface="Latha"/>
+        <a:font script="Syrc" typeface="Estrangelo Edessa"/>
+        <a:font script="Orya" typeface="Kalinga"/>
+        <a:font script="Mlym" typeface="Kartika"/>
+        <a:font script="Laoo" typeface="DokChampa"/>
+        <a:font script="Sinh" typeface="Iskoola Pota"/>
+        <a:font script="Mong" typeface="Mongolian Baiti"/>
+        <a:font script="Viet" typeface="Arial"/>
+        <a:font script="Uigh" typeface="Microsoft Uighur"/>
+        <a:font script="Geor" typeface="Sylfaen"/>
+      </a:minorFont>
+    </a:fontScheme>
+    <a:fmtScheme name="Office">
+      <a:fillStyleLst>
+        <a:solidFill>
+          <a:schemeClr val="phClr"/>
+        </a:solidFill>
+        <a:gradFill rotWithShape="1">
+          <a:gsLst>
+            <a:gs pos="0">
+              <a:schemeClr val="phClr">
+                <a:tint val="50000"/>
+                <a:satMod val="300000"/>
+              </a:schemeClr>
+            </a:gs>
+            <a:gs pos="35000">
+              <a:schemeClr val="phClr">
+                <a:tint val="37000"/>
+                <a:satMod val="300000"/>
+              </a:schemeClr>
+            </a:gs>
+            <a:gs pos="100000">
+              <a:schemeClr val="phClr">
+                <a:tint val="15000"/>
+                <a:satMod val="350000"/>
+              </a:schemeClr>
+            </a:gs>
+          </a:gsLst>
+          <a:lin ang="16200000" scaled="1"/>
+        </a:gradFill>
+        <a:gradFill rotWithShape="1">
+          <a:gsLst>
+            <a:gs pos="0">
+              <a:schemeClr val="phClr">
+                <a:tint val="100000"/>
+                <a:shade val="100000"/>
+                <a:satMod val="130000"/>
+              </a:schemeClr>
+            </a:gs>
+            <a:gs pos="100000">
+              <a:schemeClr val="phClr">
+                <a:tint val="50000"/>
+                <a:shade val="100000"/>
+                <a:satMod val="350000"/>
+              </a:schemeClr>
+            </a:gs>
+          </a:gsLst>
+          <a:lin ang="16200000" scaled="0"/>
+        </a:gradFill>
+      </a:fillStyleLst>
+      <a:lnStyleLst>
+        <a:ln w="9525" cap="flat" cmpd="sng" algn="ctr">
+          <a:solidFill>
+            <a:schemeClr val="phClr">
+              <a:shade val="95000"/>
+              <a:satMod val="105000"/>
+            </a:schemeClr>
+          </a:solidFill>
+          <a:prstDash val="solid"/>
+        </a:ln>
+        <a:ln w="25400" cap="flat" cmpd="sng" algn="ctr">
+          <a:solidFill>
+            <a:schemeClr val="phClr"/>
+          </a:solidFill>
+          <a:prstDash val="solid"/>
+        </a:ln>
+        <a:ln w="38100" cap="flat" cmpd="sng" algn="ctr">
+          <a:solidFill>
+            <a:schemeClr val="phClr"/>
+          </a:solidFill>
+          <a:prstDash val="solid"/>
+        </a:ln>
+      </a:lnStyleLst>
+      <a:effectStyleLst>
+        <a:effectStyle>
+          <a:effectLst>
+            <a:outerShdw blurRad="40000" dist="20000" dir="5400000" rotWithShape="0">
+              <a:srgbClr val="000000">
+                <a:alpha val="38000"/>
+              </a:srgbClr>
+            </a:outerShdw>
+          </a:effectLst>
+        </a:effectStyle>
+        <a:effectStyle>
+          <a:effectLst>
+            <a:outerShdw blurRad="40000" dist="23000" dir="5400000" rotWithShape="0">
+              <a:srgbClr val="000000">
+                <a:alpha val="35000"/>
+              </a:srgbClr>
+            </a:outerShdw>
+          </a:effectLst>
+        </a:effectStyle>
+        <a:effectStyle>
+          <a:effectLst>
+            <a:outerShdw blurRad="40000" dist="23000" dir="5400000" rotWithShape="0">
+              <a:srgbClr val="000000">
+                <a:alpha val="35000"/>
+              </a:srgbClr>
+            </a:outerShdw>
+          </a:effectLst>
+          <a:scene3d>
+            <a:camera prst="orthographicFront">
+              <a:rot lat="0" lon="0" rev="0"/>
+            </a:camera>
+            <a:lightRig rig="threePt" dir="t">
+              <a:rot lat="0" lon="0" rev="1200000"/>
+            </a:lightRig>
+          </a:scene3d>
+          <a:sp3d>
+            <a:bevelT w="63500" h="25400"/>
+          </a:sp3d>
+        </a:effectStyle>
+      </a:effectStyleLst>
+      <a:bgFillStyleLst>
+        <a:solidFill>
+          <a:schemeClr val="phClr"/>
+        </a:solidFill>
+        <a:gradFill rotWithShape="1">
+          <a:gsLst>
+            <a:gs pos="0">
+              <a:schemeClr val="phClr">
+                <a:tint val="40000"/>
+                <a:satMod val="350000"/>
+              </a:schemeClr>
+            </a:gs>
+            <a:gs pos="40000">
+              <a:schemeClr val="phClr">
+                <a:tint val="45000"/>
+                <a:shade val="99000"/>
+                <a:satMod val="350000"/>
+              </a:schemeClr>
+            </a:gs>
+            <a:gs pos="100000">
+              <a:schemeClr val="phClr">
+                <a:shade val="20000"/>
+                <a:satMod val="255000"/>
+              </a:schemeClr>
+            </a:gs>
+          </a:gsLst>
+          <a:path path="circle">
+            <a:fillToRect l="50000" t="-80000" r="50000" b="180000"/>
+          </a:path>
+        </a:gradFill>
+        <a:gradFill rotWithShape="1">
+          <a:gsLst>
+            <a:gs pos="0">
+              <a:schemeClr val="phClr">
+                <a:tint val="80000"/>
+                <a:satMod val="300000"/>
+              </a:schemeClr>
+            </a:gs>
+            <a:gs pos="100000">
+              <a:schemeClr val="phClr">
+                <a:shade val="30000"/>
+                <a:satMod val="200000"/>
+              </a:schemeClr>
+            </a:gs>
+          </a:gsLst>
+          <a:path path="circle">
+            <a:fillToRect l="50000" t="50000" r="50000" b="50000"/>
+          </a:path>
+        </a:gradFill>
+      </a:bgFillStyleLst>
+    </a:fmtScheme>
+  </a:themeElements>
+  <a:objectDefaults/>
+  <a:extraClrSchemeLst/>
+</a:theme>
+</file>
+
+<file path=ppt/theme/theme2.xml><?xml version="1.0" encoding="utf-8"?>
+<a:theme xmlns:a="http://schemas.openxmlformats.org/drawingml/2006/main">
   <a:themeElements>
     <a:clrScheme name="Default">
       <a:dk1>
@@ -6158,284 +6567,7 @@
       </a:bgFillStyleLst>
     </a:fmtScheme>
   </a:themeElements>
-</a:theme>
-</file>
-
-<file path=ppt/theme/theme2.xml><?xml version="1.0" encoding="utf-8"?>
-<a:theme xmlns:a="http://schemas.openxmlformats.org/drawingml/2006/main" xmlns:r="http://schemas.openxmlformats.org/officeDocument/2006/relationships" name="Simple Light">
-  <a:themeElements>
-    <a:clrScheme name="Simple Light">
-      <a:dk1>
-        <a:srgbClr val="000000"/>
-      </a:dk1>
-      <a:lt1>
-        <a:srgbClr val="FFFFFF"/>
-      </a:lt1>
-      <a:dk2>
-        <a:srgbClr val="595959"/>
-      </a:dk2>
-      <a:lt2>
-        <a:srgbClr val="EEEEEE"/>
-      </a:lt2>
-      <a:accent1>
-        <a:srgbClr val="FFAB40"/>
-      </a:accent1>
-      <a:accent2>
-        <a:srgbClr val="212121"/>
-      </a:accent2>
-      <a:accent3>
-        <a:srgbClr val="78909C"/>
-      </a:accent3>
-      <a:accent4>
-        <a:srgbClr val="FFAB40"/>
-      </a:accent4>
-      <a:accent5>
-        <a:srgbClr val="0097A7"/>
-      </a:accent5>
-      <a:accent6>
-        <a:srgbClr val="EEFF41"/>
-      </a:accent6>
-      <a:hlink>
-        <a:srgbClr val="0097A7"/>
-      </a:hlink>
-      <a:folHlink>
-        <a:srgbClr val="0097A7"/>
-      </a:folHlink>
-    </a:clrScheme>
-    <a:fontScheme name="Office">
-      <a:majorFont>
-        <a:latin typeface="Arial"/>
-        <a:ea typeface=""/>
-        <a:cs typeface=""/>
-        <a:font script="Jpan" typeface="ＭＳ Ｐゴシック"/>
-        <a:font script="Hang" typeface="맑은 고딕"/>
-        <a:font script="Hans" typeface="宋体"/>
-        <a:font script="Hant" typeface="新細明體"/>
-        <a:font script="Arab" typeface="Times New Roman"/>
-        <a:font script="Hebr" typeface="Times New Roman"/>
-        <a:font script="Thai" typeface="Angsana New"/>
-        <a:font script="Ethi" typeface="Nyala"/>
-        <a:font script="Beng" typeface="Vrinda"/>
-        <a:font script="Gujr" typeface="Shruti"/>
-        <a:font script="Khmr" typeface="MoolBoran"/>
-        <a:font script="Knda" typeface="Tunga"/>
-        <a:font script="Guru" typeface="Raavi"/>
-        <a:font script="Cans" typeface="Euphemia"/>
-        <a:font script="Cher" typeface="Plantagenet Cherokee"/>
-        <a:font script="Yiii" typeface="Microsoft Yi Baiti"/>
-        <a:font script="Tibt" typeface="Microsoft Himalaya"/>
-        <a:font script="Thaa" typeface="MV Boli"/>
-        <a:font script="Deva" typeface="Mangal"/>
-        <a:font script="Telu" typeface="Gautami"/>
-        <a:font script="Taml" typeface="Latha"/>
-        <a:font script="Syrc" typeface="Estrangelo Edessa"/>
-        <a:font script="Orya" typeface="Kalinga"/>
-        <a:font script="Mlym" typeface="Kartika"/>
-        <a:font script="Laoo" typeface="DokChampa"/>
-        <a:font script="Sinh" typeface="Iskoola Pota"/>
-        <a:font script="Mong" typeface="Mongolian Baiti"/>
-        <a:font script="Viet" typeface="Times New Roman"/>
-        <a:font script="Uigh" typeface="Microsoft Uighur"/>
-        <a:font script="Geor" typeface="Sylfaen"/>
-      </a:majorFont>
-      <a:minorFont>
-        <a:latin typeface="Arial"/>
-        <a:ea typeface=""/>
-        <a:cs typeface=""/>
-        <a:font script="Jpan" typeface="ＭＳ Ｐゴシック"/>
-        <a:font script="Hang" typeface="맑은 고딕"/>
-        <a:font script="Hans" typeface="宋体"/>
-        <a:font script="Hant" typeface="新細明體"/>
-        <a:font script="Arab" typeface="Arial"/>
-        <a:font script="Hebr" typeface="Arial"/>
-        <a:font script="Thai" typeface="Cordia New"/>
-        <a:font script="Ethi" typeface="Nyala"/>
-        <a:font script="Beng" typeface="Vrinda"/>
-        <a:font script="Gujr" typeface="Shruti"/>
-        <a:font script="Khmr" typeface="DaunPenh"/>
-        <a:font script="Knda" typeface="Tunga"/>
-        <a:font script="Guru" typeface="Raavi"/>
-        <a:font script="Cans" typeface="Euphemia"/>
-        <a:font script="Cher" typeface="Plantagenet Cherokee"/>
-        <a:font script="Yiii" typeface="Microsoft Yi Baiti"/>
-        <a:font script="Tibt" typeface="Microsoft Himalaya"/>
-        <a:font script="Thaa" typeface="MV Boli"/>
-        <a:font script="Deva" typeface="Mangal"/>
-        <a:font script="Telu" typeface="Gautami"/>
-        <a:font script="Taml" typeface="Latha"/>
-        <a:font script="Syrc" typeface="Estrangelo Edessa"/>
-        <a:font script="Orya" typeface="Kalinga"/>
-        <a:font script="Mlym" typeface="Kartika"/>
-        <a:font script="Laoo" typeface="DokChampa"/>
-        <a:font script="Sinh" typeface="Iskoola Pota"/>
-        <a:font script="Mong" typeface="Mongolian Baiti"/>
-        <a:font script="Viet" typeface="Arial"/>
-        <a:font script="Uigh" typeface="Microsoft Uighur"/>
-        <a:font script="Geor" typeface="Sylfaen"/>
-      </a:minorFont>
-    </a:fontScheme>
-    <a:fmtScheme name="Office">
-      <a:fillStyleLst>
-        <a:solidFill>
-          <a:schemeClr val="phClr"/>
-        </a:solidFill>
-        <a:gradFill rotWithShape="1">
-          <a:gsLst>
-            <a:gs pos="0">
-              <a:schemeClr val="phClr">
-                <a:tint val="50000"/>
-                <a:satMod val="300000"/>
-              </a:schemeClr>
-            </a:gs>
-            <a:gs pos="35000">
-              <a:schemeClr val="phClr">
-                <a:tint val="37000"/>
-                <a:satMod val="300000"/>
-              </a:schemeClr>
-            </a:gs>
-            <a:gs pos="100000">
-              <a:schemeClr val="phClr">
-                <a:tint val="15000"/>
-                <a:satMod val="350000"/>
-              </a:schemeClr>
-            </a:gs>
-          </a:gsLst>
-          <a:lin ang="16200000" scaled="1"/>
-        </a:gradFill>
-        <a:gradFill rotWithShape="1">
-          <a:gsLst>
-            <a:gs pos="0">
-              <a:schemeClr val="phClr">
-                <a:tint val="100000"/>
-                <a:shade val="100000"/>
-                <a:satMod val="130000"/>
-              </a:schemeClr>
-            </a:gs>
-            <a:gs pos="100000">
-              <a:schemeClr val="phClr">
-                <a:tint val="50000"/>
-                <a:shade val="100000"/>
-                <a:satMod val="350000"/>
-              </a:schemeClr>
-            </a:gs>
-          </a:gsLst>
-          <a:lin ang="16200000" scaled="0"/>
-        </a:gradFill>
-      </a:fillStyleLst>
-      <a:lnStyleLst>
-        <a:ln w="9525" cap="flat" cmpd="sng" algn="ctr">
-          <a:solidFill>
-            <a:schemeClr val="phClr">
-              <a:shade val="95000"/>
-              <a:satMod val="105000"/>
-            </a:schemeClr>
-          </a:solidFill>
-          <a:prstDash val="solid"/>
-        </a:ln>
-        <a:ln w="25400" cap="flat" cmpd="sng" algn="ctr">
-          <a:solidFill>
-            <a:schemeClr val="phClr"/>
-          </a:solidFill>
-          <a:prstDash val="solid"/>
-        </a:ln>
-        <a:ln w="38100" cap="flat" cmpd="sng" algn="ctr">
-          <a:solidFill>
-            <a:schemeClr val="phClr"/>
-          </a:solidFill>
-          <a:prstDash val="solid"/>
-        </a:ln>
-      </a:lnStyleLst>
-      <a:effectStyleLst>
-        <a:effectStyle>
-          <a:effectLst>
-            <a:outerShdw blurRad="40000" dist="20000" dir="5400000" rotWithShape="0">
-              <a:srgbClr val="000000">
-                <a:alpha val="38000"/>
-              </a:srgbClr>
-            </a:outerShdw>
-          </a:effectLst>
-        </a:effectStyle>
-        <a:effectStyle>
-          <a:effectLst>
-            <a:outerShdw blurRad="40000" dist="23000" dir="5400000" rotWithShape="0">
-              <a:srgbClr val="000000">
-                <a:alpha val="35000"/>
-              </a:srgbClr>
-            </a:outerShdw>
-          </a:effectLst>
-        </a:effectStyle>
-        <a:effectStyle>
-          <a:effectLst>
-            <a:outerShdw blurRad="40000" dist="23000" dir="5400000" rotWithShape="0">
-              <a:srgbClr val="000000">
-                <a:alpha val="35000"/>
-              </a:srgbClr>
-            </a:outerShdw>
-          </a:effectLst>
-          <a:scene3d>
-            <a:camera prst="orthographicFront">
-              <a:rot lat="0" lon="0" rev="0"/>
-            </a:camera>
-            <a:lightRig rig="threePt" dir="t">
-              <a:rot lat="0" lon="0" rev="1200000"/>
-            </a:lightRig>
-          </a:scene3d>
-          <a:sp3d>
-            <a:bevelT w="63500" h="25400"/>
-          </a:sp3d>
-        </a:effectStyle>
-      </a:effectStyleLst>
-      <a:bgFillStyleLst>
-        <a:solidFill>
-          <a:schemeClr val="phClr"/>
-        </a:solidFill>
-        <a:gradFill rotWithShape="1">
-          <a:gsLst>
-            <a:gs pos="0">
-              <a:schemeClr val="phClr">
-                <a:tint val="40000"/>
-                <a:satMod val="350000"/>
-              </a:schemeClr>
-            </a:gs>
-            <a:gs pos="40000">
-              <a:schemeClr val="phClr">
-                <a:tint val="45000"/>
-                <a:shade val="99000"/>
-                <a:satMod val="350000"/>
-              </a:schemeClr>
-            </a:gs>
-            <a:gs pos="100000">
-              <a:schemeClr val="phClr">
-                <a:shade val="20000"/>
-                <a:satMod val="255000"/>
-              </a:schemeClr>
-            </a:gs>
-          </a:gsLst>
-          <a:path path="circle">
-            <a:fillToRect l="50000" t="-80000" r="50000" b="180000"/>
-          </a:path>
-        </a:gradFill>
-        <a:gradFill rotWithShape="1">
-          <a:gsLst>
-            <a:gs pos="0">
-              <a:schemeClr val="phClr">
-                <a:tint val="80000"/>
-                <a:satMod val="300000"/>
-              </a:schemeClr>
-            </a:gs>
-            <a:gs pos="100000">
-              <a:schemeClr val="phClr">
-                <a:shade val="30000"/>
-                <a:satMod val="200000"/>
-              </a:schemeClr>
-            </a:gs>
-          </a:gsLst>
-          <a:path path="circle">
-            <a:fillToRect l="50000" t="50000" r="50000" b="50000"/>
-          </a:path>
-        </a:gradFill>
-      </a:bgFillStyleLst>
-    </a:fmtScheme>
-  </a:themeElements>
+  <a:objectDefaults/>
+  <a:extraClrSchemeLst/>
 </a:theme>
 </file>
--- a/Project_2_Analyze_NYSE_Data.pptx
+++ b/Project_2_Analyze_NYSE_Data.pptx
@@ -5,21 +5,27 @@
     <p:sldMasterId id="2147483659" r:id="rId1"/>
   </p:sldMasterIdLst>
   <p:notesMasterIdLst>
-    <p:notesMasterId r:id="rId4"/>
+    <p:notesMasterId r:id="rId3"/>
   </p:notesMasterIdLst>
   <p:sldIdLst>
-    <p:sldId id="256" r:id="rId2"/>
-    <p:sldId id="257" r:id="rId3"/>
+    <p:sldId id="257" r:id="rId2"/>
   </p:sldIdLst>
   <p:sldSz cx="9144000" cy="5143500" type="screen16x9"/>
   <p:notesSz cx="6858000" cy="9144000"/>
   <p:embeddedFontLst>
     <p:embeddedFont>
+      <p:font typeface="Calibri" panose="020F0502020204030204" pitchFamily="34" charset="0"/>
+      <p:regular r:id="rId4"/>
+      <p:bold r:id="rId5"/>
+      <p:italic r:id="rId6"/>
+      <p:boldItalic r:id="rId7"/>
+    </p:embeddedFont>
+    <p:embeddedFont>
       <p:font typeface="Open Sans" panose="020B0606030504020204" pitchFamily="34" charset="0"/>
-      <p:regular r:id="rId5"/>
-      <p:bold r:id="rId6"/>
-      <p:italic r:id="rId7"/>
-      <p:boldItalic r:id="rId8"/>
+      <p:regular r:id="rId8"/>
+      <p:bold r:id="rId9"/>
+      <p:italic r:id="rId10"/>
+      <p:boldItalic r:id="rId11"/>
     </p:embeddedFont>
   </p:embeddedFontLst>
   <p:defaultTextStyle>
@@ -251,7 +257,827 @@
       </a:defRPr>
     </a:lvl9pPr>
   </p:defaultTextStyle>
+  <p:extLst>
+    <p:ext uri="{EFAFB233-063F-42B5-8137-9DF3F51BA10A}">
+      <p15:sldGuideLst xmlns:p15="http://schemas.microsoft.com/office/powerpoint/2012/main"/>
+    </p:ext>
+  </p:extLst>
 </p:presentation>
+</file>
+
+<file path=ppt/charts/chartEx1.xml><?xml version="1.0" encoding="utf-8"?>
+<cx:chartSpace xmlns:a="http://schemas.openxmlformats.org/drawingml/2006/main" xmlns:r="http://schemas.openxmlformats.org/officeDocument/2006/relationships" xmlns:cx="http://schemas.microsoft.com/office/drawing/2014/chartex">
+  <cx:chartData>
+    <cx:externalData r:id="rId1" cx:autoUpdate="0"/>
+    <cx:data id="0">
+      <cx:numDim type="val">
+        <cx:f>'Summary Statistics'!$C$4:$C$19</cx:f>
+        <cx:lvl ptCount="16" formatCode="_-[$$-en-US]* #.##0_ ;_-[$$-en-US]* \-#.##0\ ;_-[$$-en-US]* &quot;-&quot;??_ ;_-@_ ">
+          <cx:pt idx="0">314893000</cx:pt>
+          <cx:pt idx="1">-110710000</cx:pt>
+          <cx:pt idx="2">380717000</cx:pt>
+          <cx:pt idx="3">2454000000</cx:pt>
+          <cx:pt idx="4">2804000000</cx:pt>
+          <cx:pt idx="5">1076300000</cx:pt>
+          <cx:pt idx="6">1048000000</cx:pt>
+          <cx:pt idx="7">1208000000</cx:pt>
+          <cx:pt idx="8">4598000000</cx:pt>
+          <cx:pt idx="9">228347000</cx:pt>
+          <cx:pt idx="10">609500000</cx:pt>
+          <cx:pt idx="11">356619000</cx:pt>
+          <cx:pt idx="12">7242000000</cx:pt>
+          <cx:pt idx="13">457327000</cx:pt>
+          <cx:pt idx="14">1330000000</cx:pt>
+          <cx:pt idx="15">802538000</cx:pt>
+        </cx:lvl>
+      </cx:numDim>
+    </cx:data>
+    <cx:data id="1">
+      <cx:numDim type="val">
+        <cx:f>'Summary Statistics'!$D$4:$D$19</cx:f>
+        <cx:lvl ptCount="16" formatCode="_-[$$-en-US]* #.##0_ ;_-[$$-en-US]* \-#.##0\ ;_-[$$-en-US]* &quot;-&quot;??_ ;_-@_ ">
+          <cx:pt idx="0">415811000</cx:pt>
+          <cx:pt idx="1">-286074000</cx:pt>
+          <cx:pt idx="2">329056000</cx:pt>
+          <cx:pt idx="3">2476000000</cx:pt>
+          <cx:pt idx="4">4994000000</cx:pt>
+          <cx:pt idx="5">1062900000</cx:pt>
+          <cx:pt idx="6">1061000000</cx:pt>
+          <cx:pt idx="7">1300000000</cx:pt>
+          <cx:pt idx="8">5106000000</cx:pt>
+          <cx:pt idx="9">402648000</cx:pt>
+          <cx:pt idx="10">822000000</cx:pt>
+          <cx:pt idx="11">382500000</cx:pt>
+          <cx:pt idx="12">8150000000</cx:pt>
+          <cx:pt idx="13">528232000</cx:pt>
+          <cx:pt idx="14">1107400000</cx:pt>
+          <cx:pt idx="15">577297000</cx:pt>
+        </cx:lvl>
+      </cx:numDim>
+    </cx:data>
+    <cx:data id="2">
+      <cx:numDim type="val">
+        <cx:f>'Summary Statistics'!$E$4:$E$19</cx:f>
+        <cx:lvl ptCount="16" formatCode="_-[$$-en-US]* #.##0_ ;_-[$$-en-US]* \-#.##0\ ;_-[$$-en-US]* &quot;-&quot;??_ ;_-@_ ">
+          <cx:pt idx="0">490708000</cx:pt>
+          <cx:pt idx="1">-145633000</cx:pt>
+          <cx:pt idx="2">517633000</cx:pt>
+          <cx:pt idx="3">2197000000</cx:pt>
+          <cx:pt idx="4">6225000000</cx:pt>
+          <cx:pt idx="5">1270600000</cx:pt>
+          <cx:pt idx="6">1210000000</cx:pt>
+          <cx:pt idx="7">886000000</cx:pt>
+          <cx:pt idx="8">5139000000</cx:pt>
+          <cx:pt idx="9">305826000</cx:pt>
+          <cx:pt idx="10">716000000</cx:pt>
+          <cx:pt idx="11">431640000</cx:pt>
+          <cx:pt idx="12">9078000000</cx:pt>
+          <cx:pt idx="13">564427000</cx:pt>
+          <cx:pt idx="14">1140500000</cx:pt>
+          <cx:pt idx="15">236912000</cx:pt>
+        </cx:lvl>
+      </cx:numDim>
+    </cx:data>
+    <cx:data id="3">
+      <cx:numDim type="val">
+        <cx:f>'Summary Statistics'!$F$4:$F$19</cx:f>
+        <cx:lvl ptCount="16" formatCode="_-[$$-en-US]* #.##0_ ;_-[$$-en-US]* \-#.##0\ ;_-[$$-en-US]* &quot;-&quot;??_ ;_-@_ ">
+          <cx:pt idx="0">466917000</cx:pt>
+          <cx:pt idx="1">114923000</cx:pt>
+          <cx:pt idx="2">720280000</cx:pt>
+          <cx:pt idx="3">2325000000</cx:pt>
+          <cx:pt idx="4">12427000000</cx:pt>
+          <cx:pt idx="5">1099200000</cx:pt>
+          <cx:pt idx="6">1311000000</cx:pt>
+          <cx:pt idx="7">1242000000</cx:pt>
+          <cx:pt idx="8">5878000000</cx:pt>
+          <cx:pt idx="9">379793000</cx:pt>
+          <cx:pt idx="10">413000000</cx:pt>
+          <cx:pt idx="11">534107000</cx:pt>
+          <cx:pt idx="12">7885000000</cx:pt>
+          <cx:pt idx="13">605946000</cx:pt>
+          <cx:pt idx="14">1109400000</cx:pt>
+          <cx:pt idx="15">-134934000</cx:pt>
+        </cx:lvl>
+      </cx:numDim>
+    </cx:data>
+  </cx:chartData>
+  <cx:chart>
+    <cx:title pos="t" align="ctr" overlay="0">
+      <cx:tx>
+        <cx:txData>
+          <cx:v>Operating Income for Internet Software &amp; Services Companies in 4 years</cx:v>
+        </cx:txData>
+      </cx:tx>
+      <cx:txPr>
+        <a:bodyPr spcFirstLastPara="1" vertOverflow="ellipsis" horzOverflow="overflow" wrap="square" lIns="0" tIns="0" rIns="0" bIns="0" anchor="ctr" anchorCtr="1"/>
+        <a:lstStyle/>
+        <a:p>
+          <a:pPr algn="ctr" rtl="0">
+            <a:defRPr/>
+          </a:pPr>
+          <a:r>
+            <a:rPr lang="en-US" sz="1400" b="1" i="0" u="none" strike="noStrike" baseline="0">
+              <a:solidFill>
+                <a:sysClr val="windowText" lastClr="000000">
+                  <a:lumMod val="65000"/>
+                  <a:lumOff val="35000"/>
+                </a:sysClr>
+              </a:solidFill>
+              <a:latin typeface="Calibri" panose="020F0502020204030204"/>
+            </a:rPr>
+            <a:t>Operating Income for Internet Software &amp; Services Companies in 4 years</a:t>
+          </a:r>
+        </a:p>
+      </cx:txPr>
+    </cx:title>
+    <cx:plotArea>
+      <cx:plotAreaRegion>
+        <cx:series layoutId="boxWhisker" uniqueId="{940DE05A-F0AD-4CCA-BB70-C79326281F32}">
+          <cx:tx>
+            <cx:txData>
+              <cx:f>'Summary Statistics'!$C$3</cx:f>
+              <cx:v>Year 1</cx:v>
+            </cx:txData>
+          </cx:tx>
+          <cx:dataId val="0"/>
+          <cx:layoutPr>
+            <cx:visibility meanLine="1" meanMarker="1" nonoutliers="0" outliers="1"/>
+            <cx:statistics quartileMethod="exclusive"/>
+          </cx:layoutPr>
+        </cx:series>
+        <cx:series layoutId="boxWhisker" uniqueId="{C04D23CC-029A-4DBF-BAAC-D1F815307117}">
+          <cx:tx>
+            <cx:txData>
+              <cx:f>'Summary Statistics'!$D$3</cx:f>
+              <cx:v>Year 2</cx:v>
+            </cx:txData>
+          </cx:tx>
+          <cx:dataId val="1"/>
+          <cx:layoutPr>
+            <cx:visibility meanLine="1" meanMarker="1" nonoutliers="0" outliers="1"/>
+            <cx:statistics quartileMethod="exclusive"/>
+          </cx:layoutPr>
+        </cx:series>
+        <cx:series layoutId="boxWhisker" uniqueId="{ED956A52-19E9-4AB7-A266-19781C7D6790}">
+          <cx:tx>
+            <cx:txData>
+              <cx:f>'Summary Statistics'!$E$3</cx:f>
+              <cx:v>Year 3</cx:v>
+            </cx:txData>
+          </cx:tx>
+          <cx:dataId val="2"/>
+          <cx:layoutPr>
+            <cx:visibility meanLine="1" meanMarker="1" nonoutliers="0" outliers="1"/>
+            <cx:statistics quartileMethod="exclusive"/>
+          </cx:layoutPr>
+        </cx:series>
+        <cx:series layoutId="boxWhisker" uniqueId="{6A047D2D-A104-4971-967D-9003E4E4A6E7}">
+          <cx:tx>
+            <cx:txData>
+              <cx:f>'Summary Statistics'!$F$3</cx:f>
+              <cx:v>Year 4</cx:v>
+            </cx:txData>
+          </cx:tx>
+          <cx:dataId val="3"/>
+          <cx:layoutPr>
+            <cx:visibility meanLine="1" meanMarker="1" nonoutliers="0" outliers="1"/>
+            <cx:statistics quartileMethod="inclusive"/>
+          </cx:layoutPr>
+        </cx:series>
+      </cx:plotAreaRegion>
+      <cx:axis id="0" hidden="1">
+        <cx:catScaling gapWidth="0.449999988"/>
+        <cx:title>
+          <cx:tx>
+            <cx:txData>
+              <cx:v>Years</cx:v>
+            </cx:txData>
+          </cx:tx>
+          <cx:txPr>
+            <a:bodyPr spcFirstLastPara="1" vertOverflow="ellipsis" horzOverflow="overflow" wrap="square" lIns="0" tIns="0" rIns="0" bIns="0" anchor="ctr" anchorCtr="1"/>
+            <a:lstStyle/>
+            <a:p>
+              <a:pPr algn="ctr" rtl="0">
+                <a:defRPr/>
+              </a:pPr>
+              <a:r>
+                <a:rPr lang="en-US" sz="900" b="1" i="0" u="none" strike="noStrike" baseline="0">
+                  <a:solidFill>
+                    <a:sysClr val="windowText" lastClr="000000">
+                      <a:lumMod val="65000"/>
+                      <a:lumOff val="35000"/>
+                    </a:sysClr>
+                  </a:solidFill>
+                  <a:latin typeface="Calibri" panose="020F0502020204030204"/>
+                </a:rPr>
+                <a:t>Years</a:t>
+              </a:r>
+            </a:p>
+          </cx:txPr>
+        </cx:title>
+        <cx:tickLabels/>
+      </cx:axis>
+      <cx:axis id="1">
+        <cx:valScaling/>
+        <cx:title>
+          <cx:tx>
+            <cx:txData>
+              <cx:v>Operating Income (in millions)</cx:v>
+            </cx:txData>
+          </cx:tx>
+          <cx:txPr>
+            <a:bodyPr spcFirstLastPara="1" vertOverflow="ellipsis" horzOverflow="overflow" wrap="square" lIns="0" tIns="0" rIns="0" bIns="0" anchor="ctr" anchorCtr="1"/>
+            <a:lstStyle/>
+            <a:p>
+              <a:pPr algn="ctr" rtl="0">
+                <a:defRPr/>
+              </a:pPr>
+              <a:r>
+                <a:rPr lang="en-US" sz="900" b="1" i="0" u="none" strike="noStrike" baseline="0">
+                  <a:solidFill>
+                    <a:sysClr val="windowText" lastClr="000000">
+                      <a:lumMod val="65000"/>
+                      <a:lumOff val="35000"/>
+                    </a:sysClr>
+                  </a:solidFill>
+                  <a:latin typeface="Calibri" panose="020F0502020204030204"/>
+                </a:rPr>
+                <a:t>Operating Income (in millions)</a:t>
+              </a:r>
+            </a:p>
+          </cx:txPr>
+        </cx:title>
+        <cx:units unit="millions"/>
+        <cx:majorGridlines/>
+        <cx:tickLabels/>
+      </cx:axis>
+    </cx:plotArea>
+    <cx:legend pos="b" align="ctr" overlay="0"/>
+  </cx:chart>
+  <cx:spPr>
+    <a:effectLst>
+      <a:outerShdw blurRad="50800" dist="50800" dir="5400000" sx="10000" sy="10000" algn="ctr" rotWithShape="0">
+        <a:srgbClr val="000000">
+          <a:alpha val="43137"/>
+        </a:srgbClr>
+      </a:outerShdw>
+      <a:softEdge rad="0"/>
+    </a:effectLst>
+  </cx:spPr>
+</cx:chartSpace>
+</file>
+
+<file path=ppt/charts/colors1.xml><?xml version="1.0" encoding="utf-8"?>
+<cs:colorStyle xmlns:cs="http://schemas.microsoft.com/office/drawing/2012/chartStyle" xmlns:a="http://schemas.openxmlformats.org/drawingml/2006/main" meth="cycle" id="11">
+  <a:schemeClr val="accent1"/>
+  <a:schemeClr val="accent3"/>
+  <a:schemeClr val="accent5"/>
+  <cs:variation/>
+  <cs:variation>
+    <a:lumMod val="60000"/>
+  </cs:variation>
+  <cs:variation>
+    <a:lumMod val="80000"/>
+    <a:lumOff val="20000"/>
+  </cs:variation>
+  <cs:variation>
+    <a:lumMod val="80000"/>
+  </cs:variation>
+  <cs:variation>
+    <a:lumMod val="60000"/>
+    <a:lumOff val="40000"/>
+  </cs:variation>
+  <cs:variation>
+    <a:lumMod val="50000"/>
+  </cs:variation>
+  <cs:variation>
+    <a:lumMod val="70000"/>
+    <a:lumOff val="30000"/>
+  </cs:variation>
+  <cs:variation>
+    <a:lumMod val="70000"/>
+  </cs:variation>
+  <cs:variation>
+    <a:lumMod val="50000"/>
+    <a:lumOff val="50000"/>
+  </cs:variation>
+</cs:colorStyle>
+</file>
+
+<file path=ppt/charts/style1.xml><?xml version="1.0" encoding="utf-8"?>
+<cs:chartStyle xmlns:cs="http://schemas.microsoft.com/office/drawing/2012/chartStyle" xmlns:a="http://schemas.openxmlformats.org/drawingml/2006/main" id="373">
+  <cs:axisTitle>
+    <cs:lnRef idx="0"/>
+    <cs:fillRef idx="0"/>
+    <cs:effectRef idx="0"/>
+    <cs:fontRef idx="minor">
+      <a:schemeClr val="tx1">
+        <a:lumMod val="65000"/>
+        <a:lumOff val="35000"/>
+      </a:schemeClr>
+    </cs:fontRef>
+    <cs:defRPr sz="900"/>
+  </cs:axisTitle>
+  <cs:categoryAxis>
+    <cs:lnRef idx="0"/>
+    <cs:fillRef idx="0"/>
+    <cs:effectRef idx="0"/>
+    <cs:fontRef idx="minor">
+      <a:schemeClr val="tx1">
+        <a:lumMod val="65000"/>
+        <a:lumOff val="35000"/>
+      </a:schemeClr>
+    </cs:fontRef>
+    <cs:spPr>
+      <a:ln w="9525" cap="flat" cmpd="sng" algn="ctr">
+        <a:solidFill>
+          <a:schemeClr val="tx1">
+            <a:lumMod val="15000"/>
+            <a:lumOff val="85000"/>
+          </a:schemeClr>
+        </a:solidFill>
+        <a:round/>
+      </a:ln>
+    </cs:spPr>
+    <cs:defRPr sz="900"/>
+  </cs:categoryAxis>
+  <cs:chartArea mods="allowNoFillOverride allowNoLineOverride">
+    <cs:lnRef idx="0"/>
+    <cs:fillRef idx="0"/>
+    <cs:effectRef idx="0"/>
+    <cs:fontRef idx="minor">
+      <a:schemeClr val="tx1"/>
+    </cs:fontRef>
+    <cs:spPr>
+      <a:solidFill>
+        <a:schemeClr val="bg1"/>
+      </a:solidFill>
+      <a:ln w="9525" cap="flat" cmpd="sng" algn="ctr">
+        <a:solidFill>
+          <a:schemeClr val="tx1">
+            <a:lumMod val="15000"/>
+            <a:lumOff val="85000"/>
+          </a:schemeClr>
+        </a:solidFill>
+        <a:round/>
+      </a:ln>
+    </cs:spPr>
+    <cs:defRPr sz="1000"/>
+  </cs:chartArea>
+  <cs:dataLabel>
+    <cs:lnRef idx="0"/>
+    <cs:fillRef idx="0"/>
+    <cs:effectRef idx="0"/>
+    <cs:fontRef idx="minor">
+      <a:schemeClr val="tx1">
+        <a:lumMod val="65000"/>
+        <a:lumOff val="35000"/>
+      </a:schemeClr>
+    </cs:fontRef>
+    <cs:defRPr sz="900"/>
+  </cs:dataLabel>
+  <cs:dataLabelCallout>
+    <cs:lnRef idx="0"/>
+    <cs:fillRef idx="0"/>
+    <cs:effectRef idx="0"/>
+    <cs:fontRef idx="minor">
+      <a:schemeClr val="dk1">
+        <a:lumMod val="65000"/>
+        <a:lumOff val="35000"/>
+      </a:schemeClr>
+    </cs:fontRef>
+    <cs:spPr>
+      <a:solidFill>
+        <a:schemeClr val="lt1"/>
+      </a:solidFill>
+      <a:ln>
+        <a:solidFill>
+          <a:schemeClr val="dk1">
+            <a:lumMod val="25000"/>
+            <a:lumOff val="75000"/>
+          </a:schemeClr>
+        </a:solidFill>
+      </a:ln>
+    </cs:spPr>
+    <cs:defRPr sz="900"/>
+    <cs:bodyPr rot="0" spcFirstLastPara="1" vertOverflow="clip" horzOverflow="clip" vert="horz" wrap="square" lIns="36576" tIns="18288" rIns="36576" bIns="18288" anchor="ctr" anchorCtr="1">
+      <a:spAutoFit/>
+    </cs:bodyPr>
+  </cs:dataLabelCallout>
+  <cs:dataPoint>
+    <cs:lnRef idx="0">
+      <cs:styleClr val="auto"/>
+    </cs:lnRef>
+    <cs:fillRef idx="0">
+      <cs:styleClr val="auto"/>
+    </cs:fillRef>
+    <cs:effectRef idx="0"/>
+    <cs:fontRef idx="minor">
+      <a:schemeClr val="tx1"/>
+    </cs:fontRef>
+    <cs:spPr>
+      <a:solidFill>
+        <a:schemeClr val="phClr"/>
+      </a:solidFill>
+      <a:ln>
+        <a:solidFill>
+          <a:schemeClr val="phClr"/>
+        </a:solidFill>
+      </a:ln>
+    </cs:spPr>
+  </cs:dataPoint>
+  <cs:dataPoint3D>
+    <cs:lnRef idx="0"/>
+    <cs:fillRef idx="0">
+      <cs:styleClr val="auto"/>
+    </cs:fillRef>
+    <cs:effectRef idx="0"/>
+    <cs:fontRef idx="minor">
+      <a:schemeClr val="tx1"/>
+    </cs:fontRef>
+    <cs:spPr>
+      <a:solidFill>
+        <a:schemeClr val="phClr"/>
+      </a:solidFill>
+    </cs:spPr>
+  </cs:dataPoint3D>
+  <cs:dataPointLine>
+    <cs:lnRef idx="0">
+      <cs:styleClr val="auto"/>
+    </cs:lnRef>
+    <cs:fillRef idx="0"/>
+    <cs:effectRef idx="0"/>
+    <cs:fontRef idx="minor">
+      <a:schemeClr val="tx1"/>
+    </cs:fontRef>
+    <cs:spPr>
+      <a:ln w="28575" cap="rnd">
+        <a:solidFill>
+          <a:schemeClr val="phClr"/>
+        </a:solidFill>
+        <a:round/>
+      </a:ln>
+    </cs:spPr>
+  </cs:dataPointLine>
+  <cs:dataPointMarker>
+    <cs:lnRef idx="0"/>
+    <cs:fillRef idx="0">
+      <cs:styleClr val="auto"/>
+    </cs:fillRef>
+    <cs:effectRef idx="0"/>
+    <cs:fontRef idx="minor">
+      <a:schemeClr val="tx1"/>
+    </cs:fontRef>
+    <cs:spPr>
+      <a:solidFill>
+        <a:schemeClr val="phClr"/>
+      </a:solidFill>
+      <a:ln w="9525">
+        <a:solidFill>
+          <a:schemeClr val="lt1"/>
+        </a:solidFill>
+      </a:ln>
+    </cs:spPr>
+  </cs:dataPointMarker>
+  <cs:dataPointMarkerLayout symbol="circle" size="5"/>
+  <cs:dataPointWireframe>
+    <cs:lnRef idx="0">
+      <cs:styleClr val="auto"/>
+    </cs:lnRef>
+    <cs:fillRef idx="0"/>
+    <cs:effectRef idx="0"/>
+    <cs:fontRef idx="minor">
+      <a:schemeClr val="tx1"/>
+    </cs:fontRef>
+    <cs:spPr>
+      <a:ln w="28575" cap="rnd">
+        <a:solidFill>
+          <a:schemeClr val="phClr"/>
+        </a:solidFill>
+        <a:round/>
+      </a:ln>
+    </cs:spPr>
+  </cs:dataPointWireframe>
+  <cs:dataTable>
+    <cs:lnRef idx="0"/>
+    <cs:fillRef idx="0"/>
+    <cs:effectRef idx="0"/>
+    <cs:fontRef idx="minor">
+      <a:schemeClr val="tx1">
+        <a:lumMod val="65000"/>
+        <a:lumOff val="35000"/>
+      </a:schemeClr>
+    </cs:fontRef>
+    <cs:spPr>
+      <a:ln w="9525">
+        <a:solidFill>
+          <a:schemeClr val="tx1">
+            <a:lumMod val="15000"/>
+            <a:lumOff val="85000"/>
+          </a:schemeClr>
+        </a:solidFill>
+      </a:ln>
+    </cs:spPr>
+    <cs:defRPr sz="900"/>
+  </cs:dataTable>
+  <cs:downBar>
+    <cs:lnRef idx="0"/>
+    <cs:fillRef idx="0"/>
+    <cs:effectRef idx="0"/>
+    <cs:fontRef idx="minor">
+      <a:schemeClr val="dk1"/>
+    </cs:fontRef>
+    <cs:spPr>
+      <a:solidFill>
+        <a:schemeClr val="dk1">
+          <a:lumMod val="65000"/>
+          <a:lumOff val="35000"/>
+        </a:schemeClr>
+      </a:solidFill>
+      <a:ln w="9525">
+        <a:solidFill>
+          <a:schemeClr val="tx1">
+            <a:lumMod val="65000"/>
+            <a:lumOff val="35000"/>
+          </a:schemeClr>
+        </a:solidFill>
+      </a:ln>
+    </cs:spPr>
+  </cs:downBar>
+  <cs:dropLine>
+    <cs:lnRef idx="0"/>
+    <cs:fillRef idx="0"/>
+    <cs:effectRef idx="0"/>
+    <cs:fontRef idx="minor">
+      <a:schemeClr val="tx1"/>
+    </cs:fontRef>
+    <cs:spPr>
+      <a:ln w="9525" cap="flat" cmpd="sng" algn="ctr">
+        <a:solidFill>
+          <a:schemeClr val="tx1">
+            <a:lumMod val="35000"/>
+            <a:lumOff val="65000"/>
+          </a:schemeClr>
+        </a:solidFill>
+        <a:round/>
+      </a:ln>
+    </cs:spPr>
+  </cs:dropLine>
+  <cs:errorBar>
+    <cs:lnRef idx="0"/>
+    <cs:fillRef idx="0"/>
+    <cs:effectRef idx="0"/>
+    <cs:fontRef idx="minor">
+      <a:schemeClr val="tx1"/>
+    </cs:fontRef>
+    <cs:spPr>
+      <a:ln w="9525" cap="flat" cmpd="sng" algn="ctr">
+        <a:solidFill>
+          <a:schemeClr val="tx1">
+            <a:lumMod val="65000"/>
+            <a:lumOff val="35000"/>
+          </a:schemeClr>
+        </a:solidFill>
+        <a:round/>
+      </a:ln>
+    </cs:spPr>
+  </cs:errorBar>
+  <cs:floor>
+    <cs:lnRef idx="0"/>
+    <cs:fillRef idx="0"/>
+    <cs:effectRef idx="0"/>
+    <cs:fontRef idx="minor">
+      <a:schemeClr val="tx1"/>
+    </cs:fontRef>
+  </cs:floor>
+  <cs:gridlineMajor>
+    <cs:lnRef idx="0"/>
+    <cs:fillRef idx="0"/>
+    <cs:effectRef idx="0"/>
+    <cs:fontRef idx="minor">
+      <a:schemeClr val="tx1"/>
+    </cs:fontRef>
+    <cs:spPr>
+      <a:ln w="9525" cap="flat" cmpd="sng" algn="ctr">
+        <a:solidFill>
+          <a:schemeClr val="tx1">
+            <a:lumMod val="15000"/>
+            <a:lumOff val="85000"/>
+          </a:schemeClr>
+        </a:solidFill>
+        <a:round/>
+      </a:ln>
+    </cs:spPr>
+  </cs:gridlineMajor>
+  <cs:gridlineMinor>
+    <cs:lnRef idx="0"/>
+    <cs:fillRef idx="0"/>
+    <cs:effectRef idx="0"/>
+    <cs:fontRef idx="minor">
+      <a:schemeClr val="tx1"/>
+    </cs:fontRef>
+    <cs:spPr>
+      <a:ln w="9525" cap="flat" cmpd="sng" algn="ctr">
+        <a:solidFill>
+          <a:schemeClr val="tx1">
+            <a:lumMod val="15000"/>
+            <a:lumOff val="85000"/>
+          </a:schemeClr>
+        </a:solidFill>
+        <a:round/>
+      </a:ln>
+    </cs:spPr>
+  </cs:gridlineMinor>
+  <cs:hiLoLine>
+    <cs:lnRef idx="0"/>
+    <cs:fillRef idx="0"/>
+    <cs:effectRef idx="0"/>
+    <cs:fontRef idx="minor">
+      <a:schemeClr val="tx1"/>
+    </cs:fontRef>
+    <cs:spPr>
+      <a:ln w="9525" cap="flat" cmpd="sng" algn="ctr">
+        <a:solidFill>
+          <a:schemeClr val="tx1">
+            <a:lumMod val="75000"/>
+            <a:lumOff val="25000"/>
+          </a:schemeClr>
+        </a:solidFill>
+        <a:round/>
+      </a:ln>
+    </cs:spPr>
+  </cs:hiLoLine>
+  <cs:leaderLine>
+    <cs:lnRef idx="0"/>
+    <cs:fillRef idx="0"/>
+    <cs:effectRef idx="0"/>
+    <cs:fontRef idx="minor">
+      <a:schemeClr val="tx1"/>
+    </cs:fontRef>
+    <cs:spPr>
+      <a:ln w="9525" cap="flat" cmpd="sng" algn="ctr">
+        <a:solidFill>
+          <a:schemeClr val="tx1">
+            <a:lumMod val="35000"/>
+            <a:lumOff val="65000"/>
+          </a:schemeClr>
+        </a:solidFill>
+        <a:round/>
+      </a:ln>
+    </cs:spPr>
+  </cs:leaderLine>
+  <cs:legend>
+    <cs:lnRef idx="0"/>
+    <cs:fillRef idx="0"/>
+    <cs:effectRef idx="0"/>
+    <cs:fontRef idx="minor">
+      <a:schemeClr val="tx1">
+        <a:lumMod val="65000"/>
+        <a:lumOff val="35000"/>
+      </a:schemeClr>
+    </cs:fontRef>
+    <cs:defRPr sz="900"/>
+  </cs:legend>
+  <cs:plotArea mods="allowNoFillOverride allowNoLineOverride">
+    <cs:lnRef idx="0"/>
+    <cs:fillRef idx="0"/>
+    <cs:effectRef idx="0"/>
+    <cs:fontRef idx="minor">
+      <a:schemeClr val="tx1"/>
+    </cs:fontRef>
+  </cs:plotArea>
+  <cs:plotArea3D mods="allowNoFillOverride allowNoLineOverride">
+    <cs:lnRef idx="0"/>
+    <cs:fillRef idx="0"/>
+    <cs:effectRef idx="0"/>
+    <cs:fontRef idx="minor">
+      <a:schemeClr val="tx1"/>
+    </cs:fontRef>
+  </cs:plotArea3D>
+  <cs:seriesAxis>
+    <cs:lnRef idx="0"/>
+    <cs:fillRef idx="0"/>
+    <cs:effectRef idx="0"/>
+    <cs:fontRef idx="minor">
+      <a:schemeClr val="tx1">
+        <a:lumMod val="65000"/>
+        <a:lumOff val="35000"/>
+      </a:schemeClr>
+    </cs:fontRef>
+    <cs:spPr>
+      <a:ln w="9525" cap="flat" cmpd="sng" algn="ctr">
+        <a:solidFill>
+          <a:schemeClr val="tx1">
+            <a:lumMod val="15000"/>
+            <a:lumOff val="85000"/>
+          </a:schemeClr>
+        </a:solidFill>
+        <a:round/>
+      </a:ln>
+    </cs:spPr>
+    <cs:defRPr sz="900"/>
+  </cs:seriesAxis>
+  <cs:seriesLine>
+    <cs:lnRef idx="0"/>
+    <cs:fillRef idx="0"/>
+    <cs:effectRef idx="0"/>
+    <cs:fontRef idx="minor">
+      <a:schemeClr val="tx1"/>
+    </cs:fontRef>
+    <cs:spPr>
+      <a:ln w="9525" cap="flat">
+        <a:solidFill>
+          <a:srgbClr val="D9D9D9"/>
+        </a:solidFill>
+        <a:round/>
+      </a:ln>
+    </cs:spPr>
+  </cs:seriesLine>
+  <cs:title>
+    <cs:lnRef idx="0"/>
+    <cs:fillRef idx="0"/>
+    <cs:effectRef idx="0"/>
+    <cs:fontRef idx="minor">
+      <a:schemeClr val="tx1">
+        <a:lumMod val="65000"/>
+        <a:lumOff val="35000"/>
+      </a:schemeClr>
+    </cs:fontRef>
+    <cs:defRPr sz="1400"/>
+  </cs:title>
+  <cs:trendline>
+    <cs:lnRef idx="0">
+      <cs:styleClr val="auto"/>
+    </cs:lnRef>
+    <cs:fillRef idx="0"/>
+    <cs:effectRef idx="0"/>
+    <cs:fontRef idx="minor">
+      <a:schemeClr val="tx1"/>
+    </cs:fontRef>
+    <cs:spPr>
+      <a:ln w="19050" cap="rnd">
+        <a:solidFill>
+          <a:schemeClr val="phClr"/>
+        </a:solidFill>
+        <a:prstDash val="sysDash"/>
+      </a:ln>
+    </cs:spPr>
+  </cs:trendline>
+  <cs:trendlineLabel>
+    <cs:lnRef idx="0"/>
+    <cs:fillRef idx="0"/>
+    <cs:effectRef idx="0"/>
+    <cs:fontRef idx="minor">
+      <a:schemeClr val="tx1">
+        <a:lumMod val="65000"/>
+        <a:lumOff val="35000"/>
+      </a:schemeClr>
+    </cs:fontRef>
+    <cs:defRPr sz="900"/>
+  </cs:trendlineLabel>
+  <cs:upBar>
+    <cs:lnRef idx="0"/>
+    <cs:fillRef idx="0"/>
+    <cs:effectRef idx="0"/>
+    <cs:fontRef idx="minor">
+      <a:schemeClr val="dk1"/>
+    </cs:fontRef>
+    <cs:spPr>
+      <a:solidFill>
+        <a:schemeClr val="lt1"/>
+      </a:solidFill>
+      <a:ln w="9525">
+        <a:solidFill>
+          <a:schemeClr val="tx1">
+            <a:lumMod val="15000"/>
+            <a:lumOff val="85000"/>
+          </a:schemeClr>
+        </a:solidFill>
+      </a:ln>
+    </cs:spPr>
+  </cs:upBar>
+  <cs:valueAxis>
+    <cs:lnRef idx="0"/>
+    <cs:fillRef idx="0"/>
+    <cs:effectRef idx="0"/>
+    <cs:fontRef idx="minor">
+      <a:schemeClr val="tx1">
+        <a:lumMod val="65000"/>
+        <a:lumOff val="35000"/>
+      </a:schemeClr>
+    </cs:fontRef>
+    <cs:defRPr sz="900"/>
+  </cs:valueAxis>
+  <cs:wall>
+    <cs:lnRef idx="0"/>
+    <cs:fillRef idx="0"/>
+    <cs:effectRef idx="0"/>
+    <cs:fontRef idx="minor">
+      <a:schemeClr val="tx1"/>
+    </cs:fontRef>
+  </cs:wall>
+</cs:chartStyle>
 </file>
 
 <file path=ppt/notesMasters/notesMaster1.xml><?xml version="1.0" encoding="utf-8"?>
@@ -696,110 +1522,6 @@
 </file>
 
 <file path=ppt/notesSlides/notesSlide1.xml><?xml version="1.0" encoding="utf-8"?>
-<p:notes xmlns:a="http://schemas.openxmlformats.org/drawingml/2006/main" xmlns:r="http://schemas.openxmlformats.org/officeDocument/2006/relationships" xmlns:p="http://schemas.openxmlformats.org/presentationml/2006/main" showMasterSp="0" showMasterPhAnim="0">
-  <p:cSld>
-    <p:spTree>
-      <p:nvGrpSpPr>
-        <p:cNvPr id="1" name="Shape 50"/>
-        <p:cNvGrpSpPr/>
-        <p:nvPr/>
-      </p:nvGrpSpPr>
-      <p:grpSpPr>
-        <a:xfrm>
-          <a:off x="0" y="0"/>
-          <a:ext cx="0" cy="0"/>
-          <a:chOff x="0" y="0"/>
-          <a:chExt cx="0" cy="0"/>
-        </a:xfrm>
-      </p:grpSpPr>
-      <p:sp>
-        <p:nvSpPr>
-          <p:cNvPr id="51" name="Google Shape;51;g1dc0c13fe2_0_0:notes"/>
-          <p:cNvSpPr>
-            <a:spLocks noGrp="1" noRot="1" noChangeAspect="1"/>
-          </p:cNvSpPr>
-          <p:nvPr>
-            <p:ph type="sldImg" idx="2"/>
-          </p:nvPr>
-        </p:nvSpPr>
-        <p:spPr>
-          <a:xfrm>
-            <a:off x="381300" y="685800"/>
-            <a:ext cx="6096000" cy="3429000"/>
-          </a:xfrm>
-          <a:custGeom>
-            <a:avLst/>
-            <a:gdLst/>
-            <a:ahLst/>
-            <a:cxnLst/>
-            <a:rect l="l" t="t" r="r" b="b"/>
-            <a:pathLst>
-              <a:path w="120000" h="120000" extrusionOk="0">
-                <a:moveTo>
-                  <a:pt x="0" y="0"/>
-                </a:moveTo>
-                <a:lnTo>
-                  <a:pt x="120000" y="0"/>
-                </a:lnTo>
-                <a:lnTo>
-                  <a:pt x="120000" y="120000"/>
-                </a:lnTo>
-                <a:lnTo>
-                  <a:pt x="0" y="120000"/>
-                </a:lnTo>
-                <a:close/>
-              </a:path>
-            </a:pathLst>
-          </a:custGeom>
-        </p:spPr>
-      </p:sp>
-      <p:sp>
-        <p:nvSpPr>
-          <p:cNvPr id="52" name="Google Shape;52;g1dc0c13fe2_0_0:notes"/>
-          <p:cNvSpPr txBox="1">
-            <a:spLocks noGrp="1"/>
-          </p:cNvSpPr>
-          <p:nvPr>
-            <p:ph type="body" idx="1"/>
-          </p:nvPr>
-        </p:nvSpPr>
-        <p:spPr>
-          <a:xfrm>
-            <a:off x="685800" y="4343400"/>
-            <a:ext cx="5486400" cy="4114800"/>
-          </a:xfrm>
-          <a:prstGeom prst="rect">
-            <a:avLst/>
-          </a:prstGeom>
-        </p:spPr>
-        <p:txBody>
-          <a:bodyPr spcFirstLastPara="1" wrap="square" lIns="91425" tIns="91425" rIns="91425" bIns="91425" anchor="t" anchorCtr="0">
-            <a:noAutofit/>
-          </a:bodyPr>
-          <a:lstStyle/>
-          <a:p>
-            <a:pPr marL="0" lvl="0" indent="0" algn="l" rtl="0">
-              <a:spcBef>
-                <a:spcPts val="0"/>
-              </a:spcBef>
-              <a:spcAft>
-                <a:spcPts val="0"/>
-              </a:spcAft>
-              <a:buNone/>
-            </a:pPr>
-            <a:endParaRPr/>
-          </a:p>
-        </p:txBody>
-      </p:sp>
-    </p:spTree>
-  </p:cSld>
-  <p:clrMapOvr>
-    <a:masterClrMapping/>
-  </p:clrMapOvr>
-</p:notes>
-</file>
-
-<file path=ppt/notesSlides/notesSlide2.xml><?xml version="1.0" encoding="utf-8"?>
 <p:notes xmlns:a="http://schemas.openxmlformats.org/drawingml/2006/main" xmlns:r="http://schemas.openxmlformats.org/officeDocument/2006/relationships" xmlns:p="http://schemas.openxmlformats.org/presentationml/2006/main" showMasterSp="0" showMasterPhAnim="0">
   <p:cSld>
     <p:spTree>
@@ -5657,152 +6379,6 @@
   <p:cSld>
     <p:spTree>
       <p:nvGrpSpPr>
-        <p:cNvPr id="1" name="Shape 53"/>
-        <p:cNvGrpSpPr/>
-        <p:nvPr/>
-      </p:nvGrpSpPr>
-      <p:grpSpPr>
-        <a:xfrm>
-          <a:off x="0" y="0"/>
-          <a:ext cx="0" cy="0"/>
-          <a:chOff x="0" y="0"/>
-          <a:chExt cx="0" cy="0"/>
-        </a:xfrm>
-      </p:grpSpPr>
-      <p:sp>
-        <p:nvSpPr>
-          <p:cNvPr id="54" name="Google Shape;54;p13"/>
-          <p:cNvSpPr txBox="1">
-            <a:spLocks noGrp="1"/>
-          </p:cNvSpPr>
-          <p:nvPr>
-            <p:ph type="body" idx="1"/>
-          </p:nvPr>
-        </p:nvSpPr>
-        <p:spPr>
-          <a:xfrm>
-            <a:off x="2471100" y="971550"/>
-            <a:ext cx="4201800" cy="3200400"/>
-          </a:xfrm>
-          <a:prstGeom prst="rect">
-            <a:avLst/>
-          </a:prstGeom>
-        </p:spPr>
-        <p:txBody>
-          <a:bodyPr spcFirstLastPara="1" wrap="square" lIns="91425" tIns="91425" rIns="91425" bIns="91425" anchor="t" anchorCtr="0">
-            <a:noAutofit/>
-          </a:bodyPr>
-          <a:lstStyle/>
-          <a:p>
-            <a:pPr marL="0" lvl="0" indent="0" algn="ctr" rtl="0">
-              <a:spcBef>
-                <a:spcPts val="0"/>
-              </a:spcBef>
-              <a:spcAft>
-                <a:spcPts val="0"/>
-              </a:spcAft>
-              <a:buNone/>
-            </a:pPr>
-            <a:r>
-              <a:rPr lang="en" sz="3000">
-                <a:latin typeface="Open Sans"/>
-                <a:ea typeface="Open Sans"/>
-                <a:cs typeface="Open Sans"/>
-                <a:sym typeface="Open Sans"/>
-              </a:rPr>
-              <a:t>Please make a copy! </a:t>
-            </a:r>
-            <a:endParaRPr sz="3000">
-              <a:latin typeface="Open Sans"/>
-              <a:ea typeface="Open Sans"/>
-              <a:cs typeface="Open Sans"/>
-              <a:sym typeface="Open Sans"/>
-            </a:endParaRPr>
-          </a:p>
-          <a:p>
-            <a:pPr marL="0" lvl="0" indent="0" algn="ctr" rtl="0">
-              <a:spcBef>
-                <a:spcPts val="1600"/>
-              </a:spcBef>
-              <a:spcAft>
-                <a:spcPts val="0"/>
-              </a:spcAft>
-              <a:buNone/>
-            </a:pPr>
-            <a:r>
-              <a:rPr lang="en">
-                <a:latin typeface="Open Sans"/>
-                <a:ea typeface="Open Sans"/>
-                <a:cs typeface="Open Sans"/>
-                <a:sym typeface="Open Sans"/>
-              </a:rPr>
-              <a:t>File -&gt; Make a Copy</a:t>
-            </a:r>
-            <a:endParaRPr>
-              <a:latin typeface="Open Sans"/>
-              <a:ea typeface="Open Sans"/>
-              <a:cs typeface="Open Sans"/>
-              <a:sym typeface="Open Sans"/>
-            </a:endParaRPr>
-          </a:p>
-          <a:p>
-            <a:pPr marL="0" lvl="0" indent="0" algn="ctr" rtl="0">
-              <a:spcBef>
-                <a:spcPts val="1600"/>
-              </a:spcBef>
-              <a:spcAft>
-                <a:spcPts val="0"/>
-              </a:spcAft>
-              <a:buNone/>
-            </a:pPr>
-            <a:r>
-              <a:rPr lang="en">
-                <a:latin typeface="Open Sans"/>
-                <a:ea typeface="Open Sans"/>
-                <a:cs typeface="Open Sans"/>
-                <a:sym typeface="Open Sans"/>
-              </a:rPr>
-              <a:t>Remember to include your workbook and this presentation in your submission!</a:t>
-            </a:r>
-            <a:endParaRPr>
-              <a:latin typeface="Open Sans"/>
-              <a:ea typeface="Open Sans"/>
-              <a:cs typeface="Open Sans"/>
-              <a:sym typeface="Open Sans"/>
-            </a:endParaRPr>
-          </a:p>
-          <a:p>
-            <a:pPr marL="0" lvl="0" indent="0" algn="ctr" rtl="0">
-              <a:spcBef>
-                <a:spcPts val="1600"/>
-              </a:spcBef>
-              <a:spcAft>
-                <a:spcPts val="1600"/>
-              </a:spcAft>
-              <a:buNone/>
-            </a:pPr>
-            <a:endParaRPr>
-              <a:latin typeface="Open Sans"/>
-              <a:ea typeface="Open Sans"/>
-              <a:cs typeface="Open Sans"/>
-              <a:sym typeface="Open Sans"/>
-            </a:endParaRPr>
-          </a:p>
-        </p:txBody>
-      </p:sp>
-    </p:spTree>
-  </p:cSld>
-  <p:clrMapOvr>
-    <a:masterClrMapping/>
-  </p:clrMapOvr>
-</p:sld>
-</file>
-
-<file path=ppt/slides/slide2.xml><?xml version="1.0" encoding="utf-8"?>
-<p:sld xmlns:a="http://schemas.openxmlformats.org/drawingml/2006/main" xmlns:r="http://schemas.openxmlformats.org/officeDocument/2006/relationships" xmlns:p="http://schemas.openxmlformats.org/presentationml/2006/main">
-  <p:cSld>
-    <p:spTree>
-      <p:nvGrpSpPr>
         <p:cNvPr id="1" name="Shape 58"/>
         <p:cNvGrpSpPr/>
         <p:nvPr/>
@@ -5827,8 +6403,8 @@
         </p:nvSpPr>
         <p:spPr>
           <a:xfrm>
-            <a:off x="5158200" y="1418450"/>
-            <a:ext cx="3591300" cy="3072600"/>
+            <a:off x="5158200" y="1107281"/>
+            <a:ext cx="3591300" cy="3621882"/>
           </a:xfrm>
           <a:prstGeom prst="rect">
             <a:avLst/>
@@ -5857,87 +6433,67 @@
                 <a:spcPts val="0"/>
               </a:spcBef>
               <a:spcAft>
-                <a:spcPts val="1600"/>
+                <a:spcPts val="400"/>
               </a:spcAft>
               <a:buNone/>
             </a:pPr>
             <a:r>
-              <a:rPr lang="en" dirty="0">
-                <a:latin typeface="Open Sans"/>
-                <a:ea typeface="Open Sans"/>
-                <a:cs typeface="Open Sans"/>
-                <a:sym typeface="Open Sans"/>
-              </a:rPr>
-              <a:t>&lt;description&gt;</a:t>
+              <a:rPr lang="en-US" sz="900" dirty="0"/>
+              <a:t>The box-plot graph on the left shows the changes in the Operating Income for the Internet Software &amp; Services industry in 4 years.</a:t>
             </a:r>
-            <a:endParaRPr dirty="0">
-              <a:latin typeface="Open Sans"/>
-              <a:ea typeface="Open Sans"/>
-              <a:cs typeface="Open Sans"/>
-              <a:sym typeface="Open Sans"/>
-            </a:endParaRPr>
           </a:p>
-        </p:txBody>
-      </p:sp>
-      <p:sp>
-        <p:nvSpPr>
-          <p:cNvPr id="60" name="Google Shape;60;p14"/>
-          <p:cNvSpPr/>
-          <p:nvPr/>
-        </p:nvSpPr>
-        <p:spPr>
-          <a:xfrm>
-            <a:off x="354300" y="1418450"/>
-            <a:ext cx="4550700" cy="3072600"/>
-          </a:xfrm>
-          <a:prstGeom prst="rect">
-            <a:avLst/>
-          </a:prstGeom>
-          <a:solidFill>
-            <a:schemeClr val="lt2"/>
-          </a:solidFill>
-          <a:ln w="9525" cap="flat" cmpd="sng">
-            <a:solidFill>
-              <a:schemeClr val="dk2"/>
-            </a:solidFill>
-            <a:prstDash val="solid"/>
-            <a:round/>
-            <a:headEnd type="none" w="sm" len="sm"/>
-            <a:tailEnd type="none" w="sm" len="sm"/>
-          </a:ln>
-        </p:spPr>
-        <p:txBody>
-          <a:bodyPr spcFirstLastPara="1" wrap="square" lIns="91425" tIns="91425" rIns="91425" bIns="91425" anchor="ctr" anchorCtr="0">
-            <a:noAutofit/>
-          </a:bodyPr>
-          <a:lstStyle/>
           <a:p>
-            <a:pPr marL="0" lvl="0" indent="0" algn="ctr" rtl="0">
-              <a:spcBef>
-                <a:spcPts val="0"/>
-              </a:spcBef>
-              <a:spcAft>
-                <a:spcPts val="0"/>
+            <a:pPr marL="0" lvl="0" indent="0" algn="l" rtl="0">
+              <a:spcBef>
+                <a:spcPts val="0"/>
+              </a:spcBef>
+              <a:spcAft>
+                <a:spcPts val="400"/>
               </a:spcAft>
               <a:buNone/>
             </a:pPr>
             <a:r>
-              <a:rPr lang="en"/>
-              <a:t>&lt;</a:t>
+              <a:rPr lang="en-US" sz="900" dirty="0"/>
+              <a:t>We can see that all four box-plots are right or positively skewed distributions, i.e., distributions where the mean is greater than the median. Indeed, in all box-plots, we can see that the median line is below the “X” mark which represents the mean.</a:t>
+            </a:r>
+          </a:p>
+          <a:p>
+            <a:pPr marL="0" lvl="0" indent="0" algn="l" rtl="0">
+              <a:spcBef>
+                <a:spcPts val="0"/>
+              </a:spcBef>
+              <a:spcAft>
+                <a:spcPts val="400"/>
+              </a:spcAft>
+              <a:buNone/>
+            </a:pPr>
+            <a:r>
+              <a:rPr lang="en-US" sz="900" dirty="0"/>
+              <a:t>We can also notice that the Minimum in all cases is a negative number as one company (CRM) has a negative Operating Income for Years 1-3 and one (YHOO) for Year 4. On the other hand, the Maximum steadily increases every year and so does the Range. What is worth considering though is that the IQR is mostly decreasing as we can see by the length of the distance between the two whiskers, which is shortened during Years 1-3 and slightly increases in Year 4 but still under the value it had on Years 1 &amp; 2.</a:t>
+            </a:r>
+          </a:p>
+          <a:p>
+            <a:pPr marL="0" lvl="0" indent="0" algn="l" rtl="0">
+              <a:spcBef>
+                <a:spcPts val="0"/>
+              </a:spcBef>
+              <a:spcAft>
+                <a:spcPts val="400"/>
+              </a:spcAft>
+              <a:buNone/>
+            </a:pPr>
+            <a:r>
+              <a:rPr lang="en-US" sz="900" dirty="0"/>
+              <a:t>As the Mean, Maximum &amp; Range are increasing, while the IQR has a decreasing tendency and the Standard Deviation increases too, we would expect to see more </a:t>
             </a:r>
             <a:r>
-              <a:rPr lang="en">
-                <a:solidFill>
-                  <a:schemeClr val="dk1"/>
-                </a:solidFill>
-              </a:rPr>
-              <a:t>visualization or summary statistics used for finding</a:t>
+              <a:rPr lang="en-US" sz="900" u="sng" dirty="0"/>
+              <a:t>outliers</a:t>
             </a:r>
             <a:r>
-              <a:rPr lang="en"/>
-              <a:t>&gt;</a:t>
+              <a:rPr lang="en-US" sz="900" dirty="0"/>
+              <a:t> in Years 2-4 i.e. data points that are located outside the whiskers of the box plot. Indeed, this is the case as we notice 1 outlier in Year 1, 2 in Year 2, and 3 in Years 3 &amp; 4.</a:t>
             </a:r>
-            <a:endParaRPr/>
           </a:p>
         </p:txBody>
       </p:sp>
@@ -5979,7 +6535,7 @@
               <a:buNone/>
             </a:pPr>
             <a:r>
-              <a:rPr lang="en" dirty="0">
+              <a:rPr lang="en-US" sz="2700" dirty="0">
                 <a:solidFill>
                   <a:srgbClr val="FFFFFF"/>
                 </a:solidFill>
@@ -5988,9 +6544,32 @@
                 <a:cs typeface="Open Sans"/>
                 <a:sym typeface="Open Sans"/>
               </a:rPr>
-              <a:t>Which GICS sector spends the most in R&amp;D, taking into account the Operating Income?</a:t>
+              <a:t>How does the Operating Income for the</a:t>
             </a:r>
-            <a:endParaRPr dirty="0">
+            <a:br>
+              <a:rPr lang="en-US" sz="2700" dirty="0">
+                <a:solidFill>
+                  <a:srgbClr val="FFFFFF"/>
+                </a:solidFill>
+                <a:latin typeface="Open Sans"/>
+                <a:ea typeface="Open Sans"/>
+                <a:cs typeface="Open Sans"/>
+                <a:sym typeface="Open Sans"/>
+              </a:rPr>
+            </a:br>
+            <a:r>
+              <a:rPr lang="en-US" sz="2700" dirty="0">
+                <a:solidFill>
+                  <a:srgbClr val="FFFFFF"/>
+                </a:solidFill>
+                <a:latin typeface="Open Sans"/>
+                <a:ea typeface="Open Sans"/>
+                <a:cs typeface="Open Sans"/>
+                <a:sym typeface="Open Sans"/>
+              </a:rPr>
+              <a:t>Internet Software &amp; Services industry change in 4 years?</a:t>
+            </a:r>
+            <a:endParaRPr sz="2700" dirty="0">
               <a:solidFill>
                 <a:srgbClr val="FFFFFF"/>
               </a:solidFill>
@@ -6002,6 +6581,70 @@
           </a:p>
         </p:txBody>
       </p:sp>
+      <mc:AlternateContent xmlns:mc="http://schemas.openxmlformats.org/markup-compatibility/2006" xmlns:cx1="http://schemas.microsoft.com/office/drawing/2015/9/8/chartex">
+        <mc:Choice Requires="cx1">
+          <p:graphicFrame>
+            <p:nvGraphicFramePr>
+              <p:cNvPr id="2" name="Chart 1">
+                <a:extLst>
+                  <a:ext uri="{FF2B5EF4-FFF2-40B4-BE49-F238E27FC236}">
+                    <a16:creationId xmlns:a16="http://schemas.microsoft.com/office/drawing/2014/main" id="{FFFF70C2-0A5B-B97C-EE27-76E9F42E263D}"/>
+                  </a:ext>
+                </a:extLst>
+              </p:cNvPr>
+              <p:cNvGraphicFramePr/>
+              <p:nvPr>
+                <p:extLst>
+                  <p:ext uri="{D42A27DB-BD31-4B8C-83A1-F6EECF244321}">
+                    <p14:modId xmlns:p14="http://schemas.microsoft.com/office/powerpoint/2010/main" val="1166984330"/>
+                  </p:ext>
+                </p:extLst>
+              </p:nvPr>
+            </p:nvGraphicFramePr>
+            <p:xfrm>
+              <a:off x="115895" y="1028750"/>
+              <a:ext cx="5042305" cy="3700413"/>
+            </p:xfrm>
+            <a:graphic>
+              <a:graphicData uri="http://schemas.microsoft.com/office/drawing/2014/chartex">
+                <cx:chart xmlns:cx="http://schemas.microsoft.com/office/drawing/2014/chartex" xmlns:r="http://schemas.openxmlformats.org/officeDocument/2006/relationships" r:id="rId3"/>
+              </a:graphicData>
+            </a:graphic>
+          </p:graphicFrame>
+        </mc:Choice>
+        <mc:Fallback xmlns="">
+          <p:pic>
+            <p:nvPicPr>
+              <p:cNvPr id="2" name="Chart 1">
+                <a:extLst>
+                  <a:ext uri="{FF2B5EF4-FFF2-40B4-BE49-F238E27FC236}">
+                    <a16:creationId xmlns:a16="http://schemas.microsoft.com/office/drawing/2014/main" id="{FFFF70C2-0A5B-B97C-EE27-76E9F42E263D}"/>
+                  </a:ext>
+                </a:extLst>
+              </p:cNvPr>
+              <p:cNvPicPr>
+                <a:picLocks noGrp="1" noRot="1" noChangeAspect="1" noMove="1" noResize="1" noEditPoints="1" noAdjustHandles="1" noChangeArrowheads="1" noChangeShapeType="1"/>
+              </p:cNvPicPr>
+              <p:nvPr/>
+            </p:nvPicPr>
+            <p:blipFill>
+              <a:blip r:embed="rId4"/>
+              <a:stretch>
+                <a:fillRect/>
+              </a:stretch>
+            </p:blipFill>
+            <p:spPr>
+              <a:xfrm>
+                <a:off x="115895" y="1028750"/>
+                <a:ext cx="5042305" cy="3700413"/>
+              </a:xfrm>
+              <a:prstGeom prst="rect">
+                <a:avLst/>
+              </a:prstGeom>
+            </p:spPr>
+          </p:pic>
+        </mc:Fallback>
+      </mc:AlternateContent>
     </p:spTree>
   </p:cSld>
   <p:clrMapOvr>
